--- a/2024/big-data/BigData.pptx
+++ b/2024/big-data/BigData.pptx
@@ -34,6 +34,14 @@
     <p:sldId id="279" r:id="rId31"/>
     <p:sldId id="280" r:id="rId32"/>
     <p:sldId id="281" r:id="rId33"/>
+    <p:sldId id="282" r:id="rId34"/>
+    <p:sldId id="283" r:id="rId35"/>
+    <p:sldId id="284" r:id="rId36"/>
+    <p:sldId id="285" r:id="rId37"/>
+    <p:sldId id="286" r:id="rId38"/>
+    <p:sldId id="287" r:id="rId39"/>
+    <p:sldId id="288" r:id="rId40"/>
+    <p:sldId id="289" r:id="rId41"/>
   </p:sldIdLst>
   <p:sldSz cx="24384000" cy="13716000"/>
   <p:notesSz cx="6858000" cy="9144000"/>
@@ -4289,7 +4297,7 @@
       </p:grpSpPr>
       <p:sp>
         <p:nvSpPr>
-          <p:cNvPr id="207" name="Příklad: podívejte se na sbíraná data na internetu"/>
+          <p:cNvPr id="207" name="Kde se ty data berou?"/>
           <p:cNvSpPr txBox="1"/>
           <p:nvPr>
             <p:ph type="title"/>
@@ -4302,15 +4310,11 @@
         </p:spPr>
         <p:txBody>
           <a:bodyPr/>
-          <a:lstStyle>
-            <a:lvl1pPr defTabSz="2194505">
-              <a:defRPr spc="-153" sz="7650"/>
-            </a:lvl1pPr>
-          </a:lstStyle>
-          <a:p>
-            <a:pPr/>
-            <a:r>
-              <a:t>Příklad: podívejte se na sbíraná data na internetu</a:t>
+          <a:lstStyle/>
+          <a:p>
+            <a:pPr/>
+            <a:r>
+              <a:t>Kde se ty data berou?</a:t>
             </a:r>
           </a:p>
         </p:txBody>
@@ -4338,7 +4342,7 @@
       </p:sp>
       <p:sp>
         <p:nvSpPr>
-          <p:cNvPr id="209" name="3rd party…"/>
+          <p:cNvPr id="209" name="Sebrané kliky na internetu (Avast 2020)…"/>
           <p:cNvSpPr txBox="1"/>
           <p:nvPr>
             <p:ph type="body" idx="1"/>
@@ -4353,75 +4357,45 @@
           <a:bodyPr/>
           <a:lstStyle/>
           <a:p>
-            <a:pPr/>
-            <a:r>
-              <a:t>3rd party</a:t>
-            </a:r>
-          </a:p>
-          <a:p>
             <a:pPr lvl="1"/>
             <a:r>
-              <a:t>Ukázka: </a:t>
+              <a:t>Sebrané kliky na internetu (</a:t>
             </a:r>
             <a:r>
               <a:rPr u="sng">
                 <a:hlinkClick r:id="rId2" invalidUrl="" action="" tgtFrame="" tooltip="" history="1" highlightClick="0" endSnd="0"/>
               </a:rPr>
-              <a:t>gchd.cz</a:t>
-            </a:r>
-            <a:r>
-              <a:t> , filtr </a:t>
+              <a:t>Avast 2020</a:t>
+            </a:r>
+            <a:r>
+              <a:t>)</a:t>
+            </a:r>
+          </a:p>
+          <a:p>
+            <a:pPr lvl="1"/>
+            <a:r>
+              <a:t>Fotky odeslané robotickými vysavači pro analýzu</a:t>
+            </a:r>
+          </a:p>
+          <a:p>
+            <a:pPr lvl="1"/>
+            <a:r>
+              <a:t>Obecněji data sesbíraná ze všech IOT - světla, chůvičky, kávovary, televize, home assistenti...</a:t>
+            </a:r>
+          </a:p>
+          <a:p>
+            <a:pPr lvl="1"/>
+            <a:r>
+              <a:t>Data z novějších automobilů (diagnostika, kamery, poloha, používání) (</a:t>
             </a:r>
             <a:r>
               <a:rPr u="sng">
                 <a:hlinkClick r:id="rId3" invalidUrl="" action="" tgtFrame="" tooltip="" history="1" highlightClick="0" endSnd="0"/>
               </a:rPr>
-              <a:t>google-analytics.com</a:t>
-            </a:r>
-            <a:r>
-              <a:t> </a:t>
-            </a:r>
-          </a:p>
-          <a:p>
-            <a:pPr/>
-            <a:r>
-              <a:t>1st party</a:t>
-            </a:r>
-          </a:p>
-          <a:p>
-            <a:pPr lvl="1"/>
-            <a:r>
-              <a:t>Ukázka: </a:t>
-            </a:r>
-            <a:r>
-              <a:rPr u="sng">
-                <a:hlinkClick r:id="rId4" invalidUrl="" action="" tgtFrame="" tooltip="" history="1" highlightClick="0" endSnd="0"/>
-              </a:rPr>
-              <a:t>google.com</a:t>
-            </a:r>
-            <a:r>
-              <a:t> , filtr gen_204 </a:t>
-            </a:r>
-          </a:p>
-          <a:p>
-            <a:pPr lvl="1"/>
-            <a:r>
-              <a:t>Ukázka: </a:t>
-            </a:r>
-            <a:r>
-              <a:rPr u="sng">
-                <a:hlinkClick r:id="rId5" invalidUrl="" action="" tgtFrame="" tooltip="" history="1" highlightClick="0" endSnd="0"/>
-              </a:rPr>
-              <a:t>search.seznam.cz</a:t>
-            </a:r>
-            <a:r>
-              <a:t> , filtr v3</a:t>
-            </a:r>
-          </a:p>
-          <a:p>
-            <a:pPr/>
-            <a:r>
-              <a:t>Výjimky existují (např. duckduckgo)</a:t>
+              <a:t>Mozilla</a:t>
+            </a:r>
+            <a:r>
+              <a:t>)</a:t>
             </a:r>
           </a:p>
         </p:txBody>
@@ -4454,7 +4428,7 @@
       </p:grpSpPr>
       <p:sp>
         <p:nvSpPr>
-          <p:cNvPr id="211" name="Úkol"/>
+          <p:cNvPr id="211" name="Příklad: podívejte se na sbíraná data na internetu"/>
           <p:cNvSpPr txBox="1"/>
           <p:nvPr>
             <p:ph type="title"/>
@@ -4467,11 +4441,15 @@
         </p:spPr>
         <p:txBody>
           <a:bodyPr/>
-          <a:lstStyle/>
-          <a:p>
-            <a:pPr/>
-            <a:r>
-              <a:t>Úkol</a:t>
+          <a:lstStyle>
+            <a:lvl1pPr defTabSz="2194505">
+              <a:defRPr spc="-153" sz="7650"/>
+            </a:lvl1pPr>
+          </a:lstStyle>
+          <a:p>
+            <a:pPr/>
+            <a:r>
+              <a:t>Příklad: podívejte se na sbíraná data na internetu</a:t>
             </a:r>
           </a:p>
         </p:txBody>
@@ -4499,7 +4477,7 @@
       </p:sp>
       <p:sp>
         <p:nvSpPr>
-          <p:cNvPr id="213" name="Sbírá nějaká data o chování uživatelů web vaší školy?"/>
+          <p:cNvPr id="213" name="3rd party…"/>
           <p:cNvSpPr txBox="1"/>
           <p:nvPr>
             <p:ph type="body" idx="1"/>
@@ -4516,7 +4494,73 @@
           <a:p>
             <a:pPr/>
             <a:r>
-              <a:t>Sbírá nějaká data o chování uživatelů web vaší školy?</a:t>
+              <a:t>3rd party</a:t>
+            </a:r>
+          </a:p>
+          <a:p>
+            <a:pPr lvl="1"/>
+            <a:r>
+              <a:t>Ukázka: </a:t>
+            </a:r>
+            <a:r>
+              <a:rPr u="sng">
+                <a:hlinkClick r:id="rId2" invalidUrl="" action="" tgtFrame="" tooltip="" history="1" highlightClick="0" endSnd="0"/>
+              </a:rPr>
+              <a:t>gchd.cz</a:t>
+            </a:r>
+            <a:r>
+              <a:t> , filtr </a:t>
+            </a:r>
+            <a:r>
+              <a:rPr u="sng">
+                <a:hlinkClick r:id="rId3" invalidUrl="" action="" tgtFrame="" tooltip="" history="1" highlightClick="0" endSnd="0"/>
+              </a:rPr>
+              <a:t>google-analytics.com</a:t>
+            </a:r>
+            <a:r>
+              <a:t> </a:t>
+            </a:r>
+          </a:p>
+          <a:p>
+            <a:pPr/>
+            <a:r>
+              <a:t>1st party</a:t>
+            </a:r>
+          </a:p>
+          <a:p>
+            <a:pPr lvl="1"/>
+            <a:r>
+              <a:t>Ukázka: </a:t>
+            </a:r>
+            <a:r>
+              <a:rPr u="sng">
+                <a:hlinkClick r:id="rId4" invalidUrl="" action="" tgtFrame="" tooltip="" history="1" highlightClick="0" endSnd="0"/>
+              </a:rPr>
+              <a:t>google.com</a:t>
+            </a:r>
+            <a:r>
+              <a:t> , filtr gen_204 </a:t>
+            </a:r>
+          </a:p>
+          <a:p>
+            <a:pPr lvl="1"/>
+            <a:r>
+              <a:t>Ukázka: </a:t>
+            </a:r>
+            <a:r>
+              <a:rPr u="sng">
+                <a:hlinkClick r:id="rId5" invalidUrl="" action="" tgtFrame="" tooltip="" history="1" highlightClick="0" endSnd="0"/>
+              </a:rPr>
+              <a:t>search.seznam.cz</a:t>
+            </a:r>
+            <a:r>
+              <a:t> , filtr v3</a:t>
+            </a:r>
+          </a:p>
+          <a:p>
+            <a:pPr/>
+            <a:r>
+              <a:t>Výjimky existují (např. duckduckgo)</a:t>
             </a:r>
           </a:p>
         </p:txBody>
@@ -4549,7 +4593,7 @@
       </p:grpSpPr>
       <p:sp>
         <p:nvSpPr>
-          <p:cNvPr id="215" name="Příklad: google analytics"/>
+          <p:cNvPr id="215" name="Úkol"/>
           <p:cNvSpPr txBox="1"/>
           <p:nvPr>
             <p:ph type="title"/>
@@ -4566,7 +4610,7 @@
           <a:p>
             <a:pPr/>
             <a:r>
-              <a:t>Příklad: google analytics</a:t>
+              <a:t>Úkol</a:t>
             </a:r>
           </a:p>
         </p:txBody>
@@ -4594,7 +4638,7 @@
       </p:sp>
       <p:sp>
         <p:nvSpPr>
-          <p:cNvPr id="217" name="Text s odrážkami na snímku"/>
+          <p:cNvPr id="217" name="Sbírá nějaká data o chování uživatelů web vaší školy?"/>
           <p:cNvSpPr txBox="1"/>
           <p:nvPr>
             <p:ph type="body" idx="1"/>
@@ -4610,38 +4654,12 @@
           <a:lstStyle/>
           <a:p>
             <a:pPr/>
-          </a:p>
-        </p:txBody>
-      </p:sp>
-      <p:pic>
-        <p:nvPicPr>
-          <p:cNvPr id="218" name="ga4-screen.png" descr="ga4-screen.png"/>
-          <p:cNvPicPr>
-            <a:picLocks noChangeAspect="1"/>
-          </p:cNvPicPr>
-          <p:nvPr/>
-        </p:nvPicPr>
-        <p:blipFill>
-          <a:blip r:embed="rId2">
-            <a:extLst/>
-          </a:blip>
-          <a:stretch>
-            <a:fillRect/>
-          </a:stretch>
-        </p:blipFill>
-        <p:spPr>
-          <a:xfrm>
-            <a:off x="154260" y="620744"/>
-            <a:ext cx="24384001" cy="12318649"/>
-          </a:xfrm>
-          <a:prstGeom prst="rect">
-            <a:avLst/>
-          </a:prstGeom>
-          <a:ln w="12700">
-            <a:miter lim="400000"/>
-          </a:ln>
-        </p:spPr>
-      </p:pic>
+            <a:r>
+              <a:t>Sbírá nějaká data o chování uživatelů web vaší školy?</a:t>
+            </a:r>
+          </a:p>
+        </p:txBody>
+      </p:sp>
     </p:spTree>
   </p:cSld>
   <p:clrMapOvr>
@@ -4670,7 +4688,7 @@
       </p:grpSpPr>
       <p:sp>
         <p:nvSpPr>
-          <p:cNvPr id="220" name="Jak to uložit?"/>
+          <p:cNvPr id="219" name="Příklad: google analytics"/>
           <p:cNvSpPr txBox="1"/>
           <p:nvPr>
             <p:ph type="title"/>
@@ -4687,14 +4705,14 @@
           <a:p>
             <a:pPr/>
             <a:r>
-              <a:t>Jak to uložit?</a:t>
-            </a:r>
-          </a:p>
-        </p:txBody>
-      </p:sp>
-      <p:sp>
-        <p:nvSpPr>
-          <p:cNvPr id="221" name="Podtitul snímku"/>
+              <a:t>Příklad: google analytics</a:t>
+            </a:r>
+          </a:p>
+        </p:txBody>
+      </p:sp>
+      <p:sp>
+        <p:nvSpPr>
+          <p:cNvPr id="220" name="Podtitul snímku"/>
           <p:cNvSpPr txBox="1"/>
           <p:nvPr>
             <p:ph type="body" idx="21"/>
@@ -4715,7 +4733,7 @@
       </p:sp>
       <p:sp>
         <p:nvSpPr>
-          <p:cNvPr id="222" name="Zálohovací magnetické pásky…"/>
+          <p:cNvPr id="221" name="Text s odrážkami na snímku"/>
           <p:cNvSpPr txBox="1"/>
           <p:nvPr>
             <p:ph type="body" idx="1"/>
@@ -4731,42 +4749,38 @@
           <a:lstStyle/>
           <a:p>
             <a:pPr/>
-            <a:r>
-              <a:t>Zálohovací magnetické pásky</a:t>
-            </a:r>
-          </a:p>
-          <a:p>
-            <a:pPr lvl="1"/>
-            <a:r>
-              <a:t>Vysoká kapacita (desítky TB), pomalý sekvenční přístup, levnější</a:t>
-            </a:r>
-          </a:p>
-          <a:p>
-            <a:pPr/>
-            <a:r>
-              <a:t>HDD</a:t>
-            </a:r>
-          </a:p>
-          <a:p>
-            <a:pPr lvl="1"/>
-            <a:r>
-              <a:t>Vysoká kapacita (desítky TB), náhodný přístup, vyšší chybovost než pásky, dražší</a:t>
-            </a:r>
-          </a:p>
-          <a:p>
-            <a:pPr/>
-            <a:r>
-              <a:t>SSD</a:t>
-            </a:r>
-          </a:p>
-          <a:p>
-            <a:pPr lvl="1"/>
-            <a:r>
-              <a:t>Nižší kapacita než HDD, dražší než HDD, rychlejší</a:t>
-            </a:r>
-          </a:p>
-        </p:txBody>
-      </p:sp>
+          </a:p>
+        </p:txBody>
+      </p:sp>
+      <p:pic>
+        <p:nvPicPr>
+          <p:cNvPr id="222" name="ga4-screen.png" descr="ga4-screen.png"/>
+          <p:cNvPicPr>
+            <a:picLocks noChangeAspect="1"/>
+          </p:cNvPicPr>
+          <p:nvPr/>
+        </p:nvPicPr>
+        <p:blipFill>
+          <a:blip r:embed="rId2">
+            <a:extLst/>
+          </a:blip>
+          <a:stretch>
+            <a:fillRect/>
+          </a:stretch>
+        </p:blipFill>
+        <p:spPr>
+          <a:xfrm>
+            <a:off x="154260" y="620744"/>
+            <a:ext cx="24384001" cy="12318649"/>
+          </a:xfrm>
+          <a:prstGeom prst="rect">
+            <a:avLst/>
+          </a:prstGeom>
+          <a:ln w="12700">
+            <a:miter lim="400000"/>
+          </a:ln>
+        </p:spPr>
+      </p:pic>
     </p:spTree>
   </p:cSld>
   <p:clrMapOvr>
@@ -4795,7 +4809,7 @@
       </p:grpSpPr>
       <p:sp>
         <p:nvSpPr>
-          <p:cNvPr id="224" name="Jak to zpracovat?"/>
+          <p:cNvPr id="224" name="Příklad Google Analytics"/>
           <p:cNvSpPr txBox="1"/>
           <p:nvPr>
             <p:ph type="title"/>
@@ -4812,14 +4826,14 @@
           <a:p>
             <a:pPr/>
             <a:r>
-              <a:t>Jak to zpracovat?</a:t>
-            </a:r>
-          </a:p>
-        </p:txBody>
-      </p:sp>
-      <p:sp>
-        <p:nvSpPr>
-          <p:cNvPr id="225" name="Schematický příklad Spark"/>
+              <a:t>Příklad Google Analytics</a:t>
+            </a:r>
+          </a:p>
+        </p:txBody>
+      </p:sp>
+      <p:sp>
+        <p:nvSpPr>
+          <p:cNvPr id="225" name="Podtitul snímku"/>
           <p:cNvSpPr txBox="1"/>
           <p:nvPr>
             <p:ph type="body" idx="21"/>
@@ -4829,26 +4843,18 @@
           <a:prstGeom prst="rect">
             <a:avLst/>
           </a:prstGeom>
-          <a:extLst>
-            <a:ext uri="{C572A759-6A51-4108-AA02-DFA0A04FC94B}">
-              <ma14:wrappingTextBoxFlag xmlns:ma14="http://schemas.microsoft.com/office/mac/drawingml/2011/main" val="1"/>
-            </a:ext>
-          </a:extLst>
-        </p:spPr>
-        <p:txBody>
-          <a:bodyPr/>
-          <a:lstStyle/>
-          <a:p>
-            <a:pPr/>
-            <a:r>
-              <a:t>Schematický příklad Spark</a:t>
-            </a:r>
-          </a:p>
-        </p:txBody>
-      </p:sp>
-      <p:sp>
-        <p:nvSpPr>
-          <p:cNvPr id="226" name="SELECT SUM(Length) FROM titles WHERE type = 'MOVIE'"/>
+        </p:spPr>
+        <p:txBody>
+          <a:bodyPr/>
+          <a:lstStyle/>
+          <a:p>
+            <a:pPr/>
+          </a:p>
+        </p:txBody>
+      </p:sp>
+      <p:sp>
+        <p:nvSpPr>
+          <p:cNvPr id="226" name="Která data GA sbírá? https://support.google.com/analytics/answer/9216061?sjid=394968269327435673-EU…"/>
           <p:cNvSpPr txBox="1"/>
           <p:nvPr>
             <p:ph type="body" idx="1"/>
@@ -4863,317 +4869,221 @@
           <a:bodyPr/>
           <a:lstStyle/>
           <a:p>
-            <a:pPr/>
-            <a:r>
-              <a:t>SELECT SUM(Length) FROM titles WHERE type = 'MOVIE'</a:t>
-            </a:r>
-          </a:p>
-        </p:txBody>
-      </p:sp>
-      <p:pic>
-        <p:nvPicPr>
-          <p:cNvPr id="227" name="server.jpeg" descr="server.jpeg"/>
-          <p:cNvPicPr>
-            <a:picLocks noChangeAspect="1"/>
-          </p:cNvPicPr>
-          <p:nvPr/>
-        </p:nvPicPr>
-        <p:blipFill>
-          <a:blip r:embed="rId2">
-            <a:extLst/>
-          </a:blip>
-          <a:stretch>
-            <a:fillRect/>
-          </a:stretch>
-        </p:blipFill>
-        <p:spPr>
-          <a:xfrm>
-            <a:off x="2211664" y="5602997"/>
-            <a:ext cx="1891734" cy="1891733"/>
-          </a:xfrm>
-          <a:prstGeom prst="rect">
-            <a:avLst/>
-          </a:prstGeom>
-          <a:ln w="12700">
-            <a:miter lim="400000"/>
-          </a:ln>
-        </p:spPr>
-      </p:pic>
-      <p:pic>
-        <p:nvPicPr>
-          <p:cNvPr id="228" name="server.jpeg" descr="server.jpeg"/>
-          <p:cNvPicPr>
-            <a:picLocks noChangeAspect="1"/>
-          </p:cNvPicPr>
-          <p:nvPr/>
-        </p:nvPicPr>
-        <p:blipFill>
-          <a:blip r:embed="rId2">
-            <a:extLst/>
-          </a:blip>
-          <a:stretch>
-            <a:fillRect/>
-          </a:stretch>
-        </p:blipFill>
-        <p:spPr>
-          <a:xfrm>
-            <a:off x="5223154" y="5602997"/>
-            <a:ext cx="1891733" cy="1891733"/>
-          </a:xfrm>
-          <a:prstGeom prst="rect">
-            <a:avLst/>
-          </a:prstGeom>
-          <a:ln w="12700">
-            <a:miter lim="400000"/>
-          </a:ln>
-        </p:spPr>
-      </p:pic>
-      <p:pic>
-        <p:nvPicPr>
-          <p:cNvPr id="229" name="server.jpeg" descr="server.jpeg"/>
-          <p:cNvPicPr>
-            <a:picLocks noChangeAspect="1"/>
-          </p:cNvPicPr>
-          <p:nvPr/>
-        </p:nvPicPr>
-        <p:blipFill>
-          <a:blip r:embed="rId2">
-            <a:extLst/>
-          </a:blip>
-          <a:stretch>
-            <a:fillRect/>
-          </a:stretch>
-        </p:blipFill>
-        <p:spPr>
-          <a:xfrm>
-            <a:off x="8234644" y="5602997"/>
-            <a:ext cx="1891733" cy="1891733"/>
-          </a:xfrm>
-          <a:prstGeom prst="rect">
-            <a:avLst/>
-          </a:prstGeom>
-          <a:ln w="12700">
-            <a:miter lim="400000"/>
-          </a:ln>
-        </p:spPr>
-      </p:pic>
-      <p:pic>
-        <p:nvPicPr>
-          <p:cNvPr id="230" name="server.jpeg" descr="server.jpeg"/>
-          <p:cNvPicPr>
-            <a:picLocks noChangeAspect="1"/>
-          </p:cNvPicPr>
-          <p:nvPr/>
-        </p:nvPicPr>
-        <p:blipFill>
-          <a:blip r:embed="rId2">
-            <a:extLst/>
-          </a:blip>
-          <a:stretch>
-            <a:fillRect/>
-          </a:stretch>
-        </p:blipFill>
-        <p:spPr>
-          <a:xfrm>
-            <a:off x="11246133" y="5602997"/>
-            <a:ext cx="1891734" cy="1891733"/>
-          </a:xfrm>
-          <a:prstGeom prst="rect">
-            <a:avLst/>
-          </a:prstGeom>
-          <a:ln w="12700">
-            <a:miter lim="400000"/>
-          </a:ln>
-        </p:spPr>
-      </p:pic>
-      <p:pic>
-        <p:nvPicPr>
-          <p:cNvPr id="231" name="server.jpeg" descr="server.jpeg"/>
-          <p:cNvPicPr>
-            <a:picLocks noChangeAspect="1"/>
-          </p:cNvPicPr>
-          <p:nvPr/>
-        </p:nvPicPr>
-        <p:blipFill>
-          <a:blip r:embed="rId2">
-            <a:extLst/>
-          </a:blip>
-          <a:stretch>
-            <a:fillRect/>
-          </a:stretch>
-        </p:blipFill>
-        <p:spPr>
-          <a:xfrm>
-            <a:off x="14257623" y="5602997"/>
-            <a:ext cx="1891733" cy="1891733"/>
-          </a:xfrm>
-          <a:prstGeom prst="rect">
-            <a:avLst/>
-          </a:prstGeom>
-          <a:ln w="12700">
-            <a:miter lim="400000"/>
-          </a:ln>
-        </p:spPr>
-      </p:pic>
-      <p:pic>
-        <p:nvPicPr>
-          <p:cNvPr id="232" name="server.jpeg" descr="server.jpeg"/>
-          <p:cNvPicPr>
-            <a:picLocks noChangeAspect="1"/>
-          </p:cNvPicPr>
-          <p:nvPr/>
-        </p:nvPicPr>
-        <p:blipFill>
-          <a:blip r:embed="rId2">
-            <a:extLst/>
-          </a:blip>
-          <a:stretch>
-            <a:fillRect/>
-          </a:stretch>
-        </p:blipFill>
-        <p:spPr>
-          <a:xfrm>
-            <a:off x="17269113" y="5602997"/>
-            <a:ext cx="1891733" cy="1891733"/>
-          </a:xfrm>
-          <a:prstGeom prst="rect">
-            <a:avLst/>
-          </a:prstGeom>
-          <a:ln w="12700">
-            <a:miter lim="400000"/>
-          </a:ln>
-        </p:spPr>
-      </p:pic>
-      <p:pic>
-        <p:nvPicPr>
-          <p:cNvPr id="233" name="server.jpeg" descr="server.jpeg"/>
-          <p:cNvPicPr>
-            <a:picLocks noChangeAspect="1"/>
-          </p:cNvPicPr>
-          <p:nvPr/>
-        </p:nvPicPr>
-        <p:blipFill>
-          <a:blip r:embed="rId2">
-            <a:extLst/>
-          </a:blip>
-          <a:stretch>
-            <a:fillRect/>
-          </a:stretch>
-        </p:blipFill>
-        <p:spPr>
-          <a:xfrm>
-            <a:off x="20280602" y="5602997"/>
-            <a:ext cx="1891734" cy="1891733"/>
-          </a:xfrm>
-          <a:prstGeom prst="rect">
-            <a:avLst/>
-          </a:prstGeom>
-          <a:ln w="12700">
-            <a:miter lim="400000"/>
-          </a:ln>
-        </p:spPr>
-      </p:pic>
-      <p:sp>
-        <p:nvSpPr>
-          <p:cNvPr id="234" name="1. Na každém serveru zvlášť Sum type = 'MOVIE'"/>
-          <p:cNvSpPr txBox="1"/>
-          <p:nvPr/>
-        </p:nvSpPr>
-        <p:spPr>
-          <a:xfrm>
-            <a:off x="5442661" y="7972294"/>
-            <a:ext cx="13498679" cy="808432"/>
-          </a:xfrm>
-          <a:prstGeom prst="rect">
-            <a:avLst/>
-          </a:prstGeom>
-          <a:ln w="12700">
-            <a:miter lim="400000"/>
-          </a:ln>
-          <a:extLst>
-            <a:ext uri="{C572A759-6A51-4108-AA02-DFA0A04FC94B}">
-              <ma14:wrappingTextBoxFlag xmlns:ma14="http://schemas.microsoft.com/office/mac/drawingml/2011/main" val="1"/>
-            </a:ext>
-          </a:extLst>
-        </p:spPr>
-        <p:txBody>
-          <a:bodyPr wrap="none" lIns="50800" tIns="50800" rIns="50800" bIns="50800" anchor="ctr">
-            <a:spAutoFit/>
-          </a:bodyPr>
-          <a:lstStyle/>
-          <a:p>
-            <a:pPr/>
-            <a:r>
-              <a:t>1. Na každém serveru zvlášť Sum type = 'MOVIE'</a:t>
-            </a:r>
-          </a:p>
-        </p:txBody>
-      </p:sp>
-      <p:sp>
-        <p:nvSpPr>
-          <p:cNvPr id="235" name="2. Sum mezisoučtů"/>
-          <p:cNvSpPr txBox="1"/>
-          <p:nvPr/>
-        </p:nvSpPr>
-        <p:spPr>
-          <a:xfrm>
-            <a:off x="9520580" y="11283627"/>
-            <a:ext cx="5342840" cy="808432"/>
-          </a:xfrm>
-          <a:prstGeom prst="rect">
-            <a:avLst/>
-          </a:prstGeom>
-          <a:ln w="12700">
-            <a:miter lim="400000"/>
-          </a:ln>
-          <a:extLst>
-            <a:ext uri="{C572A759-6A51-4108-AA02-DFA0A04FC94B}">
-              <ma14:wrappingTextBoxFlag xmlns:ma14="http://schemas.microsoft.com/office/mac/drawingml/2011/main" val="1"/>
-            </a:ext>
-          </a:extLst>
-        </p:spPr>
-        <p:txBody>
-          <a:bodyPr wrap="none" lIns="50800" tIns="50800" rIns="50800" bIns="50800" anchor="ctr">
-            <a:spAutoFit/>
-          </a:bodyPr>
-          <a:lstStyle/>
-          <a:p>
-            <a:pPr/>
-            <a:r>
-              <a:t>2. Sum mezisoučtů</a:t>
-            </a:r>
-          </a:p>
-        </p:txBody>
-      </p:sp>
-      <p:pic>
-        <p:nvPicPr>
-          <p:cNvPr id="236" name="server.jpeg" descr="server.jpeg"/>
-          <p:cNvPicPr>
-            <a:picLocks noChangeAspect="1"/>
-          </p:cNvPicPr>
-          <p:nvPr/>
-        </p:nvPicPr>
-        <p:blipFill>
-          <a:blip r:embed="rId2">
-            <a:extLst/>
-          </a:blip>
-          <a:stretch>
-            <a:fillRect/>
-          </a:stretch>
-        </p:blipFill>
-        <p:spPr>
-          <a:xfrm>
-            <a:off x="11246133" y="9086310"/>
-            <a:ext cx="1891734" cy="1891733"/>
-          </a:xfrm>
-          <a:prstGeom prst="rect">
-            <a:avLst/>
-          </a:prstGeom>
-          <a:ln w="12700">
-            <a:miter lim="400000"/>
-          </a:ln>
-        </p:spPr>
-      </p:pic>
+            <a:pPr marL="560831" indent="-560831" defTabSz="2243271">
+              <a:spcBef>
+                <a:spcPts val="4100"/>
+              </a:spcBef>
+              <a:defRPr sz="4416"/>
+            </a:pPr>
+            <a:r>
+              <a:t>Která data GA sbírá? </a:t>
+            </a:r>
+            <a:r>
+              <a:rPr u="sng">
+                <a:hlinkClick r:id="rId2" invalidUrl="" action="" tgtFrame="" tooltip="" history="1" highlightClick="0" endSnd="0"/>
+              </a:rPr>
+              <a:t>https://support.google.com/analytics/answer/9216061?sjid=394968269327435673-EU</a:t>
+            </a:r>
+            <a:r>
+              <a:t> </a:t>
+            </a:r>
+          </a:p>
+          <a:p>
+            <a:pPr marL="560831" indent="-560831" defTabSz="2243271">
+              <a:spcBef>
+                <a:spcPts val="4100"/>
+              </a:spcBef>
+              <a:defRPr sz="4416"/>
+            </a:pPr>
+            <a:r>
+              <a:t>Jak pracné je zavést to?</a:t>
+            </a:r>
+          </a:p>
+          <a:p>
+            <a:pPr marL="560831" indent="-560831" defTabSz="2243271">
+              <a:spcBef>
+                <a:spcPts val="4100"/>
+              </a:spcBef>
+              <a:defRPr sz="4416"/>
+            </a:pPr>
+          </a:p>
+          <a:p>
+            <a:pPr marL="0" indent="0" defTabSz="420623">
+              <a:lnSpc>
+                <a:spcPct val="100000"/>
+              </a:lnSpc>
+              <a:spcBef>
+                <a:spcPts val="0"/>
+              </a:spcBef>
+              <a:buSzTx/>
+              <a:buNone/>
+              <a:defRPr sz="3496">
+                <a:latin typeface="Menlo Regular"/>
+                <a:ea typeface="Menlo Regular"/>
+                <a:cs typeface="Menlo Regular"/>
+                <a:sym typeface="Menlo Regular"/>
+              </a:defRPr>
+            </a:pPr>
+            <a:r>
+              <a:t>&lt;!-- Google tag (gtag.js) --&gt;</a:t>
+            </a:r>
+          </a:p>
+          <a:p>
+            <a:pPr marL="0" indent="0" defTabSz="420623">
+              <a:lnSpc>
+                <a:spcPct val="100000"/>
+              </a:lnSpc>
+              <a:spcBef>
+                <a:spcPts val="0"/>
+              </a:spcBef>
+              <a:buSzTx/>
+              <a:buNone/>
+              <a:defRPr sz="3496">
+                <a:latin typeface="Menlo Regular"/>
+                <a:ea typeface="Menlo Regular"/>
+                <a:cs typeface="Menlo Regular"/>
+                <a:sym typeface="Menlo Regular"/>
+              </a:defRPr>
+            </a:pPr>
+            <a:r>
+              <a:t>&lt;script async src="https://www.googletagmanager.com/gtag/js?id=</a:t>
+            </a:r>
+            <a:r>
+              <a:rPr b="1"/>
+              <a:t>G-XXXXXXX</a:t>
+            </a:r>
+            <a:r>
+              <a:t>"&gt;&lt;/script&gt;</a:t>
+            </a:r>
+          </a:p>
+          <a:p>
+            <a:pPr marL="0" indent="0" defTabSz="420623">
+              <a:lnSpc>
+                <a:spcPct val="100000"/>
+              </a:lnSpc>
+              <a:spcBef>
+                <a:spcPts val="0"/>
+              </a:spcBef>
+              <a:buSzTx/>
+              <a:buNone/>
+              <a:defRPr sz="3496">
+                <a:latin typeface="Menlo Regular"/>
+                <a:ea typeface="Menlo Regular"/>
+                <a:cs typeface="Menlo Regular"/>
+                <a:sym typeface="Menlo Regular"/>
+              </a:defRPr>
+            </a:pPr>
+            <a:r>
+              <a:t>&lt;script&gt;</a:t>
+            </a:r>
+          </a:p>
+          <a:p>
+            <a:pPr marL="0" indent="0" defTabSz="420623">
+              <a:lnSpc>
+                <a:spcPct val="100000"/>
+              </a:lnSpc>
+              <a:spcBef>
+                <a:spcPts val="0"/>
+              </a:spcBef>
+              <a:buSzTx/>
+              <a:buNone/>
+              <a:defRPr sz="3496">
+                <a:latin typeface="Menlo Regular"/>
+                <a:ea typeface="Menlo Regular"/>
+                <a:cs typeface="Menlo Regular"/>
+                <a:sym typeface="Menlo Regular"/>
+              </a:defRPr>
+            </a:pPr>
+            <a:r>
+              <a:t> window.dataLayer = window.dataLayer || [];</a:t>
+            </a:r>
+          </a:p>
+          <a:p>
+            <a:pPr marL="0" indent="0" defTabSz="420623">
+              <a:lnSpc>
+                <a:spcPct val="100000"/>
+              </a:lnSpc>
+              <a:spcBef>
+                <a:spcPts val="0"/>
+              </a:spcBef>
+              <a:buSzTx/>
+              <a:buNone/>
+              <a:defRPr sz="3496">
+                <a:latin typeface="Menlo Regular"/>
+                <a:ea typeface="Menlo Regular"/>
+                <a:cs typeface="Menlo Regular"/>
+                <a:sym typeface="Menlo Regular"/>
+              </a:defRPr>
+            </a:pPr>
+            <a:r>
+              <a:t> function gtag(){dataLayer.push(arguments);}</a:t>
+            </a:r>
+          </a:p>
+          <a:p>
+            <a:pPr marL="0" indent="0" defTabSz="420623">
+              <a:lnSpc>
+                <a:spcPct val="100000"/>
+              </a:lnSpc>
+              <a:spcBef>
+                <a:spcPts val="0"/>
+              </a:spcBef>
+              <a:buSzTx/>
+              <a:buNone/>
+              <a:defRPr sz="3496">
+                <a:latin typeface="Menlo Regular"/>
+                <a:ea typeface="Menlo Regular"/>
+                <a:cs typeface="Menlo Regular"/>
+                <a:sym typeface="Menlo Regular"/>
+              </a:defRPr>
+            </a:pPr>
+            <a:r>
+              <a:t> gtag('js', new Date());</a:t>
+            </a:r>
+          </a:p>
+          <a:p>
+            <a:pPr marL="0" indent="0" defTabSz="420623">
+              <a:lnSpc>
+                <a:spcPct val="100000"/>
+              </a:lnSpc>
+              <a:spcBef>
+                <a:spcPts val="0"/>
+              </a:spcBef>
+              <a:buSzTx/>
+              <a:buNone/>
+              <a:defRPr sz="3496">
+                <a:latin typeface="Menlo Regular"/>
+                <a:ea typeface="Menlo Regular"/>
+                <a:cs typeface="Menlo Regular"/>
+                <a:sym typeface="Menlo Regular"/>
+              </a:defRPr>
+            </a:pPr>
+            <a:r>
+              <a:t> gtag('config', 'G-PSW1MY7HB4');</a:t>
+            </a:r>
+          </a:p>
+          <a:p>
+            <a:pPr marL="0" indent="0" defTabSz="420623">
+              <a:lnSpc>
+                <a:spcPct val="100000"/>
+              </a:lnSpc>
+              <a:spcBef>
+                <a:spcPts val="0"/>
+              </a:spcBef>
+              <a:buSzTx/>
+              <a:buNone/>
+              <a:defRPr sz="3496">
+                <a:latin typeface="Menlo Regular"/>
+                <a:ea typeface="Menlo Regular"/>
+                <a:cs typeface="Menlo Regular"/>
+                <a:sym typeface="Menlo Regular"/>
+              </a:defRPr>
+            </a:pPr>
+            <a:r>
+              <a:t>&lt;/script&gt;</a:t>
+            </a:r>
+          </a:p>
+        </p:txBody>
+      </p:sp>
     </p:spTree>
   </p:cSld>
   <p:clrMapOvr>
@@ -5202,7 +5112,7 @@
       </p:grpSpPr>
       <p:sp>
         <p:nvSpPr>
-          <p:cNvPr id="238" name="Jak to zpracovat?"/>
+          <p:cNvPr id="228" name="Jak to uložit?"/>
           <p:cNvSpPr txBox="1"/>
           <p:nvPr>
             <p:ph type="title"/>
@@ -5219,14 +5129,14 @@
           <a:p>
             <a:pPr/>
             <a:r>
-              <a:t>Jak to zpracovat?</a:t>
-            </a:r>
-          </a:p>
-        </p:txBody>
-      </p:sp>
-      <p:sp>
-        <p:nvSpPr>
-          <p:cNvPr id="239" name="Podtitul snímku"/>
+              <a:t>Jak to uložit?</a:t>
+            </a:r>
+          </a:p>
+        </p:txBody>
+      </p:sp>
+      <p:sp>
+        <p:nvSpPr>
+          <p:cNvPr id="229" name="Podtitul snímku"/>
           <p:cNvSpPr txBox="1"/>
           <p:nvPr>
             <p:ph type="body" idx="21"/>
@@ -5247,7 +5157,7 @@
       </p:sp>
       <p:sp>
         <p:nvSpPr>
-          <p:cNvPr id="240" name="Deskriptivní analýza - nástroje podobné SQL…"/>
+          <p:cNvPr id="230" name="Zálohovací magnetické pásky…"/>
           <p:cNvSpPr txBox="1"/>
           <p:nvPr>
             <p:ph type="body" idx="1"/>
@@ -5264,19 +5174,37 @@
           <a:p>
             <a:pPr/>
             <a:r>
-              <a:t>Deskriptivní analýza - nástroje podobné SQL</a:t>
-            </a:r>
-          </a:p>
-          <a:p>
-            <a:pPr/>
-            <a:r>
-              <a:t>Statistika</a:t>
-            </a:r>
-          </a:p>
-          <a:p>
-            <a:pPr/>
-            <a:r>
-              <a:t>Učení AI</a:t>
+              <a:t>Zálohovací magnetické pásky</a:t>
+            </a:r>
+          </a:p>
+          <a:p>
+            <a:pPr lvl="1"/>
+            <a:r>
+              <a:t>Vysoká kapacita (desítky TB), pomalý sekvenční přístup, levnější</a:t>
+            </a:r>
+          </a:p>
+          <a:p>
+            <a:pPr/>
+            <a:r>
+              <a:t>HDD</a:t>
+            </a:r>
+          </a:p>
+          <a:p>
+            <a:pPr lvl="1"/>
+            <a:r>
+              <a:t>Vysoká kapacita (desítky TB), náhodný přístup, vyšší chybovost než pásky, dražší</a:t>
+            </a:r>
+          </a:p>
+          <a:p>
+            <a:pPr/>
+            <a:r>
+              <a:t>SSD</a:t>
+            </a:r>
+          </a:p>
+          <a:p>
+            <a:pPr lvl="1"/>
+            <a:r>
+              <a:t>Nižší kapacita než HDD, dražší než HDD, rychlejší</a:t>
             </a:r>
           </a:p>
         </p:txBody>
@@ -5309,7 +5237,7 @@
       </p:grpSpPr>
       <p:sp>
         <p:nvSpPr>
-          <p:cNvPr id="242" name="AI"/>
+          <p:cNvPr id="232" name="Jak to zpracovat?"/>
           <p:cNvSpPr txBox="1"/>
           <p:nvPr>
             <p:ph type="title"/>
@@ -5326,14 +5254,14 @@
           <a:p>
             <a:pPr/>
             <a:r>
-              <a:t>AI</a:t>
-            </a:r>
-          </a:p>
-        </p:txBody>
-      </p:sp>
-      <p:sp>
-        <p:nvSpPr>
-          <p:cNvPr id="243" name="Příklady"/>
+              <a:t>Jak to zpracovat?</a:t>
+            </a:r>
+          </a:p>
+        </p:txBody>
+      </p:sp>
+      <p:sp>
+        <p:nvSpPr>
+          <p:cNvPr id="233" name="Schematický příklad Spark"/>
           <p:cNvSpPr txBox="1"/>
           <p:nvPr>
             <p:ph type="body" idx="21"/>
@@ -5355,6 +5283,520 @@
           <a:p>
             <a:pPr/>
             <a:r>
+              <a:t>Schematický příklad Spark</a:t>
+            </a:r>
+          </a:p>
+        </p:txBody>
+      </p:sp>
+      <p:sp>
+        <p:nvSpPr>
+          <p:cNvPr id="234" name="SELECT SUM(Length) FROM titles WHERE type = 'MOVIE'"/>
+          <p:cNvSpPr txBox="1"/>
+          <p:nvPr>
+            <p:ph type="body" idx="1"/>
+          </p:nvPr>
+        </p:nvSpPr>
+        <p:spPr>
+          <a:prstGeom prst="rect">
+            <a:avLst/>
+          </a:prstGeom>
+        </p:spPr>
+        <p:txBody>
+          <a:bodyPr/>
+          <a:lstStyle/>
+          <a:p>
+            <a:pPr/>
+            <a:r>
+              <a:t>SELECT SUM(Length) FROM titles WHERE type = 'MOVIE'</a:t>
+            </a:r>
+          </a:p>
+        </p:txBody>
+      </p:sp>
+      <p:pic>
+        <p:nvPicPr>
+          <p:cNvPr id="235" name="server.jpeg" descr="server.jpeg"/>
+          <p:cNvPicPr>
+            <a:picLocks noChangeAspect="1"/>
+          </p:cNvPicPr>
+          <p:nvPr/>
+        </p:nvPicPr>
+        <p:blipFill>
+          <a:blip r:embed="rId2">
+            <a:extLst/>
+          </a:blip>
+          <a:stretch>
+            <a:fillRect/>
+          </a:stretch>
+        </p:blipFill>
+        <p:spPr>
+          <a:xfrm>
+            <a:off x="2211665" y="5602997"/>
+            <a:ext cx="1891733" cy="1891733"/>
+          </a:xfrm>
+          <a:prstGeom prst="rect">
+            <a:avLst/>
+          </a:prstGeom>
+          <a:ln w="12700">
+            <a:miter lim="400000"/>
+          </a:ln>
+        </p:spPr>
+      </p:pic>
+      <p:pic>
+        <p:nvPicPr>
+          <p:cNvPr id="236" name="server.jpeg" descr="server.jpeg"/>
+          <p:cNvPicPr>
+            <a:picLocks noChangeAspect="1"/>
+          </p:cNvPicPr>
+          <p:nvPr/>
+        </p:nvPicPr>
+        <p:blipFill>
+          <a:blip r:embed="rId2">
+            <a:extLst/>
+          </a:blip>
+          <a:stretch>
+            <a:fillRect/>
+          </a:stretch>
+        </p:blipFill>
+        <p:spPr>
+          <a:xfrm>
+            <a:off x="5223154" y="5602997"/>
+            <a:ext cx="1891733" cy="1891733"/>
+          </a:xfrm>
+          <a:prstGeom prst="rect">
+            <a:avLst/>
+          </a:prstGeom>
+          <a:ln w="12700">
+            <a:miter lim="400000"/>
+          </a:ln>
+        </p:spPr>
+      </p:pic>
+      <p:pic>
+        <p:nvPicPr>
+          <p:cNvPr id="237" name="server.jpeg" descr="server.jpeg"/>
+          <p:cNvPicPr>
+            <a:picLocks noChangeAspect="1"/>
+          </p:cNvPicPr>
+          <p:nvPr/>
+        </p:nvPicPr>
+        <p:blipFill>
+          <a:blip r:embed="rId2">
+            <a:extLst/>
+          </a:blip>
+          <a:stretch>
+            <a:fillRect/>
+          </a:stretch>
+        </p:blipFill>
+        <p:spPr>
+          <a:xfrm>
+            <a:off x="8234643" y="5602997"/>
+            <a:ext cx="1891734" cy="1891733"/>
+          </a:xfrm>
+          <a:prstGeom prst="rect">
+            <a:avLst/>
+          </a:prstGeom>
+          <a:ln w="12700">
+            <a:miter lim="400000"/>
+          </a:ln>
+        </p:spPr>
+      </p:pic>
+      <p:pic>
+        <p:nvPicPr>
+          <p:cNvPr id="238" name="server.jpeg" descr="server.jpeg"/>
+          <p:cNvPicPr>
+            <a:picLocks noChangeAspect="1"/>
+          </p:cNvPicPr>
+          <p:nvPr/>
+        </p:nvPicPr>
+        <p:blipFill>
+          <a:blip r:embed="rId2">
+            <a:extLst/>
+          </a:blip>
+          <a:stretch>
+            <a:fillRect/>
+          </a:stretch>
+        </p:blipFill>
+        <p:spPr>
+          <a:xfrm>
+            <a:off x="11246133" y="5602997"/>
+            <a:ext cx="1891733" cy="1891733"/>
+          </a:xfrm>
+          <a:prstGeom prst="rect">
+            <a:avLst/>
+          </a:prstGeom>
+          <a:ln w="12700">
+            <a:miter lim="400000"/>
+          </a:ln>
+        </p:spPr>
+      </p:pic>
+      <p:pic>
+        <p:nvPicPr>
+          <p:cNvPr id="239" name="server.jpeg" descr="server.jpeg"/>
+          <p:cNvPicPr>
+            <a:picLocks noChangeAspect="1"/>
+          </p:cNvPicPr>
+          <p:nvPr/>
+        </p:nvPicPr>
+        <p:blipFill>
+          <a:blip r:embed="rId2">
+            <a:extLst/>
+          </a:blip>
+          <a:stretch>
+            <a:fillRect/>
+          </a:stretch>
+        </p:blipFill>
+        <p:spPr>
+          <a:xfrm>
+            <a:off x="14257624" y="5602997"/>
+            <a:ext cx="1891733" cy="1891733"/>
+          </a:xfrm>
+          <a:prstGeom prst="rect">
+            <a:avLst/>
+          </a:prstGeom>
+          <a:ln w="12700">
+            <a:miter lim="400000"/>
+          </a:ln>
+        </p:spPr>
+      </p:pic>
+      <p:pic>
+        <p:nvPicPr>
+          <p:cNvPr id="240" name="server.jpeg" descr="server.jpeg"/>
+          <p:cNvPicPr>
+            <a:picLocks noChangeAspect="1"/>
+          </p:cNvPicPr>
+          <p:nvPr/>
+        </p:nvPicPr>
+        <p:blipFill>
+          <a:blip r:embed="rId2">
+            <a:extLst/>
+          </a:blip>
+          <a:stretch>
+            <a:fillRect/>
+          </a:stretch>
+        </p:blipFill>
+        <p:spPr>
+          <a:xfrm>
+            <a:off x="17269113" y="5602997"/>
+            <a:ext cx="1891733" cy="1891733"/>
+          </a:xfrm>
+          <a:prstGeom prst="rect">
+            <a:avLst/>
+          </a:prstGeom>
+          <a:ln w="12700">
+            <a:miter lim="400000"/>
+          </a:ln>
+        </p:spPr>
+      </p:pic>
+      <p:pic>
+        <p:nvPicPr>
+          <p:cNvPr id="241" name="server.jpeg" descr="server.jpeg"/>
+          <p:cNvPicPr>
+            <a:picLocks noChangeAspect="1"/>
+          </p:cNvPicPr>
+          <p:nvPr/>
+        </p:nvPicPr>
+        <p:blipFill>
+          <a:blip r:embed="rId2">
+            <a:extLst/>
+          </a:blip>
+          <a:stretch>
+            <a:fillRect/>
+          </a:stretch>
+        </p:blipFill>
+        <p:spPr>
+          <a:xfrm>
+            <a:off x="20280602" y="5602997"/>
+            <a:ext cx="1891733" cy="1891733"/>
+          </a:xfrm>
+          <a:prstGeom prst="rect">
+            <a:avLst/>
+          </a:prstGeom>
+          <a:ln w="12700">
+            <a:miter lim="400000"/>
+          </a:ln>
+        </p:spPr>
+      </p:pic>
+      <p:sp>
+        <p:nvSpPr>
+          <p:cNvPr id="242" name="1. Na každém serveru zvlášť Sum type = 'MOVIE'"/>
+          <p:cNvSpPr txBox="1"/>
+          <p:nvPr/>
+        </p:nvSpPr>
+        <p:spPr>
+          <a:xfrm>
+            <a:off x="5442661" y="7972294"/>
+            <a:ext cx="13498679" cy="808433"/>
+          </a:xfrm>
+          <a:prstGeom prst="rect">
+            <a:avLst/>
+          </a:prstGeom>
+          <a:ln w="12700">
+            <a:miter lim="400000"/>
+          </a:ln>
+          <a:extLst>
+            <a:ext uri="{C572A759-6A51-4108-AA02-DFA0A04FC94B}">
+              <ma14:wrappingTextBoxFlag xmlns:ma14="http://schemas.microsoft.com/office/mac/drawingml/2011/main" val="1"/>
+            </a:ext>
+          </a:extLst>
+        </p:spPr>
+        <p:txBody>
+          <a:bodyPr wrap="none" lIns="50800" tIns="50800" rIns="50800" bIns="50800" anchor="ctr">
+            <a:spAutoFit/>
+          </a:bodyPr>
+          <a:lstStyle/>
+          <a:p>
+            <a:pPr/>
+            <a:r>
+              <a:t>1. Na každém serveru zvlášť Sum type = 'MOVIE'</a:t>
+            </a:r>
+          </a:p>
+        </p:txBody>
+      </p:sp>
+      <p:sp>
+        <p:nvSpPr>
+          <p:cNvPr id="243" name="2. Sum mezisoučtů"/>
+          <p:cNvSpPr txBox="1"/>
+          <p:nvPr/>
+        </p:nvSpPr>
+        <p:spPr>
+          <a:xfrm>
+            <a:off x="9520580" y="11283627"/>
+            <a:ext cx="5342840" cy="808432"/>
+          </a:xfrm>
+          <a:prstGeom prst="rect">
+            <a:avLst/>
+          </a:prstGeom>
+          <a:ln w="12700">
+            <a:miter lim="400000"/>
+          </a:ln>
+          <a:extLst>
+            <a:ext uri="{C572A759-6A51-4108-AA02-DFA0A04FC94B}">
+              <ma14:wrappingTextBoxFlag xmlns:ma14="http://schemas.microsoft.com/office/mac/drawingml/2011/main" val="1"/>
+            </a:ext>
+          </a:extLst>
+        </p:spPr>
+        <p:txBody>
+          <a:bodyPr wrap="none" lIns="50800" tIns="50800" rIns="50800" bIns="50800" anchor="ctr">
+            <a:spAutoFit/>
+          </a:bodyPr>
+          <a:lstStyle/>
+          <a:p>
+            <a:pPr/>
+            <a:r>
+              <a:t>2. Sum mezisoučtů</a:t>
+            </a:r>
+          </a:p>
+        </p:txBody>
+      </p:sp>
+      <p:pic>
+        <p:nvPicPr>
+          <p:cNvPr id="244" name="server.jpeg" descr="server.jpeg"/>
+          <p:cNvPicPr>
+            <a:picLocks noChangeAspect="1"/>
+          </p:cNvPicPr>
+          <p:nvPr/>
+        </p:nvPicPr>
+        <p:blipFill>
+          <a:blip r:embed="rId2">
+            <a:extLst/>
+          </a:blip>
+          <a:stretch>
+            <a:fillRect/>
+          </a:stretch>
+        </p:blipFill>
+        <p:spPr>
+          <a:xfrm>
+            <a:off x="11246133" y="9086310"/>
+            <a:ext cx="1891733" cy="1891733"/>
+          </a:xfrm>
+          <a:prstGeom prst="rect">
+            <a:avLst/>
+          </a:prstGeom>
+          <a:ln w="12700">
+            <a:miter lim="400000"/>
+          </a:ln>
+        </p:spPr>
+      </p:pic>
+    </p:spTree>
+  </p:cSld>
+  <p:clrMapOvr>
+    <a:masterClrMapping/>
+  </p:clrMapOvr>
+  <p:transition xmlns:p14="http://schemas.microsoft.com/office/powerpoint/2010/main" spd="med" advClick="1"/>
+</p:sld>
+</file>
+
+<file path=ppt/slides/slide17.xml><?xml version="1.0" encoding="utf-8"?>
+<p:sld xmlns:a="http://schemas.openxmlformats.org/drawingml/2006/main" xmlns:r="http://schemas.openxmlformats.org/officeDocument/2006/relationships" xmlns:p="http://schemas.openxmlformats.org/presentationml/2006/main" xmlns:m="http://schemas.openxmlformats.org/officeDocument/2006/math" xmlns:a14="http://schemas.microsoft.com/office/drawing/2010/main" showMasterSp="1" showMasterPhAnim="1">
+  <p:cSld>
+    <p:spTree>
+      <p:nvGrpSpPr>
+        <p:cNvPr id="1" name=""/>
+        <p:cNvGrpSpPr/>
+        <p:nvPr/>
+      </p:nvGrpSpPr>
+      <p:grpSpPr>
+        <a:xfrm>
+          <a:off x="0" y="0"/>
+          <a:ext cx="0" cy="0"/>
+          <a:chOff x="0" y="0"/>
+          <a:chExt cx="0" cy="0"/>
+        </a:xfrm>
+      </p:grpSpPr>
+      <p:sp>
+        <p:nvSpPr>
+          <p:cNvPr id="246" name="Jak to zpracovat?"/>
+          <p:cNvSpPr txBox="1"/>
+          <p:nvPr>
+            <p:ph type="title"/>
+          </p:nvPr>
+        </p:nvSpPr>
+        <p:spPr>
+          <a:prstGeom prst="rect">
+            <a:avLst/>
+          </a:prstGeom>
+        </p:spPr>
+        <p:txBody>
+          <a:bodyPr/>
+          <a:lstStyle/>
+          <a:p>
+            <a:pPr/>
+            <a:r>
+              <a:t>Jak to zpracovat?</a:t>
+            </a:r>
+          </a:p>
+        </p:txBody>
+      </p:sp>
+      <p:sp>
+        <p:nvSpPr>
+          <p:cNvPr id="247" name="Podtitul snímku"/>
+          <p:cNvSpPr txBox="1"/>
+          <p:nvPr>
+            <p:ph type="body" idx="21"/>
+          </p:nvPr>
+        </p:nvSpPr>
+        <p:spPr>
+          <a:prstGeom prst="rect">
+            <a:avLst/>
+          </a:prstGeom>
+        </p:spPr>
+        <p:txBody>
+          <a:bodyPr/>
+          <a:lstStyle/>
+          <a:p>
+            <a:pPr/>
+          </a:p>
+        </p:txBody>
+      </p:sp>
+      <p:sp>
+        <p:nvSpPr>
+          <p:cNvPr id="248" name="Deskriptivní analýza - nástroje podobné SQL…"/>
+          <p:cNvSpPr txBox="1"/>
+          <p:nvPr>
+            <p:ph type="body" idx="1"/>
+          </p:nvPr>
+        </p:nvSpPr>
+        <p:spPr>
+          <a:prstGeom prst="rect">
+            <a:avLst/>
+          </a:prstGeom>
+        </p:spPr>
+        <p:txBody>
+          <a:bodyPr/>
+          <a:lstStyle/>
+          <a:p>
+            <a:pPr/>
+            <a:r>
+              <a:t>Deskriptivní analýza - nástroje podobné SQL</a:t>
+            </a:r>
+          </a:p>
+          <a:p>
+            <a:pPr/>
+            <a:r>
+              <a:t>Statistika</a:t>
+            </a:r>
+          </a:p>
+          <a:p>
+            <a:pPr/>
+            <a:r>
+              <a:t>Učení AI</a:t>
+            </a:r>
+          </a:p>
+        </p:txBody>
+      </p:sp>
+    </p:spTree>
+  </p:cSld>
+  <p:clrMapOvr>
+    <a:masterClrMapping/>
+  </p:clrMapOvr>
+  <p:transition xmlns:p14="http://schemas.microsoft.com/office/powerpoint/2010/main" spd="med" advClick="1"/>
+</p:sld>
+</file>
+
+<file path=ppt/slides/slide18.xml><?xml version="1.0" encoding="utf-8"?>
+<p:sld xmlns:a="http://schemas.openxmlformats.org/drawingml/2006/main" xmlns:r="http://schemas.openxmlformats.org/officeDocument/2006/relationships" xmlns:p="http://schemas.openxmlformats.org/presentationml/2006/main" xmlns:m="http://schemas.openxmlformats.org/officeDocument/2006/math" xmlns:a14="http://schemas.microsoft.com/office/drawing/2010/main" showMasterSp="1" showMasterPhAnim="1">
+  <p:cSld>
+    <p:spTree>
+      <p:nvGrpSpPr>
+        <p:cNvPr id="1" name=""/>
+        <p:cNvGrpSpPr/>
+        <p:nvPr/>
+      </p:nvGrpSpPr>
+      <p:grpSpPr>
+        <a:xfrm>
+          <a:off x="0" y="0"/>
+          <a:ext cx="0" cy="0"/>
+          <a:chOff x="0" y="0"/>
+          <a:chExt cx="0" cy="0"/>
+        </a:xfrm>
+      </p:grpSpPr>
+      <p:sp>
+        <p:nvSpPr>
+          <p:cNvPr id="250" name="AI"/>
+          <p:cNvSpPr txBox="1"/>
+          <p:nvPr>
+            <p:ph type="title"/>
+          </p:nvPr>
+        </p:nvSpPr>
+        <p:spPr>
+          <a:prstGeom prst="rect">
+            <a:avLst/>
+          </a:prstGeom>
+        </p:spPr>
+        <p:txBody>
+          <a:bodyPr/>
+          <a:lstStyle/>
+          <a:p>
+            <a:pPr/>
+            <a:r>
+              <a:t>AI</a:t>
+            </a:r>
+          </a:p>
+        </p:txBody>
+      </p:sp>
+      <p:sp>
+        <p:nvSpPr>
+          <p:cNvPr id="251" name="Příklady"/>
+          <p:cNvSpPr txBox="1"/>
+          <p:nvPr>
+            <p:ph type="body" idx="21"/>
+          </p:nvPr>
+        </p:nvSpPr>
+        <p:spPr>
+          <a:prstGeom prst="rect">
+            <a:avLst/>
+          </a:prstGeom>
+          <a:extLst>
+            <a:ext uri="{C572A759-6A51-4108-AA02-DFA0A04FC94B}">
+              <ma14:wrappingTextBoxFlag xmlns:ma14="http://schemas.microsoft.com/office/mac/drawingml/2011/main" val="1"/>
+            </a:ext>
+          </a:extLst>
+        </p:spPr>
+        <p:txBody>
+          <a:bodyPr/>
+          <a:lstStyle/>
+          <a:p>
+            <a:pPr/>
+            <a:r>
               <a:t>Příklady</a:t>
             </a:r>
           </a:p>
@@ -5362,7 +5804,7 @@
       </p:sp>
       <p:sp>
         <p:nvSpPr>
-          <p:cNvPr id="244" name="Je tento komentář urážlivý? (klasifikace, nlp, učení s učitelem)…"/>
+          <p:cNvPr id="252" name="Je tento komentář urážlivý? (klasifikace, nlp, učení s učitelem)…"/>
           <p:cNvSpPr txBox="1"/>
           <p:nvPr>
             <p:ph type="body" idx="1"/>
@@ -5494,7 +5936,7 @@
                                       <p:cBhvr>
                                         <p:cTn id="6" fill="hold"/>
                                         <p:tgtEl>
-                                          <p:spTgt spid="244"/>
+                                          <p:spTgt spid="252"/>
                                         </p:tgtEl>
                                         <p:attrNameLst>
                                           <p:attrName>style.visibility</p:attrName>
@@ -5535,13 +5977,13 @@
       </p:par>
     </p:tnLst>
     <p:bldLst>
-      <p:bldP build="whole" bldLvl="1" animBg="1" rev="0" advAuto="0" spid="244" grpId="1"/>
+      <p:bldP build="whole" bldLvl="1" animBg="1" rev="0" advAuto="0" spid="252" grpId="1"/>
     </p:bldLst>
   </p:timing>
 </p:sld>
 </file>
 
-<file path=ppt/slides/slide17.xml><?xml version="1.0" encoding="utf-8"?>
+<file path=ppt/slides/slide19.xml><?xml version="1.0" encoding="utf-8"?>
 <p:sld xmlns:a="http://schemas.openxmlformats.org/drawingml/2006/main" xmlns:r="http://schemas.openxmlformats.org/officeDocument/2006/relationships" xmlns:p="http://schemas.openxmlformats.org/presentationml/2006/main" xmlns:m="http://schemas.openxmlformats.org/officeDocument/2006/math" xmlns:a14="http://schemas.microsoft.com/office/drawing/2010/main" showMasterSp="1" showMasterPhAnim="1">
   <p:cSld>
     <p:spTree>
@@ -5560,7 +6002,7 @@
       </p:grpSpPr>
       <p:sp>
         <p:nvSpPr>
-          <p:cNvPr id="246" name="LLM"/>
+          <p:cNvPr id="254" name="LLM"/>
           <p:cNvSpPr txBox="1"/>
           <p:nvPr>
             <p:ph type="title"/>
@@ -5584,7 +6026,7 @@
       </p:sp>
       <p:sp>
         <p:nvSpPr>
-          <p:cNvPr id="247" name="Generativní umělá inteligence"/>
+          <p:cNvPr id="255" name="Generativní umělá inteligence"/>
           <p:cNvSpPr txBox="1"/>
           <p:nvPr>
             <p:ph type="body" idx="21"/>
@@ -5613,7 +6055,7 @@
       </p:sp>
       <p:sp>
         <p:nvSpPr>
-          <p:cNvPr id="248" name="Disclaimer: na výstup LLM se nikdy nedá 100% spolehnout!…"/>
+          <p:cNvPr id="256" name="Disclaimer: na výstup LLM se nikdy nedá 100% spolehnout!…"/>
           <p:cNvSpPr txBox="1"/>
           <p:nvPr>
             <p:ph type="body" idx="1"/>
@@ -5698,7 +6140,7 @@
                                       <p:cBhvr>
                                         <p:cTn id="6" fill="hold"/>
                                         <p:tgtEl>
-                                          <p:spTgt spid="248">
+                                          <p:spTgt spid="256">
                                             <p:txEl>
                                               <p:pRg st="1" end="1"/>
                                             </p:txEl>
@@ -5746,7 +6188,7 @@
                                       <p:cBhvr>
                                         <p:cTn id="10" fill="hold"/>
                                         <p:tgtEl>
-                                          <p:spTgt spid="248">
+                                          <p:spTgt spid="256">
                                             <p:txEl>
                                               <p:pRg st="2" end="2"/>
                                             </p:txEl>
@@ -5794,7 +6236,7 @@
                                       <p:cBhvr>
                                         <p:cTn id="14" fill="hold"/>
                                         <p:tgtEl>
-                                          <p:spTgt spid="248">
+                                          <p:spTgt spid="256">
                                             <p:txEl>
                                               <p:pRg st="3" end="3"/>
                                             </p:txEl>
@@ -5842,7 +6284,7 @@
                                       <p:cBhvr>
                                         <p:cTn id="18" fill="hold"/>
                                         <p:tgtEl>
-                                          <p:spTgt spid="248">
+                                          <p:spTgt spid="256">
                                             <p:txEl>
                                               <p:pRg st="4" end="4"/>
                                             </p:txEl>
@@ -5887,403 +6329,9 @@
       </p:par>
     </p:tnLst>
     <p:bldLst>
-      <p:bldP build="p" bldLvl="5" animBg="1" rev="0" advAuto="0" spid="248" grpId="1"/>
+      <p:bldP build="p" bldLvl="5" animBg="1" rev="0" advAuto="0" spid="256" grpId="1"/>
     </p:bldLst>
   </p:timing>
-</p:sld>
-</file>
-
-<file path=ppt/slides/slide18.xml><?xml version="1.0" encoding="utf-8"?>
-<p:sld xmlns:a="http://schemas.openxmlformats.org/drawingml/2006/main" xmlns:r="http://schemas.openxmlformats.org/officeDocument/2006/relationships" xmlns:p="http://schemas.openxmlformats.org/presentationml/2006/main" xmlns:m="http://schemas.openxmlformats.org/officeDocument/2006/math" xmlns:a14="http://schemas.microsoft.com/office/drawing/2010/main" showMasterSp="1" showMasterPhAnim="1">
-  <p:cSld>
-    <p:spTree>
-      <p:nvGrpSpPr>
-        <p:cNvPr id="1" name=""/>
-        <p:cNvGrpSpPr/>
-        <p:nvPr/>
-      </p:nvGrpSpPr>
-      <p:grpSpPr>
-        <a:xfrm>
-          <a:off x="0" y="0"/>
-          <a:ext cx="0" cy="0"/>
-          <a:chOff x="0" y="0"/>
-          <a:chExt cx="0" cy="0"/>
-        </a:xfrm>
-      </p:grpSpPr>
-      <p:sp>
-        <p:nvSpPr>
-          <p:cNvPr id="250" name="LLM"/>
-          <p:cNvSpPr txBox="1"/>
-          <p:nvPr>
-            <p:ph type="title"/>
-          </p:nvPr>
-        </p:nvSpPr>
-        <p:spPr>
-          <a:prstGeom prst="rect">
-            <a:avLst/>
-          </a:prstGeom>
-        </p:spPr>
-        <p:txBody>
-          <a:bodyPr/>
-          <a:lstStyle/>
-          <a:p>
-            <a:pPr/>
-            <a:r>
-              <a:t>LLM</a:t>
-            </a:r>
-          </a:p>
-        </p:txBody>
-      </p:sp>
-      <p:sp>
-        <p:nvSpPr>
-          <p:cNvPr id="251" name="Možnosti (zdarma)"/>
-          <p:cNvSpPr txBox="1"/>
-          <p:nvPr>
-            <p:ph type="body" idx="21"/>
-          </p:nvPr>
-        </p:nvSpPr>
-        <p:spPr>
-          <a:prstGeom prst="rect">
-            <a:avLst/>
-          </a:prstGeom>
-          <a:extLst>
-            <a:ext uri="{C572A759-6A51-4108-AA02-DFA0A04FC94B}">
-              <ma14:wrappingTextBoxFlag xmlns:ma14="http://schemas.microsoft.com/office/mac/drawingml/2011/main" val="1"/>
-            </a:ext>
-          </a:extLst>
-        </p:spPr>
-        <p:txBody>
-          <a:bodyPr/>
-          <a:lstStyle/>
-          <a:p>
-            <a:pPr/>
-            <a:r>
-              <a:t>Možnosti (zdarma)</a:t>
-            </a:r>
-          </a:p>
-        </p:txBody>
-      </p:sp>
-      <p:sp>
-        <p:nvSpPr>
-          <p:cNvPr id="252" name="ChatGPT, OpenAI (US): https://chatgpt.com…"/>
-          <p:cNvSpPr txBox="1"/>
-          <p:nvPr>
-            <p:ph type="body" idx="1"/>
-          </p:nvPr>
-        </p:nvSpPr>
-        <p:spPr>
-          <a:prstGeom prst="rect">
-            <a:avLst/>
-          </a:prstGeom>
-        </p:spPr>
-        <p:txBody>
-          <a:bodyPr/>
-          <a:lstStyle/>
-          <a:p>
-            <a:pPr lvl="1" marL="1133855" indent="-566927" defTabSz="2267655">
-              <a:spcBef>
-                <a:spcPts val="4100"/>
-              </a:spcBef>
-              <a:defRPr sz="4464"/>
-            </a:pPr>
-            <a:r>
-              <a:t>ChatGPT, OpenAI (US): </a:t>
-            </a:r>
-            <a:r>
-              <a:rPr u="sng">
-                <a:hlinkClick r:id="rId2" invalidUrl="" action="" tgtFrame="" tooltip="" history="1" highlightClick="0" endSnd="0"/>
-              </a:rPr>
-              <a:t>https://chatgpt.com</a:t>
-            </a:r>
-            <a:r>
-              <a:t> </a:t>
-            </a:r>
-          </a:p>
-          <a:p>
-            <a:pPr lvl="1" marL="1133855" indent="-566927" defTabSz="2267655">
-              <a:spcBef>
-                <a:spcPts val="4100"/>
-              </a:spcBef>
-              <a:defRPr sz="4464"/>
-            </a:pPr>
-            <a:r>
-              <a:t>Claude AI, Anthropic (US): </a:t>
-            </a:r>
-            <a:r>
-              <a:rPr u="sng">
-                <a:hlinkClick r:id="rId3" invalidUrl="" action="" tgtFrame="" tooltip="" history="1" highlightClick="0" endSnd="0"/>
-              </a:rPr>
-              <a:t>https://claude.ai/</a:t>
-            </a:r>
-          </a:p>
-          <a:p>
-            <a:pPr lvl="1" marL="1133855" indent="-566927" defTabSz="2267655">
-              <a:spcBef>
-                <a:spcPts val="4100"/>
-              </a:spcBef>
-              <a:defRPr sz="4464"/>
-            </a:pPr>
-            <a:r>
-              <a:t>Mistral Large 2, Mistral (FR): </a:t>
-            </a:r>
-            <a:r>
-              <a:rPr u="sng">
-                <a:hlinkClick r:id="rId4" invalidUrl="" action="" tgtFrame="" tooltip="" history="1" highlightClick="0" endSnd="0"/>
-              </a:rPr>
-              <a:t>https://chat.mistral.ai/chat</a:t>
-            </a:r>
-          </a:p>
-          <a:p>
-            <a:pPr lvl="1" marL="1133855" indent="-566927" defTabSz="2267655">
-              <a:spcBef>
-                <a:spcPts val="4100"/>
-              </a:spcBef>
-              <a:defRPr sz="4464"/>
-            </a:pPr>
-            <a:r>
-              <a:t>Google gemini (US): </a:t>
-            </a:r>
-            <a:r>
-              <a:rPr u="sng">
-                <a:hlinkClick r:id="rId5" invalidUrl="" action="" tgtFrame="" tooltip="" history="1" highlightClick="0" endSnd="0"/>
-              </a:rPr>
-              <a:t>https://gemini.google.com/app</a:t>
-            </a:r>
-          </a:p>
-          <a:p>
-            <a:pPr lvl="1" marL="1133855" indent="-566927" defTabSz="2267655">
-              <a:spcBef>
-                <a:spcPts val="4100"/>
-              </a:spcBef>
-              <a:defRPr sz="4464"/>
-            </a:pPr>
-            <a:r>
-              <a:t>LLama 3.1 70b, Meta (US): </a:t>
-            </a:r>
-            <a:r>
-              <a:rPr u="sng">
-                <a:hlinkClick r:id="rId6" invalidUrl="" action="" tgtFrame="" tooltip="" history="1" highlightClick="0" endSnd="0"/>
-              </a:rPr>
-              <a:t>https://www.meta.ai</a:t>
-            </a:r>
-            <a:r>
-              <a:t> (není v ČR), ale </a:t>
-            </a:r>
-            <a:r>
-              <a:rPr u="sng">
-                <a:hlinkClick r:id="rId7" invalidUrl="" action="" tgtFrame="" tooltip="" history="1" highlightClick="0" endSnd="0"/>
-              </a:rPr>
-              <a:t>https://huggingface.co/chat/</a:t>
-            </a:r>
-            <a:r>
-              <a:t> (dokonce bez přihlášení)</a:t>
-            </a:r>
-          </a:p>
-          <a:p>
-            <a:pPr lvl="1" marL="1133855" indent="-566927" defTabSz="2267655">
-              <a:spcBef>
-                <a:spcPts val="4100"/>
-              </a:spcBef>
-              <a:defRPr sz="4464"/>
-            </a:pPr>
-            <a:r>
-              <a:t>Microsoft copilot: </a:t>
-            </a:r>
-            <a:r>
-              <a:rPr u="sng">
-                <a:hlinkClick r:id="rId8" invalidUrl="" action="" tgtFrame="" tooltip="" history="1" highlightClick="0" endSnd="0"/>
-              </a:rPr>
-              <a:t>https://copilot.microsoft.com</a:t>
-            </a:r>
-            <a:r>
-              <a:t> (jde i bez přihlášení)</a:t>
-            </a:r>
-          </a:p>
-          <a:p>
-            <a:pPr lvl="1" marL="1133855" indent="-566927" defTabSz="2267655">
-              <a:spcBef>
-                <a:spcPts val="4100"/>
-              </a:spcBef>
-              <a:defRPr sz="4464"/>
-            </a:pPr>
-            <a:r>
-              <a:t>(Grok)</a:t>
-            </a:r>
-          </a:p>
-        </p:txBody>
-      </p:sp>
-    </p:spTree>
-  </p:cSld>
-  <p:clrMapOvr>
-    <a:masterClrMapping/>
-  </p:clrMapOvr>
-  <p:transition xmlns:p14="http://schemas.microsoft.com/office/powerpoint/2010/main" spd="med" advClick="1"/>
-</p:sld>
-</file>
-
-<file path=ppt/slides/slide19.xml><?xml version="1.0" encoding="utf-8"?>
-<p:sld xmlns:a="http://schemas.openxmlformats.org/drawingml/2006/main" xmlns:r="http://schemas.openxmlformats.org/officeDocument/2006/relationships" xmlns:p="http://schemas.openxmlformats.org/presentationml/2006/main" xmlns:m="http://schemas.openxmlformats.org/officeDocument/2006/math" xmlns:a14="http://schemas.microsoft.com/office/drawing/2010/main" showMasterSp="1" showMasterPhAnim="1">
-  <p:cSld>
-    <p:spTree>
-      <p:nvGrpSpPr>
-        <p:cNvPr id="1" name=""/>
-        <p:cNvGrpSpPr/>
-        <p:nvPr/>
-      </p:nvGrpSpPr>
-      <p:grpSpPr>
-        <a:xfrm>
-          <a:off x="0" y="0"/>
-          <a:ext cx="0" cy="0"/>
-          <a:chOff x="0" y="0"/>
-          <a:chExt cx="0" cy="0"/>
-        </a:xfrm>
-      </p:grpSpPr>
-      <p:sp>
-        <p:nvSpPr>
-          <p:cNvPr id="254" name="Síly LLM"/>
-          <p:cNvSpPr txBox="1"/>
-          <p:nvPr>
-            <p:ph type="title"/>
-          </p:nvPr>
-        </p:nvSpPr>
-        <p:spPr>
-          <a:prstGeom prst="rect">
-            <a:avLst/>
-          </a:prstGeom>
-        </p:spPr>
-        <p:txBody>
-          <a:bodyPr/>
-          <a:lstStyle/>
-          <a:p>
-            <a:pPr/>
-            <a:r>
-              <a:t>Síly LLM</a:t>
-            </a:r>
-          </a:p>
-        </p:txBody>
-      </p:sp>
-      <p:sp>
-        <p:nvSpPr>
-          <p:cNvPr id="255" name="Podtitul snímku"/>
-          <p:cNvSpPr txBox="1"/>
-          <p:nvPr>
-            <p:ph type="body" idx="21"/>
-          </p:nvPr>
-        </p:nvSpPr>
-        <p:spPr>
-          <a:prstGeom prst="rect">
-            <a:avLst/>
-          </a:prstGeom>
-        </p:spPr>
-        <p:txBody>
-          <a:bodyPr/>
-          <a:lstStyle/>
-          <a:p>
-            <a:pPr/>
-          </a:p>
-        </p:txBody>
-      </p:sp>
-      <p:sp>
-        <p:nvSpPr>
-          <p:cNvPr id="256" name="Obecná rada: model umí dobře to, co umí hodně lidí. Model umí špatně složité a okrajové věci, které umí jen málokdo.…"/>
-          <p:cNvSpPr txBox="1"/>
-          <p:nvPr>
-            <p:ph type="body" idx="1"/>
-          </p:nvPr>
-        </p:nvSpPr>
-        <p:spPr>
-          <a:prstGeom prst="rect">
-            <a:avLst/>
-          </a:prstGeom>
-        </p:spPr>
-        <p:txBody>
-          <a:bodyPr/>
-          <a:lstStyle/>
-          <a:p>
-            <a:pPr marL="524255" indent="-524255" defTabSz="2096971">
-              <a:spcBef>
-                <a:spcPts val="3800"/>
-              </a:spcBef>
-              <a:defRPr sz="4128"/>
-            </a:pPr>
-            <a:r>
-              <a:t>Obecná rada: model umí dobře to, co umí hodně lidí. Model umí špatně složité a okrajové věci, které umí jen málokdo.</a:t>
-            </a:r>
-          </a:p>
-          <a:p>
-            <a:pPr marL="524255" indent="-524255" defTabSz="2096971">
-              <a:spcBef>
-                <a:spcPts val="3800"/>
-              </a:spcBef>
-              <a:defRPr sz="4128"/>
-            </a:pPr>
-            <a:r>
-              <a:t>Práce s jazykem (přelož, přeformuluj, najdi gramatické chyby, ...)</a:t>
-            </a:r>
-          </a:p>
-          <a:p>
-            <a:pPr marL="524255" indent="-524255" defTabSz="2096971">
-              <a:spcBef>
-                <a:spcPts val="3800"/>
-              </a:spcBef>
-              <a:defRPr sz="4128"/>
-            </a:pPr>
-            <a:r>
-              <a:t>Programování (viz obecná rada)</a:t>
-            </a:r>
-          </a:p>
-          <a:p>
-            <a:pPr marL="524255" indent="-524255" defTabSz="2096971">
-              <a:spcBef>
-                <a:spcPts val="3800"/>
-              </a:spcBef>
-              <a:defRPr sz="4128"/>
-            </a:pPr>
-            <a:r>
-              <a:t>Zjednodušování, vysvětlování, sumarizace</a:t>
-            </a:r>
-          </a:p>
-          <a:p>
-            <a:pPr marL="524255" indent="-524255" defTabSz="2096971">
-              <a:spcBef>
-                <a:spcPts val="3800"/>
-              </a:spcBef>
-              <a:defRPr sz="4128"/>
-            </a:pPr>
-            <a:r>
-              <a:t>Pochopit otázku, kterou neumíme dobře položit</a:t>
-            </a:r>
-          </a:p>
-          <a:p>
-            <a:pPr marL="524255" indent="-524255" defTabSz="2096971">
-              <a:spcBef>
-                <a:spcPts val="3800"/>
-              </a:spcBef>
-              <a:defRPr sz="4128"/>
-            </a:pPr>
-            <a:r>
-              <a:t>Vyznat se v těžko čitelném obsahu (tahle chyba mi vypadla z PC, vysvětli co s ní, převeď mi citace těchto článků do takovéhohle formátu)</a:t>
-            </a:r>
-          </a:p>
-          <a:p>
-            <a:pPr marL="524255" indent="-524255" defTabSz="2096971">
-              <a:spcBef>
-                <a:spcPts val="3800"/>
-              </a:spcBef>
-              <a:defRPr sz="4128"/>
-            </a:pPr>
-            <a:r>
-              <a:t>Generování nápadů, postupů</a:t>
-            </a:r>
-          </a:p>
-        </p:txBody>
-      </p:sp>
-    </p:spTree>
-  </p:cSld>
-  <p:clrMapOvr>
-    <a:masterClrMapping/>
-  </p:clrMapOvr>
-  <p:transition xmlns:p14="http://schemas.microsoft.com/office/powerpoint/2010/main" spd="med" advClick="1"/>
 </p:sld>
 </file>
 
@@ -6381,6 +6429,12 @@
             <a:pPr/>
             <a:r>
               <a:t>Vede na aktuální témata jako sběr dat, zpracování dat AI, LLM</a:t>
+            </a:r>
+          </a:p>
+          <a:p>
+            <a:pPr lvl="1"/>
+            <a:r>
+              <a:t>Morální, právní přesah</a:t>
             </a:r>
           </a:p>
         </p:txBody>
@@ -6413,7 +6467,7 @@
       </p:grpSpPr>
       <p:sp>
         <p:nvSpPr>
-          <p:cNvPr id="258" name="Slabosti LLM"/>
+          <p:cNvPr id="258" name="LLM"/>
           <p:cNvSpPr txBox="1"/>
           <p:nvPr>
             <p:ph type="title"/>
@@ -6430,14 +6484,14 @@
           <a:p>
             <a:pPr/>
             <a:r>
-              <a:t>Slabosti LLM</a:t>
-            </a:r>
-          </a:p>
-        </p:txBody>
-      </p:sp>
-      <p:sp>
-        <p:nvSpPr>
-          <p:cNvPr id="259" name="Podtitul snímku"/>
+              <a:t>LLM</a:t>
+            </a:r>
+          </a:p>
+        </p:txBody>
+      </p:sp>
+      <p:sp>
+        <p:nvSpPr>
+          <p:cNvPr id="259" name="Možnosti (zdarma)"/>
           <p:cNvSpPr txBox="1"/>
           <p:nvPr>
             <p:ph type="body" idx="21"/>
@@ -6447,18 +6501,26 @@
           <a:prstGeom prst="rect">
             <a:avLst/>
           </a:prstGeom>
-        </p:spPr>
-        <p:txBody>
-          <a:bodyPr/>
-          <a:lstStyle/>
-          <a:p>
-            <a:pPr/>
-          </a:p>
-        </p:txBody>
-      </p:sp>
-      <p:sp>
-        <p:nvSpPr>
-          <p:cNvPr id="260" name="Přímé počty (Kolik je 12322342 * 837529812?)…"/>
+          <a:extLst>
+            <a:ext uri="{C572A759-6A51-4108-AA02-DFA0A04FC94B}">
+              <ma14:wrappingTextBoxFlag xmlns:ma14="http://schemas.microsoft.com/office/mac/drawingml/2011/main" val="1"/>
+            </a:ext>
+          </a:extLst>
+        </p:spPr>
+        <p:txBody>
+          <a:bodyPr/>
+          <a:lstStyle/>
+          <a:p>
+            <a:pPr/>
+            <a:r>
+              <a:t>Možnosti (zdarma)</a:t>
+            </a:r>
+          </a:p>
+        </p:txBody>
+      </p:sp>
+      <p:sp>
+        <p:nvSpPr>
+          <p:cNvPr id="260" name="ChatGPT, OpenAI (US): https://chatgpt.com…"/>
           <p:cNvSpPr txBox="1"/>
           <p:nvPr>
             <p:ph type="body" idx="1"/>
@@ -6473,45 +6535,134 @@
           <a:bodyPr/>
           <a:lstStyle/>
           <a:p>
-            <a:pPr/>
-            <a:r>
-              <a:t>Přímé počty (Kolik je 12322342 * 837529812?)</a:t>
-            </a:r>
-          </a:p>
-          <a:p>
-            <a:pPr/>
-            <a:r>
-              <a:t>Přiznání neznalosti.</a:t>
-            </a:r>
-          </a:p>
-          <a:p>
-            <a:pPr/>
-            <a:r>
-              <a:t>Velké (programovací) úlohy</a:t>
-            </a:r>
-          </a:p>
-          <a:p>
-            <a:pPr/>
-            <a:r>
-              <a:t>Komplexní logika, složité úlohy, úlohy o kterých existuje málo dat</a:t>
-            </a:r>
-          </a:p>
-          <a:p>
-            <a:pPr/>
-            <a:r>
-              <a:t>Rady s grafickým rozhraním</a:t>
-            </a:r>
-          </a:p>
-          <a:p>
-            <a:pPr/>
-            <a:r>
-              <a:t>Nejistota výsledku (včetně citací!)</a:t>
-            </a:r>
-          </a:p>
-          <a:p>
-            <a:pPr/>
-            <a:r>
-              <a:t>Přesná délka odpovědi</a:t>
+            <a:pPr lvl="1" marL="1133855" indent="-566927" defTabSz="2267655">
+              <a:spcBef>
+                <a:spcPts val="4100"/>
+              </a:spcBef>
+              <a:defRPr sz="4464"/>
+            </a:pPr>
+            <a:r>
+              <a:t>ChatGPT, OpenAI (US): </a:t>
+            </a:r>
+            <a:r>
+              <a:rPr u="sng">
+                <a:hlinkClick r:id="rId2" invalidUrl="" action="" tgtFrame="" tooltip="" history="1" highlightClick="0" endSnd="0"/>
+              </a:rPr>
+              <a:t>https://chatgpt.com</a:t>
+            </a:r>
+            <a:r>
+              <a:t> </a:t>
+            </a:r>
+          </a:p>
+          <a:p>
+            <a:pPr lvl="1" marL="1133855" indent="-566927" defTabSz="2267655">
+              <a:spcBef>
+                <a:spcPts val="4100"/>
+              </a:spcBef>
+              <a:defRPr sz="4464"/>
+            </a:pPr>
+            <a:r>
+              <a:t>Claude AI, Anthropic (US): </a:t>
+            </a:r>
+            <a:r>
+              <a:rPr u="sng">
+                <a:hlinkClick r:id="rId3" invalidUrl="" action="" tgtFrame="" tooltip="" history="1" highlightClick="0" endSnd="0"/>
+              </a:rPr>
+              <a:t>https://claude.ai/</a:t>
+            </a:r>
+          </a:p>
+          <a:p>
+            <a:pPr lvl="1" marL="1133855" indent="-566927" defTabSz="2267655">
+              <a:spcBef>
+                <a:spcPts val="4100"/>
+              </a:spcBef>
+              <a:defRPr sz="4464"/>
+            </a:pPr>
+            <a:r>
+              <a:t>Mistral Large 2, Mistral (FR): </a:t>
+            </a:r>
+            <a:r>
+              <a:rPr u="sng">
+                <a:hlinkClick r:id="rId4" invalidUrl="" action="" tgtFrame="" tooltip="" history="1" highlightClick="0" endSnd="0"/>
+              </a:rPr>
+              <a:t>https://chat.mistral.ai/chat</a:t>
+            </a:r>
+          </a:p>
+          <a:p>
+            <a:pPr lvl="1" marL="1133855" indent="-566927" defTabSz="2267655">
+              <a:spcBef>
+                <a:spcPts val="4100"/>
+              </a:spcBef>
+              <a:defRPr sz="4464"/>
+            </a:pPr>
+            <a:r>
+              <a:t>Google gemini (US): </a:t>
+            </a:r>
+            <a:r>
+              <a:rPr u="sng">
+                <a:hlinkClick r:id="rId5" invalidUrl="" action="" tgtFrame="" tooltip="" history="1" highlightClick="0" endSnd="0"/>
+              </a:rPr>
+              <a:t>https://gemini.google.com/app</a:t>
+            </a:r>
+          </a:p>
+          <a:p>
+            <a:pPr lvl="1" marL="1133855" indent="-566927" defTabSz="2267655">
+              <a:spcBef>
+                <a:spcPts val="4100"/>
+              </a:spcBef>
+              <a:defRPr sz="4464"/>
+            </a:pPr>
+            <a:r>
+              <a:t>LLama 3.1 70b, Meta (US): </a:t>
+            </a:r>
+            <a:r>
+              <a:rPr u="sng">
+                <a:hlinkClick r:id="rId6" invalidUrl="" action="" tgtFrame="" tooltip="" history="1" highlightClick="0" endSnd="0"/>
+              </a:rPr>
+              <a:t>https://www.meta.ai</a:t>
+            </a:r>
+            <a:r>
+              <a:t> (není v ČR), ale </a:t>
+            </a:r>
+            <a:r>
+              <a:rPr u="sng">
+                <a:hlinkClick r:id="rId7" invalidUrl="" action="" tgtFrame="" tooltip="" history="1" highlightClick="0" endSnd="0"/>
+              </a:rPr>
+              <a:t>https://huggingface.co/chat/</a:t>
+            </a:r>
+            <a:r>
+              <a:t> (dokonce bez přihlášení)</a:t>
+            </a:r>
+          </a:p>
+          <a:p>
+            <a:pPr lvl="1" marL="1133855" indent="-566927" defTabSz="2267655">
+              <a:spcBef>
+                <a:spcPts val="4100"/>
+              </a:spcBef>
+              <a:defRPr sz="4464"/>
+            </a:pPr>
+            <a:r>
+              <a:t>Microsoft copilot: </a:t>
+            </a:r>
+            <a:r>
+              <a:rPr u="sng">
+                <a:hlinkClick r:id="rId8" invalidUrl="" action="" tgtFrame="" tooltip="" history="1" highlightClick="0" endSnd="0"/>
+              </a:rPr>
+              <a:t>https://copilot.microsoft.com</a:t>
+            </a:r>
+            <a:r>
+              <a:t> (jde i bez přihlášení)</a:t>
+            </a:r>
+          </a:p>
+          <a:p>
+            <a:pPr lvl="1" marL="1133855" indent="-566927" defTabSz="2267655">
+              <a:spcBef>
+                <a:spcPts val="4100"/>
+              </a:spcBef>
+              <a:defRPr sz="4464"/>
+            </a:pPr>
+            <a:r>
+              <a:t>(Grok)</a:t>
             </a:r>
           </a:p>
         </p:txBody>
@@ -6544,7 +6695,7 @@
       </p:grpSpPr>
       <p:sp>
         <p:nvSpPr>
-          <p:cNvPr id="262" name="Příklady LLM"/>
+          <p:cNvPr id="262" name="Síly LLM"/>
           <p:cNvSpPr txBox="1"/>
           <p:nvPr>
             <p:ph type="title"/>
@@ -6561,14 +6712,14 @@
           <a:p>
             <a:pPr/>
             <a:r>
-              <a:t>Příklady LLM</a:t>
-            </a:r>
-          </a:p>
-        </p:txBody>
-      </p:sp>
-      <p:sp>
-        <p:nvSpPr>
-          <p:cNvPr id="263" name="Kapitálka v html"/>
+              <a:t>Síly LLM</a:t>
+            </a:r>
+          </a:p>
+        </p:txBody>
+      </p:sp>
+      <p:sp>
+        <p:nvSpPr>
+          <p:cNvPr id="263" name="Podtitul snímku"/>
           <p:cNvSpPr txBox="1"/>
           <p:nvPr>
             <p:ph type="body" idx="21"/>
@@ -6578,26 +6729,18 @@
           <a:prstGeom prst="rect">
             <a:avLst/>
           </a:prstGeom>
-          <a:extLst>
-            <a:ext uri="{C572A759-6A51-4108-AA02-DFA0A04FC94B}">
-              <ma14:wrappingTextBoxFlag xmlns:ma14="http://schemas.microsoft.com/office/mac/drawingml/2011/main" val="1"/>
-            </a:ext>
-          </a:extLst>
-        </p:spPr>
-        <p:txBody>
-          <a:bodyPr/>
-          <a:lstStyle/>
-          <a:p>
-            <a:pPr/>
-            <a:r>
-              <a:t>Kapitálka v html</a:t>
-            </a:r>
-          </a:p>
-        </p:txBody>
-      </p:sp>
-      <p:sp>
-        <p:nvSpPr>
-          <p:cNvPr id="264" name="Chtěl bych napsat html stránku s textovým obsahem. Text by měl začínat prvním písmenem, které je větší než ostatní a zbytek textu ho obtéká. Viděl jsem takový efekt v knize. Jak na to?…"/>
+        </p:spPr>
+        <p:txBody>
+          <a:bodyPr/>
+          <a:lstStyle/>
+          <a:p>
+            <a:pPr/>
+          </a:p>
+        </p:txBody>
+      </p:sp>
+      <p:sp>
+        <p:nvSpPr>
+          <p:cNvPr id="264" name="Obecná rada: model umí dobře to, co umí hodně lidí. Model umí špatně složité a okrajové věci, které umí jen málokdo.…"/>
           <p:cNvSpPr txBox="1"/>
           <p:nvPr>
             <p:ph type="body" idx="1"/>
@@ -6612,27 +6755,33 @@
           <a:bodyPr/>
           <a:lstStyle/>
           <a:p>
-            <a:pPr marL="0" indent="0">
-              <a:buSzTx/>
-              <a:buNone/>
-            </a:pPr>
-            <a:r>
-              <a:t>Chtěl bych napsat html stránku s textovým obsahem. Text by měl začínat prvním písmenem, které je větší než ostatní a zbytek textu ho obtéká. Viděl jsem takový efekt v knize. Jak na to?</a:t>
-            </a:r>
-          </a:p>
-          <a:p>
-            <a:pPr marL="0" indent="0">
-              <a:buSzTx/>
-              <a:buNone/>
-            </a:pPr>
-            <a:r>
-              <a:rPr u="sng">
-                <a:hlinkClick r:id="rId2" invalidUrl="" action="" tgtFrame="" tooltip="" history="1" highlightClick="0" endSnd="0"/>
-              </a:rPr>
-              <a:t>https://chatgpt.com/share/d22e0d90-3f7e-4452-940f-9fc024c4cb8a</a:t>
-            </a:r>
-            <a:r>
-              <a:t> </a:t>
+            <a:pPr/>
+            <a:r>
+              <a:t>Obecná rada: model umí dobře to, co umí hodně lidí. Model umí špatně složité a okrajové věci, které umí jen málokdo.</a:t>
+            </a:r>
+          </a:p>
+          <a:p>
+            <a:pPr/>
+            <a:r>
+              <a:t>Práce s jazykem (přelož, přeformuluj, najdi gramatické chyby, ...)</a:t>
+            </a:r>
+          </a:p>
+          <a:p>
+            <a:pPr/>
+            <a:r>
+              <a:t>Programování (viz obecná rada)</a:t>
+            </a:r>
+          </a:p>
+          <a:p>
+            <a:pPr/>
+            <a:r>
+              <a:t>Zjednodušování, vysvětlování, sumarizace</a:t>
+            </a:r>
+          </a:p>
+          <a:p>
+            <a:pPr/>
+            <a:r>
+              <a:t>Pochopit otázku, kterou neumíme dobře položit</a:t>
             </a:r>
           </a:p>
         </p:txBody>
@@ -6665,7 +6814,7 @@
       </p:grpSpPr>
       <p:sp>
         <p:nvSpPr>
-          <p:cNvPr id="266" name="Příklady LLM"/>
+          <p:cNvPr id="266" name="Síly LLM"/>
           <p:cNvSpPr txBox="1"/>
           <p:nvPr>
             <p:ph type="title"/>
@@ -6682,14 +6831,14 @@
           <a:p>
             <a:pPr/>
             <a:r>
-              <a:t>Příklady LLM</a:t>
-            </a:r>
-          </a:p>
-        </p:txBody>
-      </p:sp>
-      <p:sp>
-        <p:nvSpPr>
-          <p:cNvPr id="267" name="Souhrn &quot;dopis před odjezdem&quot;"/>
+              <a:t>Síly LLM</a:t>
+            </a:r>
+          </a:p>
+        </p:txBody>
+      </p:sp>
+      <p:sp>
+        <p:nvSpPr>
+          <p:cNvPr id="267" name="Podtitul snímku"/>
           <p:cNvSpPr txBox="1"/>
           <p:nvPr>
             <p:ph type="body" idx="21"/>
@@ -6699,26 +6848,18 @@
           <a:prstGeom prst="rect">
             <a:avLst/>
           </a:prstGeom>
-          <a:extLst>
-            <a:ext uri="{C572A759-6A51-4108-AA02-DFA0A04FC94B}">
-              <ma14:wrappingTextBoxFlag xmlns:ma14="http://schemas.microsoft.com/office/mac/drawingml/2011/main" val="1"/>
-            </a:ext>
-          </a:extLst>
-        </p:spPr>
-        <p:txBody>
-          <a:bodyPr/>
-          <a:lstStyle/>
-          <a:p>
-            <a:pPr/>
-            <a:r>
-              <a:t>Souhrn "dopis před odjezdem"</a:t>
-            </a:r>
-          </a:p>
-        </p:txBody>
-      </p:sp>
-      <p:sp>
-        <p:nvSpPr>
-          <p:cNvPr id="268" name="Tu je dopis &quot;před odjezdem&quot; pro účastníky akce, kam jedu. Co je potřeba si s sebou vzít nebo připravit?…"/>
+        </p:spPr>
+        <p:txBody>
+          <a:bodyPr/>
+          <a:lstStyle/>
+          <a:p>
+            <a:pPr/>
+          </a:p>
+        </p:txBody>
+      </p:sp>
+      <p:sp>
+        <p:nvSpPr>
+          <p:cNvPr id="268" name="Vyznat se v těžko čitelném obsahu (tahle chyba mi vypadla z PC, vysvětli co s ní, převeď mi citace těchto článků do takovéhohle formátu)…"/>
           <p:cNvSpPr txBox="1"/>
           <p:nvPr>
             <p:ph type="body" idx="1"/>
@@ -6733,24 +6874,27 @@
           <a:bodyPr/>
           <a:lstStyle/>
           <a:p>
-            <a:pPr marL="0" indent="0">
-              <a:buSzTx/>
-              <a:buNone/>
-            </a:pPr>
-            <a:r>
-              <a:t>Tu je dopis "před odjezdem" pro účastníky akce, kam jedu. Co je potřeba si s sebou vzít nebo připravit?</a:t>
-            </a:r>
-          </a:p>
-          <a:p>
-            <a:pPr/>
-            <a:r>
-              <a:rPr u="sng">
-                <a:hlinkClick r:id="rId2" invalidUrl="" action="" tgtFrame="" tooltip="" history="1" highlightClick="0" endSnd="0"/>
-              </a:rPr>
-              <a:t>https://chatgpt.com/share/36147895-80b9-475c-81c4-83c1295bc4f6</a:t>
-            </a:r>
-            <a:r>
-              <a:t> </a:t>
+            <a:pPr/>
+            <a:r>
+              <a:t>Vyznat se v těžko čitelném obsahu (tahle chyba mi vypadla z PC, vysvětli co s ní, převeď mi citace těchto článků do takovéhohle formátu)</a:t>
+            </a:r>
+          </a:p>
+          <a:p>
+            <a:pPr/>
+            <a:r>
+              <a:t>Generování nápadů, postupů</a:t>
+            </a:r>
+          </a:p>
+          <a:p>
+            <a:pPr/>
+            <a:r>
+              <a:t>Velmi dobře napodobuje styl</a:t>
+            </a:r>
+          </a:p>
+          <a:p>
+            <a:pPr/>
+            <a:r>
+              <a:t>Udrží pozornost na velkém textu (nedělá syntaktické chyby)</a:t>
             </a:r>
           </a:p>
         </p:txBody>
@@ -6783,7 +6927,7 @@
       </p:grpSpPr>
       <p:sp>
         <p:nvSpPr>
-          <p:cNvPr id="270" name="Příklady LLM"/>
+          <p:cNvPr id="270" name="Slabosti LLM"/>
           <p:cNvSpPr txBox="1"/>
           <p:nvPr>
             <p:ph type="title"/>
@@ -6800,14 +6944,14 @@
           <a:p>
             <a:pPr/>
             <a:r>
-              <a:t>Příklady LLM</a:t>
-            </a:r>
-          </a:p>
-        </p:txBody>
-      </p:sp>
-      <p:sp>
-        <p:nvSpPr>
-          <p:cNvPr id="271" name="Nachystejte potřebné znalosti LLM"/>
+              <a:t>Slabosti LLM</a:t>
+            </a:r>
+          </a:p>
+        </p:txBody>
+      </p:sp>
+      <p:sp>
+        <p:nvSpPr>
+          <p:cNvPr id="271" name="Podtitul snímku"/>
           <p:cNvSpPr txBox="1"/>
           <p:nvPr>
             <p:ph type="body" idx="21"/>
@@ -6817,26 +6961,18 @@
           <a:prstGeom prst="rect">
             <a:avLst/>
           </a:prstGeom>
-          <a:extLst>
-            <a:ext uri="{C572A759-6A51-4108-AA02-DFA0A04FC94B}">
-              <ma14:wrappingTextBoxFlag xmlns:ma14="http://schemas.microsoft.com/office/mac/drawingml/2011/main" val="1"/>
-            </a:ext>
-          </a:extLst>
-        </p:spPr>
-        <p:txBody>
-          <a:bodyPr/>
-          <a:lstStyle/>
-          <a:p>
-            <a:pPr/>
-            <a:r>
-              <a:t>Nachystejte potřebné znalosti LLM</a:t>
-            </a:r>
-          </a:p>
-        </p:txBody>
-      </p:sp>
-      <p:sp>
-        <p:nvSpPr>
-          <p:cNvPr id="272" name="https://chatgpt.com/share/cbb6bc8c-4d1b-4da7-871d-d197b9988ee3…"/>
+        </p:spPr>
+        <p:txBody>
+          <a:bodyPr/>
+          <a:lstStyle/>
+          <a:p>
+            <a:pPr/>
+          </a:p>
+        </p:txBody>
+      </p:sp>
+      <p:sp>
+        <p:nvSpPr>
+          <p:cNvPr id="272" name="Přímé počty (Kolik je 12322342 * 837529812?)…"/>
           <p:cNvSpPr txBox="1"/>
           <p:nvPr>
             <p:ph type="body" idx="1"/>
@@ -6853,43 +6989,31 @@
           <a:p>
             <a:pPr/>
             <a:r>
-              <a:rPr u="sng">
-                <a:hlinkClick r:id="rId2" invalidUrl="" action="" tgtFrame="" tooltip="" history="1" highlightClick="0" endSnd="0"/>
-              </a:rPr>
-              <a:t>https://chatgpt.com/share/cbb6bc8c-4d1b-4da7-871d-d197b9988ee3</a:t>
-            </a:r>
-            <a:r>
-              <a:t> </a:t>
-            </a:r>
-          </a:p>
-          <a:p>
-            <a:pPr lvl="1"/>
-            <a:r>
-              <a:t>Pokud nevíte jak se zeptat, zeptejte se na to</a:t>
-            </a:r>
-          </a:p>
-          <a:p>
-            <a:pPr lvl="1"/>
-            <a:r>
-              <a:t>Oddělujte kód od zadání (ideálně ```, případně cokoliv jako třeba ---)</a:t>
-            </a:r>
-          </a:p>
-          <a:p>
-            <a:pPr lvl="1"/>
-            <a:r>
-              <a:t>Pamatujte, že i to co vypíše model dokáže při příštím dotazu využívat</a:t>
-            </a:r>
-          </a:p>
-          <a:p>
-            <a:pPr lvl="1"/>
-            <a:r>
-              <a:t>Nebojte se ptát se na vysvětlení. Můžete upřesnit úroveň vyjadřování (vysvětluj pro dítě na základní škole, jsem učitel co pracuje s SQL poprvé)</a:t>
-            </a:r>
-          </a:p>
-          <a:p>
-            <a:pPr lvl="1"/>
-            <a:r>
-              <a:t>Vkládejte celé chybové hlášky s popisem kde se vzaly.</a:t>
+              <a:t>Přímé počty (Kolik je 12322342 * 837529812?)</a:t>
+            </a:r>
+          </a:p>
+          <a:p>
+            <a:pPr/>
+            <a:r>
+              <a:t>Přiznání neznalosti.</a:t>
+            </a:r>
+          </a:p>
+          <a:p>
+            <a:pPr/>
+            <a:r>
+              <a:t>Velké (programovací) úlohy</a:t>
+            </a:r>
+          </a:p>
+          <a:p>
+            <a:pPr/>
+            <a:r>
+              <a:t>Komplexní logika, složité úlohy, úlohy o kterých existuje málo dat</a:t>
+            </a:r>
+          </a:p>
+          <a:p>
+            <a:pPr/>
+            <a:r>
+              <a:t>Rady s grafickým rozhraním</a:t>
             </a:r>
           </a:p>
         </p:txBody>
@@ -6922,7 +7046,7 @@
       </p:grpSpPr>
       <p:sp>
         <p:nvSpPr>
-          <p:cNvPr id="274" name="Příklady LLM"/>
+          <p:cNvPr id="274" name="Slabosti LLM"/>
           <p:cNvSpPr txBox="1"/>
           <p:nvPr>
             <p:ph type="title"/>
@@ -6939,14 +7063,14 @@
           <a:p>
             <a:pPr/>
             <a:r>
-              <a:t>Příklady LLM</a:t>
-            </a:r>
-          </a:p>
-        </p:txBody>
-      </p:sp>
-      <p:sp>
-        <p:nvSpPr>
-          <p:cNvPr id="275" name="Nápady"/>
+              <a:t>Slabosti LLM</a:t>
+            </a:r>
+          </a:p>
+        </p:txBody>
+      </p:sp>
+      <p:sp>
+        <p:nvSpPr>
+          <p:cNvPr id="275" name="Podtitul snímku"/>
           <p:cNvSpPr txBox="1"/>
           <p:nvPr>
             <p:ph type="body" idx="21"/>
@@ -6956,26 +7080,18 @@
           <a:prstGeom prst="rect">
             <a:avLst/>
           </a:prstGeom>
-          <a:extLst>
-            <a:ext uri="{C572A759-6A51-4108-AA02-DFA0A04FC94B}">
-              <ma14:wrappingTextBoxFlag xmlns:ma14="http://schemas.microsoft.com/office/mac/drawingml/2011/main" val="1"/>
-            </a:ext>
-          </a:extLst>
-        </p:spPr>
-        <p:txBody>
-          <a:bodyPr/>
-          <a:lstStyle/>
-          <a:p>
-            <a:pPr/>
-            <a:r>
-              <a:t>Nápady</a:t>
-            </a:r>
-          </a:p>
-        </p:txBody>
-      </p:sp>
-      <p:sp>
-        <p:nvSpPr>
-          <p:cNvPr id="276" name="I am doing sql in person course. I am giving my students tasks solvable by SQL SELECT. After a few tasks, I would like to ask them a question if they understand the concepts via some online tool. Can you give me some suggestions for such tools?…"/>
+        </p:spPr>
+        <p:txBody>
+          <a:bodyPr/>
+          <a:lstStyle/>
+          <a:p>
+            <a:pPr/>
+          </a:p>
+        </p:txBody>
+      </p:sp>
+      <p:sp>
+        <p:nvSpPr>
+          <p:cNvPr id="276" name="Nejistota výsledku (včetně citací!)…"/>
           <p:cNvSpPr txBox="1"/>
           <p:nvPr>
             <p:ph type="body" idx="1"/>
@@ -6992,16 +7108,25 @@
           <a:p>
             <a:pPr/>
             <a:r>
-              <a:t>I am doing sql in person course. I am giving my students tasks solvable by SQL SELECT. After a few tasks, I would like to ask them a question if they understand the concepts via some online tool. Can you give me some suggestions for such tools?</a:t>
-            </a:r>
-          </a:p>
-          <a:p>
-            <a:pPr/>
-            <a:r>
-              <a:rPr u="sng">
-                <a:hlinkClick r:id="rId2" invalidUrl="" action="" tgtFrame="" tooltip="" history="1" highlightClick="0" endSnd="0"/>
-              </a:rPr>
-              <a:t>https://chatgpt.com/share/2a99f85f-c722-4ff1-8fb9-226452799ec6</a:t>
+              <a:t>Nejistota výsledku (včetně citací!)</a:t>
+            </a:r>
+          </a:p>
+          <a:p>
+            <a:pPr/>
+            <a:r>
+              <a:t>Přesná délka odpovědi</a:t>
+            </a:r>
+          </a:p>
+          <a:p>
+            <a:pPr/>
+            <a:r>
+              <a:t>Nezná aktuální informace</a:t>
+            </a:r>
+          </a:p>
+          <a:p>
+            <a:pPr/>
+            <a:r>
+              <a:t>Nerad se doptává, pokud k tomu nemá explicitní příkaz</a:t>
             </a:r>
           </a:p>
         </p:txBody>
@@ -7034,7 +7159,7 @@
       </p:grpSpPr>
       <p:sp>
         <p:nvSpPr>
-          <p:cNvPr id="278" name="Tipy LLM"/>
+          <p:cNvPr id="278" name="Příklady LLM"/>
           <p:cNvSpPr txBox="1"/>
           <p:nvPr>
             <p:ph type="title"/>
@@ -7051,14 +7176,14 @@
           <a:p>
             <a:pPr/>
             <a:r>
-              <a:t>Tipy LLM</a:t>
-            </a:r>
-          </a:p>
-        </p:txBody>
-      </p:sp>
-      <p:sp>
-        <p:nvSpPr>
-          <p:cNvPr id="279" name="Podtitul snímku"/>
+              <a:t>Příklady LLM</a:t>
+            </a:r>
+          </a:p>
+        </p:txBody>
+      </p:sp>
+      <p:sp>
+        <p:nvSpPr>
+          <p:cNvPr id="279" name="Kapitálka v html"/>
           <p:cNvSpPr txBox="1"/>
           <p:nvPr>
             <p:ph type="body" idx="21"/>
@@ -7068,18 +7193,26 @@
           <a:prstGeom prst="rect">
             <a:avLst/>
           </a:prstGeom>
-        </p:spPr>
-        <p:txBody>
-          <a:bodyPr/>
-          <a:lstStyle/>
-          <a:p>
-            <a:pPr/>
-          </a:p>
-        </p:txBody>
-      </p:sp>
-      <p:sp>
-        <p:nvSpPr>
-          <p:cNvPr id="280" name="Modely bývají chytřejší v angličtině. Pokud to zvládáte, doporučuji se ptát anglicky.…"/>
+          <a:extLst>
+            <a:ext uri="{C572A759-6A51-4108-AA02-DFA0A04FC94B}">
+              <ma14:wrappingTextBoxFlag xmlns:ma14="http://schemas.microsoft.com/office/mac/drawingml/2011/main" val="1"/>
+            </a:ext>
+          </a:extLst>
+        </p:spPr>
+        <p:txBody>
+          <a:bodyPr/>
+          <a:lstStyle/>
+          <a:p>
+            <a:pPr/>
+            <a:r>
+              <a:t>Kapitálka v html</a:t>
+            </a:r>
+          </a:p>
+        </p:txBody>
+      </p:sp>
+      <p:sp>
+        <p:nvSpPr>
+          <p:cNvPr id="280" name="Chtěl bych napsat html stránku s textovým obsahem. Text by měl začínat prvním písmenem, které je větší než ostatní a zbytek textu ho obtéká. Viděl jsem takový efekt v knize. Jak na to?…"/>
           <p:cNvSpPr txBox="1"/>
           <p:nvPr>
             <p:ph type="body" idx="1"/>
@@ -7094,33 +7227,27 @@
           <a:bodyPr/>
           <a:lstStyle/>
           <a:p>
-            <a:pPr/>
-            <a:r>
-              <a:t>Modely bývají chytřejší v angličtině. Pokud to zvládáte, doporučuji se ptát anglicky.</a:t>
-            </a:r>
-          </a:p>
-          <a:p>
-            <a:pPr/>
-            <a:r>
-              <a:t>Dnešní modely zvládají vstup o velikosti 128k tokenů. Tj. anglicky řádově necelá kniha, česky sto stránek textu.</a:t>
-            </a:r>
-          </a:p>
-          <a:p>
-            <a:pPr lvl="1"/>
-            <a:r>
-              <a:t>Tj. nebojte se psát dlouhé zadání a vkládat dlouhé kusy textu, články apod.</a:t>
-            </a:r>
-          </a:p>
-          <a:p>
-            <a:pPr/>
-            <a:r>
-              <a:t>Přesto při dlouhém chatu občas zapomínají začátek.</a:t>
-            </a:r>
-          </a:p>
-          <a:p>
-            <a:pPr lvl="1"/>
-            <a:r>
-              <a:t>Optimalizují tak cenu generování.</a:t>
+            <a:pPr marL="0" indent="0">
+              <a:buSzTx/>
+              <a:buNone/>
+            </a:pPr>
+            <a:r>
+              <a:t>Chtěl bych napsat html stránku s textovým obsahem. Text by měl začínat prvním písmenem, které je větší než ostatní a zbytek textu ho obtéká. Viděl jsem takový efekt v knize. Jak na to?</a:t>
+            </a:r>
+          </a:p>
+          <a:p>
+            <a:pPr marL="0" indent="0">
+              <a:buSzTx/>
+              <a:buNone/>
+            </a:pPr>
+            <a:r>
+              <a:rPr u="sng">
+                <a:hlinkClick r:id="rId2" invalidUrl="" action="" tgtFrame="" tooltip="" history="1" highlightClick="0" endSnd="0"/>
+              </a:rPr>
+              <a:t>https://chatgpt.com/share/d22e0d90-3f7e-4452-940f-9fc024c4cb8a</a:t>
+            </a:r>
+            <a:r>
+              <a:t> </a:t>
             </a:r>
           </a:p>
         </p:txBody>
@@ -7153,7 +7280,7 @@
       </p:grpSpPr>
       <p:sp>
         <p:nvSpPr>
-          <p:cNvPr id="282" name="Název snímku"/>
+          <p:cNvPr id="282" name="Příklady LLM"/>
           <p:cNvSpPr txBox="1"/>
           <p:nvPr>
             <p:ph type="title"/>
@@ -7169,12 +7296,15 @@
           <a:lstStyle/>
           <a:p>
             <a:pPr/>
-          </a:p>
-        </p:txBody>
-      </p:sp>
-      <p:sp>
-        <p:nvSpPr>
-          <p:cNvPr id="283" name="Podtitul snímku"/>
+            <a:r>
+              <a:t>Příklady LLM</a:t>
+            </a:r>
+          </a:p>
+        </p:txBody>
+      </p:sp>
+      <p:sp>
+        <p:nvSpPr>
+          <p:cNvPr id="283" name="Souhrn &quot;dopis před odjezdem&quot;"/>
           <p:cNvSpPr txBox="1"/>
           <p:nvPr>
             <p:ph type="body" idx="21"/>
@@ -7184,18 +7314,26 @@
           <a:prstGeom prst="rect">
             <a:avLst/>
           </a:prstGeom>
-        </p:spPr>
-        <p:txBody>
-          <a:bodyPr/>
-          <a:lstStyle/>
-          <a:p>
-            <a:pPr/>
-          </a:p>
-        </p:txBody>
-      </p:sp>
-      <p:sp>
-        <p:nvSpPr>
-          <p:cNvPr id="284" name="To je vše, tádadádadá"/>
+          <a:extLst>
+            <a:ext uri="{C572A759-6A51-4108-AA02-DFA0A04FC94B}">
+              <ma14:wrappingTextBoxFlag xmlns:ma14="http://schemas.microsoft.com/office/mac/drawingml/2011/main" val="1"/>
+            </a:ext>
+          </a:extLst>
+        </p:spPr>
+        <p:txBody>
+          <a:bodyPr/>
+          <a:lstStyle/>
+          <a:p>
+            <a:pPr/>
+            <a:r>
+              <a:t>Souhrn "dopis před odjezdem"</a:t>
+            </a:r>
+          </a:p>
+        </p:txBody>
+      </p:sp>
+      <p:sp>
+        <p:nvSpPr>
+          <p:cNvPr id="284" name="Tu je dopis &quot;před odjezdem&quot; pro účastníky akce, kam jedu. Co je potřeba si s sebou vzít nebo připravit?…"/>
           <p:cNvSpPr txBox="1"/>
           <p:nvPr>
             <p:ph type="body" idx="1"/>
@@ -7210,9 +7348,436 @@
           <a:bodyPr/>
           <a:lstStyle/>
           <a:p>
-            <a:pPr/>
-            <a:r>
-              <a:t>To je vše, tádadádadá</a:t>
+            <a:pPr marL="0" indent="0">
+              <a:buSzTx/>
+              <a:buNone/>
+            </a:pPr>
+            <a:r>
+              <a:t>Tu je dopis "před odjezdem" pro účastníky akce, kam jedu. Co je potřeba si s sebou vzít nebo připravit?</a:t>
+            </a:r>
+          </a:p>
+          <a:p>
+            <a:pPr/>
+            <a:r>
+              <a:rPr u="sng">
+                <a:hlinkClick r:id="rId2" invalidUrl="" action="" tgtFrame="" tooltip="" history="1" highlightClick="0" endSnd="0"/>
+              </a:rPr>
+              <a:t>https://chatgpt.com/share/36147895-80b9-475c-81c4-83c1295bc4f6</a:t>
+            </a:r>
+            <a:r>
+              <a:t> </a:t>
+            </a:r>
+          </a:p>
+          <a:p>
+            <a:pPr/>
+            <a:r>
+              <a:t>Jak dotaz vylepšit?</a:t>
+            </a:r>
+          </a:p>
+        </p:txBody>
+      </p:sp>
+    </p:spTree>
+  </p:cSld>
+  <p:clrMapOvr>
+    <a:masterClrMapping/>
+  </p:clrMapOvr>
+  <p:transition xmlns:p14="http://schemas.microsoft.com/office/powerpoint/2010/main" spd="med" advClick="1"/>
+</p:sld>
+</file>
+
+<file path=ppt/slides/slide27.xml><?xml version="1.0" encoding="utf-8"?>
+<p:sld xmlns:a="http://schemas.openxmlformats.org/drawingml/2006/main" xmlns:r="http://schemas.openxmlformats.org/officeDocument/2006/relationships" xmlns:p="http://schemas.openxmlformats.org/presentationml/2006/main" xmlns:m="http://schemas.openxmlformats.org/officeDocument/2006/math" xmlns:a14="http://schemas.microsoft.com/office/drawing/2010/main" showMasterSp="1" showMasterPhAnim="1">
+  <p:cSld>
+    <p:spTree>
+      <p:nvGrpSpPr>
+        <p:cNvPr id="1" name=""/>
+        <p:cNvGrpSpPr/>
+        <p:nvPr/>
+      </p:nvGrpSpPr>
+      <p:grpSpPr>
+        <a:xfrm>
+          <a:off x="0" y="0"/>
+          <a:ext cx="0" cy="0"/>
+          <a:chOff x="0" y="0"/>
+          <a:chExt cx="0" cy="0"/>
+        </a:xfrm>
+      </p:grpSpPr>
+      <p:sp>
+        <p:nvSpPr>
+          <p:cNvPr id="286" name="Příklady LLM"/>
+          <p:cNvSpPr txBox="1"/>
+          <p:nvPr>
+            <p:ph type="title"/>
+          </p:nvPr>
+        </p:nvSpPr>
+        <p:spPr>
+          <a:prstGeom prst="rect">
+            <a:avLst/>
+          </a:prstGeom>
+        </p:spPr>
+        <p:txBody>
+          <a:bodyPr/>
+          <a:lstStyle/>
+          <a:p>
+            <a:pPr/>
+            <a:r>
+              <a:t>Příklady LLM</a:t>
+            </a:r>
+          </a:p>
+        </p:txBody>
+      </p:sp>
+      <p:sp>
+        <p:nvSpPr>
+          <p:cNvPr id="287" name="Příliš velká ochota modelu"/>
+          <p:cNvSpPr txBox="1"/>
+          <p:nvPr>
+            <p:ph type="body" idx="21"/>
+          </p:nvPr>
+        </p:nvSpPr>
+        <p:spPr>
+          <a:prstGeom prst="rect">
+            <a:avLst/>
+          </a:prstGeom>
+          <a:extLst>
+            <a:ext uri="{C572A759-6A51-4108-AA02-DFA0A04FC94B}">
+              <ma14:wrappingTextBoxFlag xmlns:ma14="http://schemas.microsoft.com/office/mac/drawingml/2011/main" val="1"/>
+            </a:ext>
+          </a:extLst>
+        </p:spPr>
+        <p:txBody>
+          <a:bodyPr/>
+          <a:lstStyle/>
+          <a:p>
+            <a:pPr/>
+            <a:r>
+              <a:t>Příliš velká ochota modelu</a:t>
+            </a:r>
+          </a:p>
+        </p:txBody>
+      </p:sp>
+      <p:sp>
+        <p:nvSpPr>
+          <p:cNvPr id="288" name="Vytvoř SQL dotaz, který odpovídá na otázku:…"/>
+          <p:cNvSpPr txBox="1"/>
+          <p:nvPr>
+            <p:ph type="body" idx="1"/>
+          </p:nvPr>
+        </p:nvSpPr>
+        <p:spPr>
+          <a:prstGeom prst="rect">
+            <a:avLst/>
+          </a:prstGeom>
+        </p:spPr>
+        <p:txBody>
+          <a:bodyPr/>
+          <a:lstStyle/>
+          <a:p>
+            <a:pPr marL="0" indent="0">
+              <a:buSzTx/>
+              <a:buNone/>
+            </a:pPr>
+            <a:r>
+              <a:t>Vytvoř SQL dotaz, který odpovídá na otázku:</a:t>
+            </a:r>
+            <a:endParaRPr sz="1300">
+              <a:latin typeface="Courier"/>
+              <a:ea typeface="Courier"/>
+              <a:cs typeface="Courier"/>
+              <a:sym typeface="Courier"/>
+            </a:endParaRPr>
+          </a:p>
+          <a:p>
+            <a:pPr marL="0" indent="0">
+              <a:buSzTx/>
+              <a:buNone/>
+            </a:pPr>
+            <a:r>
+              <a:t>Vypiš 10 nejstarších filmů s jejich rokem</a:t>
+            </a:r>
+          </a:p>
+          <a:p>
+            <a:pPr marL="165100" indent="-165100" defTabSz="457200">
+              <a:lnSpc>
+                <a:spcPct val="100000"/>
+              </a:lnSpc>
+              <a:spcBef>
+                <a:spcPts val="0"/>
+              </a:spcBef>
+              <a:defRPr sz="1300">
+                <a:latin typeface="Courier"/>
+                <a:ea typeface="Courier"/>
+                <a:cs typeface="Courier"/>
+                <a:sym typeface="Courier"/>
+              </a:defRPr>
+            </a:pPr>
+          </a:p>
+          <a:p>
+            <a:pPr/>
+            <a:r>
+              <a:rPr u="sng">
+                <a:hlinkClick r:id="rId2" invalidUrl="" action="" tgtFrame="" tooltip="" history="1" highlightClick="0" endSnd="0"/>
+              </a:rPr>
+              <a:t>https://chatgpt.com/share/932973a8-a954-49f6-8544-c07e70323190</a:t>
+            </a:r>
+            <a:r>
+              <a:t> </a:t>
+            </a:r>
+          </a:p>
+          <a:p>
+            <a:pPr/>
+            <a:r>
+              <a:t>(odrazující příklad)</a:t>
+            </a:r>
+          </a:p>
+        </p:txBody>
+      </p:sp>
+    </p:spTree>
+  </p:cSld>
+  <p:clrMapOvr>
+    <a:masterClrMapping/>
+  </p:clrMapOvr>
+  <p:transition xmlns:p14="http://schemas.microsoft.com/office/powerpoint/2010/main" spd="med" advClick="1"/>
+</p:sld>
+</file>
+
+<file path=ppt/slides/slide28.xml><?xml version="1.0" encoding="utf-8"?>
+<p:sld xmlns:a="http://schemas.openxmlformats.org/drawingml/2006/main" xmlns:r="http://schemas.openxmlformats.org/officeDocument/2006/relationships" xmlns:p="http://schemas.openxmlformats.org/presentationml/2006/main" xmlns:m="http://schemas.openxmlformats.org/officeDocument/2006/math" xmlns:a14="http://schemas.microsoft.com/office/drawing/2010/main" showMasterSp="1" showMasterPhAnim="1">
+  <p:cSld>
+    <p:spTree>
+      <p:nvGrpSpPr>
+        <p:cNvPr id="1" name=""/>
+        <p:cNvGrpSpPr/>
+        <p:nvPr/>
+      </p:nvGrpSpPr>
+      <p:grpSpPr>
+        <a:xfrm>
+          <a:off x="0" y="0"/>
+          <a:ext cx="0" cy="0"/>
+          <a:chOff x="0" y="0"/>
+          <a:chExt cx="0" cy="0"/>
+        </a:xfrm>
+      </p:grpSpPr>
+      <p:sp>
+        <p:nvSpPr>
+          <p:cNvPr id="290" name="Příklady LLM"/>
+          <p:cNvSpPr txBox="1"/>
+          <p:nvPr>
+            <p:ph type="title"/>
+          </p:nvPr>
+        </p:nvSpPr>
+        <p:spPr>
+          <a:prstGeom prst="rect">
+            <a:avLst/>
+          </a:prstGeom>
+        </p:spPr>
+        <p:txBody>
+          <a:bodyPr/>
+          <a:lstStyle/>
+          <a:p>
+            <a:pPr/>
+            <a:r>
+              <a:t>Příklady LLM</a:t>
+            </a:r>
+          </a:p>
+        </p:txBody>
+      </p:sp>
+      <p:sp>
+        <p:nvSpPr>
+          <p:cNvPr id="291" name="Nachystejte potřebné znalosti LLM"/>
+          <p:cNvSpPr txBox="1"/>
+          <p:nvPr>
+            <p:ph type="body" idx="21"/>
+          </p:nvPr>
+        </p:nvSpPr>
+        <p:spPr>
+          <a:prstGeom prst="rect">
+            <a:avLst/>
+          </a:prstGeom>
+          <a:extLst>
+            <a:ext uri="{C572A759-6A51-4108-AA02-DFA0A04FC94B}">
+              <ma14:wrappingTextBoxFlag xmlns:ma14="http://schemas.microsoft.com/office/mac/drawingml/2011/main" val="1"/>
+            </a:ext>
+          </a:extLst>
+        </p:spPr>
+        <p:txBody>
+          <a:bodyPr/>
+          <a:lstStyle/>
+          <a:p>
+            <a:pPr/>
+            <a:r>
+              <a:t>Nachystejte potřebné znalosti LLM</a:t>
+            </a:r>
+          </a:p>
+        </p:txBody>
+      </p:sp>
+      <p:sp>
+        <p:nvSpPr>
+          <p:cNvPr id="292" name="https://chatgpt.com/share/cbb6bc8c-4d1b-4da7-871d-d197b9988ee3…"/>
+          <p:cNvSpPr txBox="1"/>
+          <p:nvPr>
+            <p:ph type="body" idx="1"/>
+          </p:nvPr>
+        </p:nvSpPr>
+        <p:spPr>
+          <a:prstGeom prst="rect">
+            <a:avLst/>
+          </a:prstGeom>
+        </p:spPr>
+        <p:txBody>
+          <a:bodyPr/>
+          <a:lstStyle/>
+          <a:p>
+            <a:pPr/>
+            <a:r>
+              <a:rPr u="sng">
+                <a:hlinkClick r:id="rId2" invalidUrl="" action="" tgtFrame="" tooltip="" history="1" highlightClick="0" endSnd="0"/>
+              </a:rPr>
+              <a:t>https://chatgpt.com/share/cbb6bc8c-4d1b-4da7-871d-d197b9988ee3</a:t>
+            </a:r>
+            <a:r>
+              <a:t> </a:t>
+            </a:r>
+          </a:p>
+          <a:p>
+            <a:pPr lvl="1"/>
+            <a:r>
+              <a:t>Pokud nevíte jak se zeptat, zeptejte se na to</a:t>
+            </a:r>
+          </a:p>
+          <a:p>
+            <a:pPr lvl="1"/>
+            <a:r>
+              <a:t>Oddělujte kód od zadání (ideálně ```, případně cokoliv jako třeba ---)</a:t>
+            </a:r>
+          </a:p>
+          <a:p>
+            <a:pPr lvl="1"/>
+            <a:r>
+              <a:t>Pamatujte, že i to co vypíše model dokáže při příštím dotazu využívat</a:t>
+            </a:r>
+          </a:p>
+          <a:p>
+            <a:pPr lvl="1"/>
+            <a:r>
+              <a:t>Nebojte se ptát se na vysvětlení. Můžete upřesnit úroveň vyjadřování (vysvětluj pro dítě na základní škole, jsem učitel co pracuje s SQL poprvé)</a:t>
+            </a:r>
+          </a:p>
+          <a:p>
+            <a:pPr lvl="1"/>
+            <a:r>
+              <a:t>Vkládejte celé chybové hlášky s popisem kde se vzaly.</a:t>
+            </a:r>
+          </a:p>
+        </p:txBody>
+      </p:sp>
+    </p:spTree>
+  </p:cSld>
+  <p:clrMapOvr>
+    <a:masterClrMapping/>
+  </p:clrMapOvr>
+  <p:transition xmlns:p14="http://schemas.microsoft.com/office/powerpoint/2010/main" spd="med" advClick="1"/>
+</p:sld>
+</file>
+
+<file path=ppt/slides/slide29.xml><?xml version="1.0" encoding="utf-8"?>
+<p:sld xmlns:a="http://schemas.openxmlformats.org/drawingml/2006/main" xmlns:r="http://schemas.openxmlformats.org/officeDocument/2006/relationships" xmlns:p="http://schemas.openxmlformats.org/presentationml/2006/main" xmlns:m="http://schemas.openxmlformats.org/officeDocument/2006/math" xmlns:a14="http://schemas.microsoft.com/office/drawing/2010/main" showMasterSp="1" showMasterPhAnim="1">
+  <p:cSld>
+    <p:spTree>
+      <p:nvGrpSpPr>
+        <p:cNvPr id="1" name=""/>
+        <p:cNvGrpSpPr/>
+        <p:nvPr/>
+      </p:nvGrpSpPr>
+      <p:grpSpPr>
+        <a:xfrm>
+          <a:off x="0" y="0"/>
+          <a:ext cx="0" cy="0"/>
+          <a:chOff x="0" y="0"/>
+          <a:chExt cx="0" cy="0"/>
+        </a:xfrm>
+      </p:grpSpPr>
+      <p:sp>
+        <p:nvSpPr>
+          <p:cNvPr id="294" name="Příklady LLM"/>
+          <p:cNvSpPr txBox="1"/>
+          <p:nvPr>
+            <p:ph type="title"/>
+          </p:nvPr>
+        </p:nvSpPr>
+        <p:spPr>
+          <a:prstGeom prst="rect">
+            <a:avLst/>
+          </a:prstGeom>
+        </p:spPr>
+        <p:txBody>
+          <a:bodyPr/>
+          <a:lstStyle/>
+          <a:p>
+            <a:pPr/>
+            <a:r>
+              <a:t>Příklady LLM</a:t>
+            </a:r>
+          </a:p>
+        </p:txBody>
+      </p:sp>
+      <p:sp>
+        <p:nvSpPr>
+          <p:cNvPr id="295" name="Nápady"/>
+          <p:cNvSpPr txBox="1"/>
+          <p:nvPr>
+            <p:ph type="body" idx="21"/>
+          </p:nvPr>
+        </p:nvSpPr>
+        <p:spPr>
+          <a:prstGeom prst="rect">
+            <a:avLst/>
+          </a:prstGeom>
+          <a:extLst>
+            <a:ext uri="{C572A759-6A51-4108-AA02-DFA0A04FC94B}">
+              <ma14:wrappingTextBoxFlag xmlns:ma14="http://schemas.microsoft.com/office/mac/drawingml/2011/main" val="1"/>
+            </a:ext>
+          </a:extLst>
+        </p:spPr>
+        <p:txBody>
+          <a:bodyPr/>
+          <a:lstStyle/>
+          <a:p>
+            <a:pPr/>
+            <a:r>
+              <a:t>Nápady</a:t>
+            </a:r>
+          </a:p>
+        </p:txBody>
+      </p:sp>
+      <p:sp>
+        <p:nvSpPr>
+          <p:cNvPr id="296" name="I am doing sql in person course. I am giving my students tasks solvable by SQL SELECT. After a few tasks, I would like to ask them a question if they understand the concepts via some online tool. Can you give me some suggestions for such tools?…"/>
+          <p:cNvSpPr txBox="1"/>
+          <p:nvPr>
+            <p:ph type="body" idx="1"/>
+          </p:nvPr>
+        </p:nvSpPr>
+        <p:spPr>
+          <a:prstGeom prst="rect">
+            <a:avLst/>
+          </a:prstGeom>
+        </p:spPr>
+        <p:txBody>
+          <a:bodyPr/>
+          <a:lstStyle/>
+          <a:p>
+            <a:pPr/>
+            <a:r>
+              <a:t>I am doing sql in person course. I am giving my students tasks solvable by SQL SELECT. After a few tasks, I would like to ask them a question if they understand the concepts via some online tool. Can you give me some suggestions for such tools?</a:t>
+            </a:r>
+          </a:p>
+          <a:p>
+            <a:pPr/>
+            <a:r>
+              <a:rPr u="sng">
+                <a:hlinkClick r:id="rId2" invalidUrl="" action="" tgtFrame="" tooltip="" history="1" highlightClick="0" endSnd="0"/>
+              </a:rPr>
+              <a:t>https://chatgpt.com/share/2a99f85f-c722-4ff1-8fb9-226452799ec6</a:t>
             </a:r>
           </a:p>
         </p:txBody>
@@ -7245,7 +7810,7 @@
       </p:grpSpPr>
       <p:sp>
         <p:nvSpPr>
-          <p:cNvPr id="179" name="Jaká data existují"/>
+          <p:cNvPr id="179" name="Obsah"/>
           <p:cNvSpPr txBox="1"/>
           <p:nvPr>
             <p:ph type="title"/>
@@ -7262,14 +7827,14 @@
           <a:p>
             <a:pPr/>
             <a:r>
-              <a:t>Jaká data existují</a:t>
-            </a:r>
-          </a:p>
-        </p:txBody>
-      </p:sp>
-      <p:sp>
-        <p:nvSpPr>
-          <p:cNvPr id="180" name="Pro začátek malinká"/>
+              <a:t>Obsah</a:t>
+            </a:r>
+          </a:p>
+        </p:txBody>
+      </p:sp>
+      <p:sp>
+        <p:nvSpPr>
+          <p:cNvPr id="180" name="Podtitul snímku"/>
           <p:cNvSpPr txBox="1"/>
           <p:nvPr>
             <p:ph type="body" idx="21"/>
@@ -7279,26 +7844,18 @@
           <a:prstGeom prst="rect">
             <a:avLst/>
           </a:prstGeom>
-          <a:extLst>
-            <a:ext uri="{C572A759-6A51-4108-AA02-DFA0A04FC94B}">
-              <ma14:wrappingTextBoxFlag xmlns:ma14="http://schemas.microsoft.com/office/mac/drawingml/2011/main" val="1"/>
-            </a:ext>
-          </a:extLst>
-        </p:spPr>
-        <p:txBody>
-          <a:bodyPr/>
-          <a:lstStyle/>
-          <a:p>
-            <a:pPr/>
-            <a:r>
-              <a:t>Pro začátek malinká</a:t>
-            </a:r>
-          </a:p>
-        </p:txBody>
-      </p:sp>
-      <p:sp>
-        <p:nvSpPr>
-          <p:cNvPr id="181" name="Bit (0 nebo 1)…"/>
+        </p:spPr>
+        <p:txBody>
+          <a:bodyPr/>
+          <a:lstStyle/>
+          <a:p>
+            <a:pPr/>
+          </a:p>
+        </p:txBody>
+      </p:sp>
+      <p:sp>
+        <p:nvSpPr>
+          <p:cNvPr id="181" name="Co to je BigData…"/>
           <p:cNvSpPr txBox="1"/>
           <p:nvPr>
             <p:ph type="body" idx="1"/>
@@ -7315,37 +7872,37 @@
           <a:p>
             <a:pPr/>
             <a:r>
-              <a:t>Bit (0 nebo 1)</a:t>
+              <a:t>Co to je BigData</a:t>
+            </a:r>
+          </a:p>
+          <a:p>
+            <a:pPr/>
+            <a:r>
+              <a:t>Sběr</a:t>
+            </a:r>
+          </a:p>
+          <a:p>
+            <a:pPr/>
+            <a:r>
+              <a:t>Uložení</a:t>
+            </a:r>
+          </a:p>
+          <a:p>
+            <a:pPr/>
+            <a:r>
+              <a:t>Zpracování</a:t>
+            </a:r>
+          </a:p>
+          <a:p>
+            <a:pPr/>
+            <a:r>
+              <a:t>Použití</a:t>
             </a:r>
           </a:p>
           <a:p>
             <a:pPr lvl="1"/>
             <a:r>
-              <a:t>informace ano-ne - kamkoliv</a:t>
-            </a:r>
-          </a:p>
-          <a:p>
-            <a:pPr/>
-            <a:r>
-              <a:t>Bajt - 8 bitů </a:t>
-            </a:r>
-          </a:p>
-          <a:p>
-            <a:pPr lvl="1"/>
-            <a:r>
-              <a:t>jedno písmenko nebo malé číslo - zapamatuju si</a:t>
-            </a:r>
-          </a:p>
-          <a:p>
-            <a:pPr/>
-            <a:r>
-              <a:t>Kilobajty </a:t>
-            </a:r>
-          </a:p>
-          <a:p>
-            <a:pPr lvl="1"/>
-            <a:r>
-              <a:t>textový email - Vytisknu na papír</a:t>
+              <a:t>LLM trochu podrobněji</a:t>
             </a:r>
           </a:p>
         </p:txBody>
@@ -7356,355 +7913,644 @@
     <a:masterClrMapping/>
   </p:clrMapOvr>
   <p:transition xmlns:p14="http://schemas.microsoft.com/office/powerpoint/2010/main" spd="med" advClick="1"/>
-  <p:timing>
-    <p:tnLst>
-      <p:par>
-        <p:cTn id="1" nodeType="tmRoot" restart="never" dur="indefinite" fill="hold">
-          <p:childTnLst>
-            <p:seq concurrent="1" prevAc="none" nextAc="seek">
-              <p:cTn id="2" nodeType="mainSeq" dur="indefinite" fill="hold">
-                <p:childTnLst>
-                  <p:par>
-                    <p:cTn id="3" fill="hold">
-                      <p:stCondLst>
-                        <p:cond delay="indefinite"/>
-                      </p:stCondLst>
-                      <p:childTnLst>
-                        <p:par>
-                          <p:cTn id="4" fill="hold">
-                            <p:stCondLst>
-                              <p:cond delay="0"/>
-                            </p:stCondLst>
-                            <p:childTnLst>
-                              <p:par>
-                                <p:cTn id="5" presetClass="entr" nodeType="clickEffect" presetSubtype="0" presetID="1" grpId="1" fill="hold">
-                                  <p:stCondLst>
-                                    <p:cond delay="0"/>
-                                  </p:stCondLst>
-                                  <p:iterate type="el" backwards="0">
-                                    <p:tmAbs val="0"/>
-                                  </p:iterate>
-                                  <p:childTnLst>
-                                    <p:set>
-                                      <p:cBhvr>
-                                        <p:cTn id="6" fill="hold"/>
-                                        <p:tgtEl>
-                                          <p:spTgt spid="181">
-                                            <p:bg/>
-                                          </p:spTgt>
-                                        </p:tgtEl>
-                                        <p:attrNameLst>
-                                          <p:attrName>style.visibility</p:attrName>
-                                        </p:attrNameLst>
-                                      </p:cBhvr>
-                                      <p:to>
-                                        <p:strVal val="visible"/>
-                                      </p:to>
-                                    </p:set>
-                                  </p:childTnLst>
-                                </p:cTn>
-                              </p:par>
-                              <p:par>
-                                <p:cTn id="7" presetClass="entr" nodeType="withEffect" presetSubtype="0" presetID="1" grpId="1" fill="hold">
-                                  <p:stCondLst>
-                                    <p:cond delay="0"/>
-                                  </p:stCondLst>
-                                  <p:iterate type="el" backwards="0">
-                                    <p:tmAbs val="0"/>
-                                  </p:iterate>
-                                  <p:childTnLst>
-                                    <p:set>
-                                      <p:cBhvr>
-                                        <p:cTn id="8" fill="hold"/>
-                                        <p:tgtEl>
-                                          <p:spTgt spid="181">
-                                            <p:txEl>
-                                              <p:pRg st="0" end="0"/>
-                                            </p:txEl>
-                                          </p:spTgt>
-                                        </p:tgtEl>
-                                        <p:attrNameLst>
-                                          <p:attrName>style.visibility</p:attrName>
-                                        </p:attrNameLst>
-                                      </p:cBhvr>
-                                      <p:to>
-                                        <p:strVal val="visible"/>
-                                      </p:to>
-                                    </p:set>
-                                  </p:childTnLst>
-                                </p:cTn>
-                              </p:par>
-                            </p:childTnLst>
-                          </p:cTn>
-                        </p:par>
-                      </p:childTnLst>
-                    </p:cTn>
-                  </p:par>
-                  <p:par>
-                    <p:cTn id="9" fill="hold">
-                      <p:stCondLst>
-                        <p:cond delay="indefinite"/>
-                      </p:stCondLst>
-                      <p:childTnLst>
-                        <p:par>
-                          <p:cTn id="10" fill="hold">
-                            <p:stCondLst>
-                              <p:cond delay="0"/>
-                            </p:stCondLst>
-                            <p:childTnLst>
-                              <p:par>
-                                <p:cTn id="11" presetClass="entr" nodeType="clickEffect" presetSubtype="0" presetID="1" grpId="1" fill="hold">
-                                  <p:stCondLst>
-                                    <p:cond delay="0"/>
-                                  </p:stCondLst>
-                                  <p:iterate type="el" backwards="0">
-                                    <p:tmAbs val="0"/>
-                                  </p:iterate>
-                                  <p:childTnLst>
-                                    <p:set>
-                                      <p:cBhvr>
-                                        <p:cTn id="12" fill="hold"/>
-                                        <p:tgtEl>
-                                          <p:spTgt spid="181">
-                                            <p:txEl>
-                                              <p:pRg st="1" end="1"/>
-                                            </p:txEl>
-                                          </p:spTgt>
-                                        </p:tgtEl>
-                                        <p:attrNameLst>
-                                          <p:attrName>style.visibility</p:attrName>
-                                        </p:attrNameLst>
-                                      </p:cBhvr>
-                                      <p:to>
-                                        <p:strVal val="visible"/>
-                                      </p:to>
-                                    </p:set>
-                                  </p:childTnLst>
-                                </p:cTn>
-                              </p:par>
-                            </p:childTnLst>
-                          </p:cTn>
-                        </p:par>
-                      </p:childTnLst>
-                    </p:cTn>
-                  </p:par>
-                  <p:par>
-                    <p:cTn id="13" fill="hold">
-                      <p:stCondLst>
-                        <p:cond delay="indefinite"/>
-                      </p:stCondLst>
-                      <p:childTnLst>
-                        <p:par>
-                          <p:cTn id="14" fill="hold">
-                            <p:stCondLst>
-                              <p:cond delay="0"/>
-                            </p:stCondLst>
-                            <p:childTnLst>
-                              <p:par>
-                                <p:cTn id="15" presetClass="entr" nodeType="clickEffect" presetSubtype="0" presetID="1" grpId="1" fill="hold">
-                                  <p:stCondLst>
-                                    <p:cond delay="0"/>
-                                  </p:stCondLst>
-                                  <p:iterate type="el" backwards="0">
-                                    <p:tmAbs val="0"/>
-                                  </p:iterate>
-                                  <p:childTnLst>
-                                    <p:set>
-                                      <p:cBhvr>
-                                        <p:cTn id="16" fill="hold"/>
-                                        <p:tgtEl>
-                                          <p:spTgt spid="181">
-                                            <p:txEl>
-                                              <p:pRg st="2" end="2"/>
-                                            </p:txEl>
-                                          </p:spTgt>
-                                        </p:tgtEl>
-                                        <p:attrNameLst>
-                                          <p:attrName>style.visibility</p:attrName>
-                                        </p:attrNameLst>
-                                      </p:cBhvr>
-                                      <p:to>
-                                        <p:strVal val="visible"/>
-                                      </p:to>
-                                    </p:set>
-                                  </p:childTnLst>
-                                </p:cTn>
-                              </p:par>
-                            </p:childTnLst>
-                          </p:cTn>
-                        </p:par>
-                      </p:childTnLst>
-                    </p:cTn>
-                  </p:par>
-                  <p:par>
-                    <p:cTn id="17" fill="hold">
-                      <p:stCondLst>
-                        <p:cond delay="indefinite"/>
-                      </p:stCondLst>
-                      <p:childTnLst>
-                        <p:par>
-                          <p:cTn id="18" fill="hold">
-                            <p:stCondLst>
-                              <p:cond delay="0"/>
-                            </p:stCondLst>
-                            <p:childTnLst>
-                              <p:par>
-                                <p:cTn id="19" presetClass="entr" nodeType="clickEffect" presetSubtype="0" presetID="1" grpId="1" fill="hold">
-                                  <p:stCondLst>
-                                    <p:cond delay="0"/>
-                                  </p:stCondLst>
-                                  <p:iterate type="el" backwards="0">
-                                    <p:tmAbs val="0"/>
-                                  </p:iterate>
-                                  <p:childTnLst>
-                                    <p:set>
-                                      <p:cBhvr>
-                                        <p:cTn id="20" fill="hold"/>
-                                        <p:tgtEl>
-                                          <p:spTgt spid="181">
-                                            <p:txEl>
-                                              <p:pRg st="3" end="3"/>
-                                            </p:txEl>
-                                          </p:spTgt>
-                                        </p:tgtEl>
-                                        <p:attrNameLst>
-                                          <p:attrName>style.visibility</p:attrName>
-                                        </p:attrNameLst>
-                                      </p:cBhvr>
-                                      <p:to>
-                                        <p:strVal val="visible"/>
-                                      </p:to>
-                                    </p:set>
-                                  </p:childTnLst>
-                                </p:cTn>
-                              </p:par>
-                            </p:childTnLst>
-                          </p:cTn>
-                        </p:par>
-                      </p:childTnLst>
-                    </p:cTn>
-                  </p:par>
-                  <p:par>
-                    <p:cTn id="21" fill="hold">
-                      <p:stCondLst>
-                        <p:cond delay="indefinite"/>
-                      </p:stCondLst>
-                      <p:childTnLst>
-                        <p:par>
-                          <p:cTn id="22" fill="hold">
-                            <p:stCondLst>
-                              <p:cond delay="0"/>
-                            </p:stCondLst>
-                            <p:childTnLst>
-                              <p:par>
-                                <p:cTn id="23" presetClass="entr" nodeType="clickEffect" presetSubtype="0" presetID="1" grpId="1" fill="hold">
-                                  <p:stCondLst>
-                                    <p:cond delay="0"/>
-                                  </p:stCondLst>
-                                  <p:iterate type="el" backwards="0">
-                                    <p:tmAbs val="0"/>
-                                  </p:iterate>
-                                  <p:childTnLst>
-                                    <p:set>
-                                      <p:cBhvr>
-                                        <p:cTn id="24" fill="hold"/>
-                                        <p:tgtEl>
-                                          <p:spTgt spid="181">
-                                            <p:txEl>
-                                              <p:pRg st="4" end="4"/>
-                                            </p:txEl>
-                                          </p:spTgt>
-                                        </p:tgtEl>
-                                        <p:attrNameLst>
-                                          <p:attrName>style.visibility</p:attrName>
-                                        </p:attrNameLst>
-                                      </p:cBhvr>
-                                      <p:to>
-                                        <p:strVal val="visible"/>
-                                      </p:to>
-                                    </p:set>
-                                  </p:childTnLst>
-                                </p:cTn>
-                              </p:par>
-                            </p:childTnLst>
-                          </p:cTn>
-                        </p:par>
-                      </p:childTnLst>
-                    </p:cTn>
-                  </p:par>
-                  <p:par>
-                    <p:cTn id="25" fill="hold">
-                      <p:stCondLst>
-                        <p:cond delay="indefinite"/>
-                      </p:stCondLst>
-                      <p:childTnLst>
-                        <p:par>
-                          <p:cTn id="26" fill="hold">
-                            <p:stCondLst>
-                              <p:cond delay="0"/>
-                            </p:stCondLst>
-                            <p:childTnLst>
-                              <p:par>
-                                <p:cTn id="27" presetClass="entr" nodeType="clickEffect" presetSubtype="0" presetID="1" grpId="1" fill="hold">
-                                  <p:stCondLst>
-                                    <p:cond delay="0"/>
-                                  </p:stCondLst>
-                                  <p:iterate type="el" backwards="0">
-                                    <p:tmAbs val="0"/>
-                                  </p:iterate>
-                                  <p:childTnLst>
-                                    <p:set>
-                                      <p:cBhvr>
-                                        <p:cTn id="28" fill="hold"/>
-                                        <p:tgtEl>
-                                          <p:spTgt spid="181">
-                                            <p:txEl>
-                                              <p:pRg st="5" end="5"/>
-                                            </p:txEl>
-                                          </p:spTgt>
-                                        </p:tgtEl>
-                                        <p:attrNameLst>
-                                          <p:attrName>style.visibility</p:attrName>
-                                        </p:attrNameLst>
-                                      </p:cBhvr>
-                                      <p:to>
-                                        <p:strVal val="visible"/>
-                                      </p:to>
-                                    </p:set>
-                                  </p:childTnLst>
-                                </p:cTn>
-                              </p:par>
-                            </p:childTnLst>
-                          </p:cTn>
-                        </p:par>
-                      </p:childTnLst>
-                    </p:cTn>
-                  </p:par>
-                </p:childTnLst>
-              </p:cTn>
-              <p:prevCondLst>
-                <p:cond evt="onPrev">
-                  <p:tgtEl>
-                    <p:sldTgt/>
-                  </p:tgtEl>
-                </p:cond>
-              </p:prevCondLst>
-              <p:nextCondLst>
-                <p:cond evt="onNext">
-                  <p:tgtEl>
-                    <p:sldTgt/>
-                  </p:tgtEl>
-                </p:cond>
-              </p:nextCondLst>
-            </p:seq>
-          </p:childTnLst>
-        </p:cTn>
-      </p:par>
-    </p:tnLst>
-    <p:bldLst>
-      <p:bldP build="p" bldLvl="5" animBg="1" rev="0" advAuto="0" spid="181" grpId="1"/>
-    </p:bldLst>
-  </p:timing>
+</p:sld>
+</file>
+
+<file path=ppt/slides/slide30.xml><?xml version="1.0" encoding="utf-8"?>
+<p:sld xmlns:a="http://schemas.openxmlformats.org/drawingml/2006/main" xmlns:r="http://schemas.openxmlformats.org/officeDocument/2006/relationships" xmlns:p="http://schemas.openxmlformats.org/presentationml/2006/main" xmlns:m="http://schemas.openxmlformats.org/officeDocument/2006/math" xmlns:a14="http://schemas.microsoft.com/office/drawing/2010/main" showMasterSp="1" showMasterPhAnim="1">
+  <p:cSld>
+    <p:spTree>
+      <p:nvGrpSpPr>
+        <p:cNvPr id="1" name=""/>
+        <p:cNvGrpSpPr/>
+        <p:nvPr/>
+      </p:nvGrpSpPr>
+      <p:grpSpPr>
+        <a:xfrm>
+          <a:off x="0" y="0"/>
+          <a:ext cx="0" cy="0"/>
+          <a:chOff x="0" y="0"/>
+          <a:chExt cx="0" cy="0"/>
+        </a:xfrm>
+      </p:grpSpPr>
+      <p:sp>
+        <p:nvSpPr>
+          <p:cNvPr id="298" name="Příklady LLM"/>
+          <p:cNvSpPr txBox="1"/>
+          <p:nvPr>
+            <p:ph type="title"/>
+          </p:nvPr>
+        </p:nvSpPr>
+        <p:spPr>
+          <a:prstGeom prst="rect">
+            <a:avLst/>
+          </a:prstGeom>
+        </p:spPr>
+        <p:txBody>
+          <a:bodyPr/>
+          <a:lstStyle/>
+          <a:p>
+            <a:pPr/>
+            <a:r>
+              <a:t>Příklady LLM</a:t>
+            </a:r>
+          </a:p>
+        </p:txBody>
+      </p:sp>
+      <p:sp>
+        <p:nvSpPr>
+          <p:cNvPr id="299" name="Funguj podle role"/>
+          <p:cNvSpPr txBox="1"/>
+          <p:nvPr>
+            <p:ph type="body" idx="21"/>
+          </p:nvPr>
+        </p:nvSpPr>
+        <p:spPr>
+          <a:prstGeom prst="rect">
+            <a:avLst/>
+          </a:prstGeom>
+          <a:extLst>
+            <a:ext uri="{C572A759-6A51-4108-AA02-DFA0A04FC94B}">
+              <ma14:wrappingTextBoxFlag xmlns:ma14="http://schemas.microsoft.com/office/mac/drawingml/2011/main" val="1"/>
+            </a:ext>
+          </a:extLst>
+        </p:spPr>
+        <p:txBody>
+          <a:bodyPr/>
+          <a:lstStyle/>
+          <a:p>
+            <a:pPr/>
+            <a:r>
+              <a:t>Funguj podle role</a:t>
+            </a:r>
+          </a:p>
+        </p:txBody>
+      </p:sp>
+      <p:sp>
+        <p:nvSpPr>
+          <p:cNvPr id="300" name="Nutriční poradce…"/>
+          <p:cNvSpPr txBox="1"/>
+          <p:nvPr>
+            <p:ph type="body" idx="1"/>
+          </p:nvPr>
+        </p:nvSpPr>
+        <p:spPr>
+          <a:prstGeom prst="rect">
+            <a:avLst/>
+          </a:prstGeom>
+        </p:spPr>
+        <p:txBody>
+          <a:bodyPr/>
+          <a:lstStyle/>
+          <a:p>
+            <a:pPr/>
+            <a:r>
+              <a:t>Nutriční poradce</a:t>
+            </a:r>
+          </a:p>
+          <a:p>
+            <a:pPr/>
+            <a:r>
+              <a:rPr u="sng">
+                <a:hlinkClick r:id="rId2" invalidUrl="" action="" tgtFrame="" tooltip="" history="1" highlightClick="0" endSnd="0"/>
+              </a:rPr>
+              <a:t>https://chatgpt.com/share/23fbcbe6-2ff8-470c-9ecf-0f6ff231e9da</a:t>
+            </a:r>
+            <a:r>
+              <a:t> </a:t>
+            </a:r>
+          </a:p>
+          <a:p>
+            <a:pPr/>
+            <a:r>
+              <a:t>Ukazuje, že si model sám může vygenerovat zadání podle kterého se pak má chovat.</a:t>
+            </a:r>
+          </a:p>
+        </p:txBody>
+      </p:sp>
+    </p:spTree>
+  </p:cSld>
+  <p:clrMapOvr>
+    <a:masterClrMapping/>
+  </p:clrMapOvr>
+  <p:transition xmlns:p14="http://schemas.microsoft.com/office/powerpoint/2010/main" spd="med" advClick="1"/>
+</p:sld>
+</file>
+
+<file path=ppt/slides/slide31.xml><?xml version="1.0" encoding="utf-8"?>
+<p:sld xmlns:a="http://schemas.openxmlformats.org/drawingml/2006/main" xmlns:r="http://schemas.openxmlformats.org/officeDocument/2006/relationships" xmlns:p="http://schemas.openxmlformats.org/presentationml/2006/main" xmlns:m="http://schemas.openxmlformats.org/officeDocument/2006/math" xmlns:a14="http://schemas.microsoft.com/office/drawing/2010/main" showMasterSp="1" showMasterPhAnim="1">
+  <p:cSld>
+    <p:spTree>
+      <p:nvGrpSpPr>
+        <p:cNvPr id="1" name=""/>
+        <p:cNvGrpSpPr/>
+        <p:nvPr/>
+      </p:nvGrpSpPr>
+      <p:grpSpPr>
+        <a:xfrm>
+          <a:off x="0" y="0"/>
+          <a:ext cx="0" cy="0"/>
+          <a:chOff x="0" y="0"/>
+          <a:chExt cx="0" cy="0"/>
+        </a:xfrm>
+      </p:grpSpPr>
+      <p:sp>
+        <p:nvSpPr>
+          <p:cNvPr id="302" name="Tipy LLM"/>
+          <p:cNvSpPr txBox="1"/>
+          <p:nvPr>
+            <p:ph type="title"/>
+          </p:nvPr>
+        </p:nvSpPr>
+        <p:spPr>
+          <a:prstGeom prst="rect">
+            <a:avLst/>
+          </a:prstGeom>
+        </p:spPr>
+        <p:txBody>
+          <a:bodyPr/>
+          <a:lstStyle/>
+          <a:p>
+            <a:pPr/>
+            <a:r>
+              <a:t>Tipy LLM</a:t>
+            </a:r>
+          </a:p>
+        </p:txBody>
+      </p:sp>
+      <p:sp>
+        <p:nvSpPr>
+          <p:cNvPr id="303" name="Podtitul snímku"/>
+          <p:cNvSpPr txBox="1"/>
+          <p:nvPr>
+            <p:ph type="body" idx="21"/>
+          </p:nvPr>
+        </p:nvSpPr>
+        <p:spPr>
+          <a:prstGeom prst="rect">
+            <a:avLst/>
+          </a:prstGeom>
+        </p:spPr>
+        <p:txBody>
+          <a:bodyPr/>
+          <a:lstStyle/>
+          <a:p>
+            <a:pPr/>
+          </a:p>
+        </p:txBody>
+      </p:sp>
+      <p:sp>
+        <p:nvSpPr>
+          <p:cNvPr id="304" name="Modely bývají chytřejší v angličtině. Pokud to zvládáte, doporučuji se ptát anglicky.…"/>
+          <p:cNvSpPr txBox="1"/>
+          <p:nvPr>
+            <p:ph type="body" idx="1"/>
+          </p:nvPr>
+        </p:nvSpPr>
+        <p:spPr>
+          <a:prstGeom prst="rect">
+            <a:avLst/>
+          </a:prstGeom>
+        </p:spPr>
+        <p:txBody>
+          <a:bodyPr/>
+          <a:lstStyle/>
+          <a:p>
+            <a:pPr/>
+            <a:r>
+              <a:t>Modely bývají chytřejší v angličtině. Pokud to zvládáte, doporučuji se ptát anglicky.</a:t>
+            </a:r>
+          </a:p>
+          <a:p>
+            <a:pPr/>
+            <a:r>
+              <a:t>Dnešní modely zvládají vstup o velikosti 128k tokenů. Tj. anglicky řádově necelá kniha, česky sto stránek textu.</a:t>
+            </a:r>
+          </a:p>
+          <a:p>
+            <a:pPr lvl="1"/>
+            <a:r>
+              <a:t>Tj. nebojte se psát dlouhé zadání a vkládat dlouhé kusy textu, články apod.</a:t>
+            </a:r>
+          </a:p>
+          <a:p>
+            <a:pPr/>
+            <a:r>
+              <a:t>Přesto při dlouhém chatu občas zapomínají začátek.</a:t>
+            </a:r>
+          </a:p>
+          <a:p>
+            <a:pPr lvl="1"/>
+            <a:r>
+              <a:t>Optimalizují tak cenu generování.</a:t>
+            </a:r>
+          </a:p>
+        </p:txBody>
+      </p:sp>
+    </p:spTree>
+  </p:cSld>
+  <p:clrMapOvr>
+    <a:masterClrMapping/>
+  </p:clrMapOvr>
+  <p:transition xmlns:p14="http://schemas.microsoft.com/office/powerpoint/2010/main" spd="med" advClick="1"/>
+</p:sld>
+</file>
+
+<file path=ppt/slides/slide32.xml><?xml version="1.0" encoding="utf-8"?>
+<p:sld xmlns:a="http://schemas.openxmlformats.org/drawingml/2006/main" xmlns:r="http://schemas.openxmlformats.org/officeDocument/2006/relationships" xmlns:p="http://schemas.openxmlformats.org/presentationml/2006/main" xmlns:m="http://schemas.openxmlformats.org/officeDocument/2006/math" xmlns:a14="http://schemas.microsoft.com/office/drawing/2010/main" showMasterSp="1" showMasterPhAnim="1">
+  <p:cSld>
+    <p:spTree>
+      <p:nvGrpSpPr>
+        <p:cNvPr id="1" name=""/>
+        <p:cNvGrpSpPr/>
+        <p:nvPr/>
+      </p:nvGrpSpPr>
+      <p:grpSpPr>
+        <a:xfrm>
+          <a:off x="0" y="0"/>
+          <a:ext cx="0" cy="0"/>
+          <a:chOff x="0" y="0"/>
+          <a:chExt cx="0" cy="0"/>
+        </a:xfrm>
+      </p:grpSpPr>
+      <p:sp>
+        <p:nvSpPr>
+          <p:cNvPr id="306" name="Tipy LLM"/>
+          <p:cNvSpPr txBox="1"/>
+          <p:nvPr>
+            <p:ph type="title"/>
+          </p:nvPr>
+        </p:nvSpPr>
+        <p:spPr>
+          <a:prstGeom prst="rect">
+            <a:avLst/>
+          </a:prstGeom>
+        </p:spPr>
+        <p:txBody>
+          <a:bodyPr/>
+          <a:lstStyle/>
+          <a:p>
+            <a:pPr/>
+            <a:r>
+              <a:t>Tipy LLM</a:t>
+            </a:r>
+          </a:p>
+        </p:txBody>
+      </p:sp>
+      <p:sp>
+        <p:nvSpPr>
+          <p:cNvPr id="307" name="Podtitul snímku"/>
+          <p:cNvSpPr txBox="1"/>
+          <p:nvPr>
+            <p:ph type="body" idx="21"/>
+          </p:nvPr>
+        </p:nvSpPr>
+        <p:spPr>
+          <a:prstGeom prst="rect">
+            <a:avLst/>
+          </a:prstGeom>
+        </p:spPr>
+        <p:txBody>
+          <a:bodyPr/>
+          <a:lstStyle/>
+          <a:p>
+            <a:pPr/>
+          </a:p>
+        </p:txBody>
+      </p:sp>
+      <p:sp>
+        <p:nvSpPr>
+          <p:cNvPr id="308" name="Upřesněte styl výstupu - často pomocí role.…"/>
+          <p:cNvSpPr txBox="1"/>
+          <p:nvPr>
+            <p:ph type="body" idx="1"/>
+          </p:nvPr>
+        </p:nvSpPr>
+        <p:spPr>
+          <a:prstGeom prst="rect">
+            <a:avLst/>
+          </a:prstGeom>
+        </p:spPr>
+        <p:txBody>
+          <a:bodyPr/>
+          <a:lstStyle/>
+          <a:p>
+            <a:pPr/>
+            <a:r>
+              <a:t>Upřesněte styl výstupu - často pomocí role.</a:t>
+            </a:r>
+          </a:p>
+          <a:p>
+            <a:pPr lvl="1"/>
+            <a:r>
+              <a:t>"Buď profesor češtiny"</a:t>
+            </a:r>
+          </a:p>
+          <a:p>
+            <a:pPr lvl="1"/>
+            <a:r>
+              <a:t>"Vysvětli mi to jako pro učitele střední školy, který se učí programovat"</a:t>
+            </a:r>
+          </a:p>
+          <a:p>
+            <a:pPr lvl="1"/>
+            <a:r>
+              <a:t>"Mluv stručně a věcně"</a:t>
+            </a:r>
+          </a:p>
+          <a:p>
+            <a:pPr lvl="1"/>
+            <a:r>
+              <a:t>"Toto je příklad emailu, který jsem psal rodiči dříve. Použij podobný styl."</a:t>
+            </a:r>
+          </a:p>
+          <a:p>
+            <a:pPr/>
+            <a:r>
+              <a:t>Pokud od modelu očekáváte doptávání se, řekněte mu to.</a:t>
+            </a:r>
+          </a:p>
+        </p:txBody>
+      </p:sp>
+    </p:spTree>
+  </p:cSld>
+  <p:clrMapOvr>
+    <a:masterClrMapping/>
+  </p:clrMapOvr>
+  <p:transition xmlns:p14="http://schemas.microsoft.com/office/powerpoint/2010/main" spd="med" advClick="1"/>
+</p:sld>
+</file>
+
+<file path=ppt/slides/slide33.xml><?xml version="1.0" encoding="utf-8"?>
+<p:sld xmlns:a="http://schemas.openxmlformats.org/drawingml/2006/main" xmlns:r="http://schemas.openxmlformats.org/officeDocument/2006/relationships" xmlns:p="http://schemas.openxmlformats.org/presentationml/2006/main" xmlns:m="http://schemas.openxmlformats.org/officeDocument/2006/math" xmlns:a14="http://schemas.microsoft.com/office/drawing/2010/main" showMasterSp="1" showMasterPhAnim="1">
+  <p:cSld>
+    <p:spTree>
+      <p:nvGrpSpPr>
+        <p:cNvPr id="1" name=""/>
+        <p:cNvGrpSpPr/>
+        <p:nvPr/>
+      </p:nvGrpSpPr>
+      <p:grpSpPr>
+        <a:xfrm>
+          <a:off x="0" y="0"/>
+          <a:ext cx="0" cy="0"/>
+          <a:chOff x="0" y="0"/>
+          <a:chExt cx="0" cy="0"/>
+        </a:xfrm>
+      </p:grpSpPr>
+      <p:sp>
+        <p:nvSpPr>
+          <p:cNvPr id="310" name="Problémy LLM"/>
+          <p:cNvSpPr txBox="1"/>
+          <p:nvPr>
+            <p:ph type="title"/>
+          </p:nvPr>
+        </p:nvSpPr>
+        <p:spPr>
+          <a:prstGeom prst="rect">
+            <a:avLst/>
+          </a:prstGeom>
+        </p:spPr>
+        <p:txBody>
+          <a:bodyPr/>
+          <a:lstStyle/>
+          <a:p>
+            <a:pPr/>
+            <a:r>
+              <a:t>Problémy LLM</a:t>
+            </a:r>
+          </a:p>
+        </p:txBody>
+      </p:sp>
+      <p:sp>
+        <p:nvSpPr>
+          <p:cNvPr id="311" name="Podtitul snímku"/>
+          <p:cNvSpPr txBox="1"/>
+          <p:nvPr>
+            <p:ph type="body" idx="21"/>
+          </p:nvPr>
+        </p:nvSpPr>
+        <p:spPr>
+          <a:prstGeom prst="rect">
+            <a:avLst/>
+          </a:prstGeom>
+        </p:spPr>
+        <p:txBody>
+          <a:bodyPr/>
+          <a:lstStyle/>
+          <a:p>
+            <a:pPr/>
+          </a:p>
+        </p:txBody>
+      </p:sp>
+      <p:sp>
+        <p:nvSpPr>
+          <p:cNvPr id="312" name="Můžeme to používat ve škole?…"/>
+          <p:cNvSpPr txBox="1"/>
+          <p:nvPr>
+            <p:ph type="body" idx="1"/>
+          </p:nvPr>
+        </p:nvSpPr>
+        <p:spPr>
+          <a:prstGeom prst="rect">
+            <a:avLst/>
+          </a:prstGeom>
+        </p:spPr>
+        <p:txBody>
+          <a:bodyPr/>
+          <a:lstStyle/>
+          <a:p>
+            <a:pPr marL="566927" indent="-566927" defTabSz="2267655">
+              <a:spcBef>
+                <a:spcPts val="4100"/>
+              </a:spcBef>
+              <a:defRPr sz="4464"/>
+            </a:pPr>
+            <a:r>
+              <a:t>Můžeme to používat ve škole?</a:t>
+            </a:r>
+          </a:p>
+          <a:p>
+            <a:pPr lvl="1" marL="1133855" indent="-566927" defTabSz="2267655">
+              <a:spcBef>
+                <a:spcPts val="4100"/>
+              </a:spcBef>
+              <a:defRPr sz="4464"/>
+            </a:pPr>
+            <a:r>
+              <a:rPr u="sng">
+                <a:hlinkClick r:id="rId2" invalidUrl="" action="" tgtFrame="" tooltip="" history="1" highlightClick="0" endSnd="0"/>
+              </a:rPr>
+              <a:t>https://aidetem.cz/vyuziti-generativni-umele-inteligence-ve-skolach-pravni-pohled/</a:t>
+            </a:r>
+            <a:r>
+              <a:t> </a:t>
+            </a:r>
+          </a:p>
+          <a:p>
+            <a:pPr marL="566927" indent="-566927" defTabSz="2267655">
+              <a:spcBef>
+                <a:spcPts val="4100"/>
+              </a:spcBef>
+              <a:defRPr sz="4464"/>
+            </a:pPr>
+            <a:r>
+              <a:t>Nejsou výsledky jen kombinace učících dat? Nekrademe použitím?</a:t>
+            </a:r>
+          </a:p>
+          <a:p>
+            <a:pPr marL="566927" indent="-566927" defTabSz="2267655">
+              <a:spcBef>
+                <a:spcPts val="4100"/>
+              </a:spcBef>
+              <a:defRPr sz="4464"/>
+            </a:pPr>
+            <a:r>
+              <a:t>Učení a provoz stojí spoustu energie a grafických karet. Zničíme tím planetu?</a:t>
+            </a:r>
+          </a:p>
+          <a:p>
+            <a:pPr marL="566927" indent="-566927" defTabSz="2267655">
+              <a:spcBef>
+                <a:spcPts val="4100"/>
+              </a:spcBef>
+              <a:defRPr sz="4464"/>
+            </a:pPr>
+            <a:r>
+              <a:t>Ohrožuje nás to?</a:t>
+            </a:r>
+          </a:p>
+          <a:p>
+            <a:pPr lvl="1" marL="1133855" indent="-566927" defTabSz="2267655">
+              <a:spcBef>
+                <a:spcPts val="4100"/>
+              </a:spcBef>
+              <a:defRPr sz="4464"/>
+            </a:pPr>
+            <a:r>
+              <a:t>Je snazší generovat podvodný obsah</a:t>
+            </a:r>
+          </a:p>
+          <a:p>
+            <a:pPr lvl="1" marL="1133855" indent="-566927" defTabSz="2267655">
+              <a:spcBef>
+                <a:spcPts val="4100"/>
+              </a:spcBef>
+              <a:defRPr sz="4464"/>
+            </a:pPr>
+            <a:r>
+              <a:t>Terminátor na dohled?</a:t>
+            </a:r>
+          </a:p>
+        </p:txBody>
+      </p:sp>
+    </p:spTree>
+  </p:cSld>
+  <p:clrMapOvr>
+    <a:masterClrMapping/>
+  </p:clrMapOvr>
+  <p:transition xmlns:p14="http://schemas.microsoft.com/office/powerpoint/2010/main" spd="med" advClick="1"/>
+</p:sld>
+</file>
+
+<file path=ppt/slides/slide34.xml><?xml version="1.0" encoding="utf-8"?>
+<p:sld xmlns:a="http://schemas.openxmlformats.org/drawingml/2006/main" xmlns:r="http://schemas.openxmlformats.org/officeDocument/2006/relationships" xmlns:p="http://schemas.openxmlformats.org/presentationml/2006/main" xmlns:m="http://schemas.openxmlformats.org/officeDocument/2006/math" xmlns:a14="http://schemas.microsoft.com/office/drawing/2010/main" showMasterSp="1" showMasterPhAnim="1">
+  <p:cSld>
+    <p:spTree>
+      <p:nvGrpSpPr>
+        <p:cNvPr id="1" name=""/>
+        <p:cNvGrpSpPr/>
+        <p:nvPr/>
+      </p:nvGrpSpPr>
+      <p:grpSpPr>
+        <a:xfrm>
+          <a:off x="0" y="0"/>
+          <a:ext cx="0" cy="0"/>
+          <a:chOff x="0" y="0"/>
+          <a:chExt cx="0" cy="0"/>
+        </a:xfrm>
+      </p:grpSpPr>
+      <p:sp>
+        <p:nvSpPr>
+          <p:cNvPr id="314" name="Jak s tím učit?"/>
+          <p:cNvSpPr txBox="1"/>
+          <p:nvPr>
+            <p:ph type="title"/>
+          </p:nvPr>
+        </p:nvSpPr>
+        <p:spPr>
+          <a:prstGeom prst="rect">
+            <a:avLst/>
+          </a:prstGeom>
+        </p:spPr>
+        <p:txBody>
+          <a:bodyPr/>
+          <a:lstStyle/>
+          <a:p>
+            <a:pPr/>
+            <a:r>
+              <a:t>Jak s tím učit?</a:t>
+            </a:r>
+          </a:p>
+        </p:txBody>
+      </p:sp>
+      <p:sp>
+        <p:nvSpPr>
+          <p:cNvPr id="315" name="Podtitul snímku"/>
+          <p:cNvSpPr txBox="1"/>
+          <p:nvPr>
+            <p:ph type="body" idx="21"/>
+          </p:nvPr>
+        </p:nvSpPr>
+        <p:spPr>
+          <a:prstGeom prst="rect">
+            <a:avLst/>
+          </a:prstGeom>
+        </p:spPr>
+        <p:txBody>
+          <a:bodyPr/>
+          <a:lstStyle/>
+          <a:p>
+            <a:pPr/>
+          </a:p>
+        </p:txBody>
+      </p:sp>
+      <p:sp>
+        <p:nvSpPr>
+          <p:cNvPr id="316" name="Zmizí junior programátoři?…"/>
+          <p:cNvSpPr txBox="1"/>
+          <p:nvPr>
+            <p:ph type="body" idx="1"/>
+          </p:nvPr>
+        </p:nvSpPr>
+        <p:spPr>
+          <a:prstGeom prst="rect">
+            <a:avLst/>
+          </a:prstGeom>
+        </p:spPr>
+        <p:txBody>
+          <a:bodyPr/>
+          <a:lstStyle/>
+          <a:p>
+            <a:pPr/>
+            <a:r>
+              <a:t>Zmizí junior programátoři?</a:t>
+            </a:r>
+          </a:p>
+          <a:p>
+            <a:pPr/>
+            <a:r>
+              <a:t>Dají se domácí úkoly dělat prostým dotazem do LLM?</a:t>
+            </a:r>
+          </a:p>
+        </p:txBody>
+      </p:sp>
+    </p:spTree>
+  </p:cSld>
+  <p:clrMapOvr>
+    <a:masterClrMapping/>
+  </p:clrMapOvr>
+  <p:transition xmlns:p14="http://schemas.microsoft.com/office/powerpoint/2010/main" spd="med" advClick="1"/>
 </p:sld>
 </file>
 
@@ -7751,7 +8597,7 @@
       </p:sp>
       <p:sp>
         <p:nvSpPr>
-          <p:cNvPr id="184" name="Podtitul snímku"/>
+          <p:cNvPr id="184" name="Pro začátek malinká"/>
           <p:cNvSpPr txBox="1"/>
           <p:nvPr>
             <p:ph type="body" idx="21"/>
@@ -7761,18 +8607,26 @@
           <a:prstGeom prst="rect">
             <a:avLst/>
           </a:prstGeom>
-        </p:spPr>
-        <p:txBody>
-          <a:bodyPr/>
-          <a:lstStyle/>
-          <a:p>
-            <a:pPr/>
-          </a:p>
-        </p:txBody>
-      </p:sp>
-      <p:sp>
-        <p:nvSpPr>
-          <p:cNvPr id="185" name="Megabajty…"/>
+          <a:extLst>
+            <a:ext uri="{C572A759-6A51-4108-AA02-DFA0A04FC94B}">
+              <ma14:wrappingTextBoxFlag xmlns:ma14="http://schemas.microsoft.com/office/mac/drawingml/2011/main" val="1"/>
+            </a:ext>
+          </a:extLst>
+        </p:spPr>
+        <p:txBody>
+          <a:bodyPr/>
+          <a:lstStyle/>
+          <a:p>
+            <a:pPr/>
+            <a:r>
+              <a:t>Pro začátek malinká</a:t>
+            </a:r>
+          </a:p>
+        </p:txBody>
+      </p:sp>
+      <p:sp>
+        <p:nvSpPr>
+          <p:cNvPr id="185" name="Bit (0 nebo 1)…"/>
           <p:cNvSpPr txBox="1"/>
           <p:nvPr>
             <p:ph type="body" idx="1"/>
@@ -7789,31 +8643,37 @@
           <a:p>
             <a:pPr/>
             <a:r>
-              <a:t>Megabajty</a:t>
+              <a:t>Bit (0 nebo 1)</a:t>
             </a:r>
           </a:p>
           <a:p>
             <a:pPr lvl="1"/>
             <a:r>
-              <a:t>fotka, kniha, sken, text můžu zpracovat v excelu</a:t>
-            </a:r>
-          </a:p>
-          <a:p>
-            <a:pPr/>
-            <a:r>
-              <a:t>Gigabajty</a:t>
+              <a:t>informace ano-ne - kamkoliv</a:t>
+            </a:r>
+          </a:p>
+          <a:p>
+            <a:pPr/>
+            <a:r>
+              <a:t>Bajt - 8 bitů </a:t>
             </a:r>
           </a:p>
           <a:p>
             <a:pPr lvl="1"/>
             <a:r>
-              <a:t>film, fotoalbum, aplikace (s grafikou), můžu uložit do databáze a zpracovat</a:t>
+              <a:t>jedno písmenko nebo malé číslo - zapamatuju si</a:t>
+            </a:r>
+          </a:p>
+          <a:p>
+            <a:pPr/>
+            <a:r>
+              <a:t>Kilobajty </a:t>
             </a:r>
           </a:p>
           <a:p>
             <a:pPr lvl="1"/>
             <a:r>
-              <a:t>naprogramovat program, který to zpracovává (Python Pandas)</a:t>
+              <a:t>textový email - Vytisknu na papír</a:t>
             </a:r>
           </a:p>
         </p:txBody>
@@ -8100,6 +8960,54 @@
                       </p:childTnLst>
                     </p:cTn>
                   </p:par>
+                  <p:par>
+                    <p:cTn id="25" fill="hold">
+                      <p:stCondLst>
+                        <p:cond delay="indefinite"/>
+                      </p:stCondLst>
+                      <p:childTnLst>
+                        <p:par>
+                          <p:cTn id="26" fill="hold">
+                            <p:stCondLst>
+                              <p:cond delay="0"/>
+                            </p:stCondLst>
+                            <p:childTnLst>
+                              <p:par>
+                                <p:cTn id="27" presetClass="entr" nodeType="clickEffect" presetSubtype="0" presetID="1" grpId="1" fill="hold">
+                                  <p:stCondLst>
+                                    <p:cond delay="0"/>
+                                  </p:stCondLst>
+                                  <p:iterate type="el" backwards="0">
+                                    <p:tmAbs val="0"/>
+                                  </p:iterate>
+                                  <p:childTnLst>
+                                    <p:set>
+                                      <p:cBhvr>
+                                        <p:cTn id="28" fill="hold"/>
+                                        <p:tgtEl>
+                                          <p:spTgt spid="185">
+                                            <p:txEl>
+                                              <p:pRg st="5" end="5"/>
+                                            </p:txEl>
+                                          </p:spTgt>
+                                        </p:tgtEl>
+                                        <p:attrNameLst>
+                                          <p:attrName>style.visibility</p:attrName>
+                                        </p:attrNameLst>
+                                      </p:cBhvr>
+                                      <p:to>
+                                        <p:strVal val="visible"/>
+                                      </p:to>
+                                    </p:set>
+                                  </p:childTnLst>
+                                </p:cTn>
+                              </p:par>
+                            </p:childTnLst>
+                          </p:cTn>
+                        </p:par>
+                      </p:childTnLst>
+                    </p:cTn>
+                  </p:par>
                 </p:childTnLst>
               </p:cTn>
               <p:prevCondLst>
@@ -8171,7 +9079,7 @@
       </p:sp>
       <p:sp>
         <p:nvSpPr>
-          <p:cNvPr id="188" name="Větší data"/>
+          <p:cNvPr id="188" name="Podtitul snímku"/>
           <p:cNvSpPr txBox="1"/>
           <p:nvPr>
             <p:ph type="body" idx="21"/>
@@ -8181,26 +9089,18 @@
           <a:prstGeom prst="rect">
             <a:avLst/>
           </a:prstGeom>
-          <a:extLst>
-            <a:ext uri="{C572A759-6A51-4108-AA02-DFA0A04FC94B}">
-              <ma14:wrappingTextBoxFlag xmlns:ma14="http://schemas.microsoft.com/office/mac/drawingml/2011/main" val="1"/>
-            </a:ext>
-          </a:extLst>
-        </p:spPr>
-        <p:txBody>
-          <a:bodyPr/>
-          <a:lstStyle/>
-          <a:p>
-            <a:pPr/>
-            <a:r>
-              <a:t>Větší data</a:t>
-            </a:r>
-          </a:p>
-        </p:txBody>
-      </p:sp>
-      <p:sp>
-        <p:nvSpPr>
-          <p:cNvPr id="189" name="Terabajty…"/>
+        </p:spPr>
+        <p:txBody>
+          <a:bodyPr/>
+          <a:lstStyle/>
+          <a:p>
+            <a:pPr/>
+          </a:p>
+        </p:txBody>
+      </p:sp>
+      <p:sp>
+        <p:nvSpPr>
+          <p:cNvPr id="189" name="Megabajty…"/>
           <p:cNvSpPr txBox="1"/>
           <p:nvPr>
             <p:ph type="body" idx="1"/>
@@ -8217,37 +9117,31 @@
           <a:p>
             <a:pPr/>
             <a:r>
-              <a:t>Terabajty</a:t>
+              <a:t>Megabajty</a:t>
             </a:r>
           </a:p>
           <a:p>
             <a:pPr lvl="1"/>
             <a:r>
-              <a:t>jednotky: velikost disku - většinou filmy, fotky, aplikace</a:t>
+              <a:t>fotka, kniha, sken, text můžu zpracovat v excelu</a:t>
+            </a:r>
+          </a:p>
+          <a:p>
+            <a:pPr/>
+            <a:r>
+              <a:t>Gigabajty</a:t>
             </a:r>
           </a:p>
           <a:p>
             <a:pPr lvl="1"/>
             <a:r>
-              <a:t>desítky, stovky - spousty videí? (youtube - exabajty)</a:t>
-            </a:r>
-          </a:p>
-          <a:p>
-            <a:pPr/>
-            <a:r>
-              <a:t>Petabajty - 1024 Terabajtů</a:t>
+              <a:t>film, fotoalbum, aplikace (s grafikou), můžu uložit do databáze a zpracovat</a:t>
             </a:r>
           </a:p>
           <a:p>
             <a:pPr lvl="1"/>
             <a:r>
-              <a:t>Ještě víc videí</a:t>
-            </a:r>
-          </a:p>
-          <a:p>
-            <a:pPr lvl="1"/>
-            <a:r>
-              <a:t>Záznamy chování lidí na internetu</a:t>
+              <a:t>naprogramovat program, který to zpracovává (Python Pandas)</a:t>
             </a:r>
           </a:p>
         </p:txBody>
@@ -8534,54 +9428,6 @@
                       </p:childTnLst>
                     </p:cTn>
                   </p:par>
-                  <p:par>
-                    <p:cTn id="25" fill="hold">
-                      <p:stCondLst>
-                        <p:cond delay="indefinite"/>
-                      </p:stCondLst>
-                      <p:childTnLst>
-                        <p:par>
-                          <p:cTn id="26" fill="hold">
-                            <p:stCondLst>
-                              <p:cond delay="0"/>
-                            </p:stCondLst>
-                            <p:childTnLst>
-                              <p:par>
-                                <p:cTn id="27" presetClass="entr" nodeType="clickEffect" presetSubtype="0" presetID="1" grpId="1" fill="hold">
-                                  <p:stCondLst>
-                                    <p:cond delay="0"/>
-                                  </p:stCondLst>
-                                  <p:iterate type="el" backwards="0">
-                                    <p:tmAbs val="0"/>
-                                  </p:iterate>
-                                  <p:childTnLst>
-                                    <p:set>
-                                      <p:cBhvr>
-                                        <p:cTn id="28" fill="hold"/>
-                                        <p:tgtEl>
-                                          <p:spTgt spid="189">
-                                            <p:txEl>
-                                              <p:pRg st="5" end="5"/>
-                                            </p:txEl>
-                                          </p:spTgt>
-                                        </p:tgtEl>
-                                        <p:attrNameLst>
-                                          <p:attrName>style.visibility</p:attrName>
-                                        </p:attrNameLst>
-                                      </p:cBhvr>
-                                      <p:to>
-                                        <p:strVal val="visible"/>
-                                      </p:to>
-                                    </p:set>
-                                  </p:childTnLst>
-                                </p:cTn>
-                              </p:par>
-                            </p:childTnLst>
-                          </p:cTn>
-                        </p:par>
-                      </p:childTnLst>
-                    </p:cTn>
-                  </p:par>
                 </p:childTnLst>
               </p:cTn>
               <p:prevCondLst>
@@ -8653,7 +9499,7 @@
       </p:sp>
       <p:sp>
         <p:nvSpPr>
-          <p:cNvPr id="192" name="Podtitul snímku"/>
+          <p:cNvPr id="192" name="Větší data"/>
           <p:cNvSpPr txBox="1"/>
           <p:nvPr>
             <p:ph type="body" idx="21"/>
@@ -8663,18 +9509,26 @@
           <a:prstGeom prst="rect">
             <a:avLst/>
           </a:prstGeom>
-        </p:spPr>
-        <p:txBody>
-          <a:bodyPr/>
-          <a:lstStyle/>
-          <a:p>
-            <a:pPr/>
-          </a:p>
-        </p:txBody>
-      </p:sp>
-      <p:sp>
-        <p:nvSpPr>
-          <p:cNvPr id="193" name="Exabajty - 1024 Petabajtů…"/>
+          <a:extLst>
+            <a:ext uri="{C572A759-6A51-4108-AA02-DFA0A04FC94B}">
+              <ma14:wrappingTextBoxFlag xmlns:ma14="http://schemas.microsoft.com/office/mac/drawingml/2011/main" val="1"/>
+            </a:ext>
+          </a:extLst>
+        </p:spPr>
+        <p:txBody>
+          <a:bodyPr/>
+          <a:lstStyle/>
+          <a:p>
+            <a:pPr/>
+            <a:r>
+              <a:t>Větší data</a:t>
+            </a:r>
+          </a:p>
+        </p:txBody>
+      </p:sp>
+      <p:sp>
+        <p:nvSpPr>
+          <p:cNvPr id="193" name="Terabajty…"/>
           <p:cNvSpPr txBox="1"/>
           <p:nvPr>
             <p:ph type="body" idx="1"/>
@@ -8691,25 +9545,37 @@
           <a:p>
             <a:pPr/>
             <a:r>
-              <a:t>Exabajty - 1024 Petabajtů</a:t>
+              <a:t>Terabajty</a:t>
             </a:r>
           </a:p>
           <a:p>
             <a:pPr lvl="1"/>
             <a:r>
-              <a:t>Velikost Youtube řádově (ještě víc videí)</a:t>
-            </a:r>
-          </a:p>
-          <a:p>
-            <a:pPr/>
-            <a:r>
-              <a:t>Zetabajty - 1024 Exabajtů</a:t>
+              <a:t>jednotky: velikost disku - většinou filmy, fotky, aplikace</a:t>
             </a:r>
           </a:p>
           <a:p>
             <a:pPr lvl="1"/>
             <a:r>
-              <a:t>Velikost Internetu (64 ZB k roku 2020)</a:t>
+              <a:t>desítky, stovky - spousty videí? (youtube - exabajty)</a:t>
+            </a:r>
+          </a:p>
+          <a:p>
+            <a:pPr/>
+            <a:r>
+              <a:t>Petabajty - 1024 Terabajtů</a:t>
+            </a:r>
+          </a:p>
+          <a:p>
+            <a:pPr lvl="1"/>
+            <a:r>
+              <a:t>Ještě víc videí</a:t>
+            </a:r>
+          </a:p>
+          <a:p>
+            <a:pPr lvl="1"/>
+            <a:r>
+              <a:t>Záznamy chování lidí na internetu</a:t>
             </a:r>
           </a:p>
         </p:txBody>
@@ -8948,6 +9814,102 @@
                       </p:childTnLst>
                     </p:cTn>
                   </p:par>
+                  <p:par>
+                    <p:cTn id="21" fill="hold">
+                      <p:stCondLst>
+                        <p:cond delay="indefinite"/>
+                      </p:stCondLst>
+                      <p:childTnLst>
+                        <p:par>
+                          <p:cTn id="22" fill="hold">
+                            <p:stCondLst>
+                              <p:cond delay="0"/>
+                            </p:stCondLst>
+                            <p:childTnLst>
+                              <p:par>
+                                <p:cTn id="23" presetClass="entr" nodeType="clickEffect" presetSubtype="0" presetID="1" grpId="1" fill="hold">
+                                  <p:stCondLst>
+                                    <p:cond delay="0"/>
+                                  </p:stCondLst>
+                                  <p:iterate type="el" backwards="0">
+                                    <p:tmAbs val="0"/>
+                                  </p:iterate>
+                                  <p:childTnLst>
+                                    <p:set>
+                                      <p:cBhvr>
+                                        <p:cTn id="24" fill="hold"/>
+                                        <p:tgtEl>
+                                          <p:spTgt spid="193">
+                                            <p:txEl>
+                                              <p:pRg st="4" end="4"/>
+                                            </p:txEl>
+                                          </p:spTgt>
+                                        </p:tgtEl>
+                                        <p:attrNameLst>
+                                          <p:attrName>style.visibility</p:attrName>
+                                        </p:attrNameLst>
+                                      </p:cBhvr>
+                                      <p:to>
+                                        <p:strVal val="visible"/>
+                                      </p:to>
+                                    </p:set>
+                                  </p:childTnLst>
+                                </p:cTn>
+                              </p:par>
+                            </p:childTnLst>
+                          </p:cTn>
+                        </p:par>
+                      </p:childTnLst>
+                    </p:cTn>
+                  </p:par>
+                  <p:par>
+                    <p:cTn id="25" fill="hold">
+                      <p:stCondLst>
+                        <p:cond delay="indefinite"/>
+                      </p:stCondLst>
+                      <p:childTnLst>
+                        <p:par>
+                          <p:cTn id="26" fill="hold">
+                            <p:stCondLst>
+                              <p:cond delay="0"/>
+                            </p:stCondLst>
+                            <p:childTnLst>
+                              <p:par>
+                                <p:cTn id="27" presetClass="entr" nodeType="clickEffect" presetSubtype="0" presetID="1" grpId="1" fill="hold">
+                                  <p:stCondLst>
+                                    <p:cond delay="0"/>
+                                  </p:stCondLst>
+                                  <p:iterate type="el" backwards="0">
+                                    <p:tmAbs val="0"/>
+                                  </p:iterate>
+                                  <p:childTnLst>
+                                    <p:set>
+                                      <p:cBhvr>
+                                        <p:cTn id="28" fill="hold"/>
+                                        <p:tgtEl>
+                                          <p:spTgt spid="193">
+                                            <p:txEl>
+                                              <p:pRg st="5" end="5"/>
+                                            </p:txEl>
+                                          </p:spTgt>
+                                        </p:tgtEl>
+                                        <p:attrNameLst>
+                                          <p:attrName>style.visibility</p:attrName>
+                                        </p:attrNameLst>
+                                      </p:cBhvr>
+                                      <p:to>
+                                        <p:strVal val="visible"/>
+                                      </p:to>
+                                    </p:set>
+                                  </p:childTnLst>
+                                </p:cTn>
+                              </p:par>
+                            </p:childTnLst>
+                          </p:cTn>
+                        </p:par>
+                      </p:childTnLst>
+                    </p:cTn>
+                  </p:par>
                 </p:childTnLst>
               </p:cTn>
               <p:prevCondLst>
@@ -8995,7 +9957,7 @@
       </p:grpSpPr>
       <p:sp>
         <p:nvSpPr>
-          <p:cNvPr id="195" name="Co už označit za Big Data?"/>
+          <p:cNvPr id="195" name="Jaká data existují"/>
           <p:cNvSpPr txBox="1"/>
           <p:nvPr>
             <p:ph type="title"/>
@@ -9012,7 +9974,7 @@
           <a:p>
             <a:pPr/>
             <a:r>
-              <a:t>Co už označit za Big Data?</a:t>
+              <a:t>Jaká data existují</a:t>
             </a:r>
           </a:p>
         </p:txBody>
@@ -9040,7 +10002,7 @@
       </p:sp>
       <p:sp>
         <p:nvSpPr>
-          <p:cNvPr id="197" name="Zpracováváme větší data než se vejdou do tradiční databáze? (několik Serverů?)…"/>
+          <p:cNvPr id="197" name="Exabajty - 1024 Petabajtů…"/>
           <p:cNvSpPr txBox="1"/>
           <p:nvPr>
             <p:ph type="body" idx="1"/>
@@ -9057,138 +10019,25 @@
           <a:p>
             <a:pPr/>
             <a:r>
-              <a:t>Zpracováváme větší data než se vejdou do tradiční databáze? (několik Serverů?)</a:t>
-            </a:r>
-          </a:p>
-          <a:p>
-            <a:pPr/>
-            <a:r>
-              <a:t>Potřebujeme za běhu zpracovávat více dat než zvládne pár serverů? (Google vyhledávání, větší weby)</a:t>
-            </a:r>
-          </a:p>
-          <a:p>
-            <a:pPr/>
-            <a:r>
-              <a:t>Další Wiki charakteristiky: Rozmanitost, Spolehlivost, Hodnota, Kompletnost, ...</a:t>
-            </a:r>
-          </a:p>
-        </p:txBody>
-      </p:sp>
-    </p:spTree>
-  </p:cSld>
-  <p:clrMapOvr>
-    <a:masterClrMapping/>
-  </p:clrMapOvr>
-  <p:transition xmlns:p14="http://schemas.microsoft.com/office/powerpoint/2010/main" spd="med" advClick="1"/>
-</p:sld>
-</file>
-
-<file path=ppt/slides/slide8.xml><?xml version="1.0" encoding="utf-8"?>
-<p:sld xmlns:a="http://schemas.openxmlformats.org/drawingml/2006/main" xmlns:r="http://schemas.openxmlformats.org/officeDocument/2006/relationships" xmlns:p="http://schemas.openxmlformats.org/presentationml/2006/main" xmlns:m="http://schemas.openxmlformats.org/officeDocument/2006/math" xmlns:a14="http://schemas.microsoft.com/office/drawing/2010/main" showMasterSp="1" showMasterPhAnim="1">
-  <p:cSld>
-    <p:spTree>
-      <p:nvGrpSpPr>
-        <p:cNvPr id="1" name=""/>
-        <p:cNvGrpSpPr/>
-        <p:nvPr/>
-      </p:nvGrpSpPr>
-      <p:grpSpPr>
-        <a:xfrm>
-          <a:off x="0" y="0"/>
-          <a:ext cx="0" cy="0"/>
-          <a:chOff x="0" y="0"/>
-          <a:chExt cx="0" cy="0"/>
-        </a:xfrm>
-      </p:grpSpPr>
-      <p:sp>
-        <p:nvSpPr>
-          <p:cNvPr id="199" name="Kde se ty data berou?"/>
-          <p:cNvSpPr txBox="1"/>
-          <p:nvPr>
-            <p:ph type="title"/>
-          </p:nvPr>
-        </p:nvSpPr>
-        <p:spPr>
-          <a:prstGeom prst="rect">
-            <a:avLst/>
-          </a:prstGeom>
-        </p:spPr>
-        <p:txBody>
-          <a:bodyPr/>
-          <a:lstStyle/>
-          <a:p>
-            <a:pPr/>
-            <a:r>
-              <a:t>Kde se ty data berou?</a:t>
-            </a:r>
-          </a:p>
-        </p:txBody>
-      </p:sp>
-      <p:sp>
-        <p:nvSpPr>
-          <p:cNvPr id="200" name="Podtitul snímku"/>
-          <p:cNvSpPr txBox="1"/>
-          <p:nvPr>
-            <p:ph type="body" idx="21"/>
-          </p:nvPr>
-        </p:nvSpPr>
-        <p:spPr>
-          <a:prstGeom prst="rect">
-            <a:avLst/>
-          </a:prstGeom>
-        </p:spPr>
-        <p:txBody>
-          <a:bodyPr/>
-          <a:lstStyle/>
-          <a:p>
-            <a:pPr/>
-          </a:p>
-        </p:txBody>
-      </p:sp>
-      <p:sp>
-        <p:nvSpPr>
-          <p:cNvPr id="201" name="Obsah ze sociálních sítí (videa, fotky, profily, propojení)…"/>
-          <p:cNvSpPr txBox="1"/>
-          <p:nvPr>
-            <p:ph type="body" idx="1"/>
-          </p:nvPr>
-        </p:nvSpPr>
-        <p:spPr>
-          <a:prstGeom prst="rect">
-            <a:avLst/>
-          </a:prstGeom>
-        </p:spPr>
-        <p:txBody>
-          <a:bodyPr/>
-          <a:lstStyle/>
+              <a:t>Exabajty - 1024 Petabajtů</a:t>
+            </a:r>
+          </a:p>
           <a:p>
             <a:pPr lvl="1"/>
             <a:r>
-              <a:t>Obsah ze sociálních sítí (videa, fotky, profily, propojení)</a:t>
+              <a:t>Velikost Youtube řádově (ještě víc videí)</a:t>
+            </a:r>
+          </a:p>
+          <a:p>
+            <a:pPr/>
+            <a:r>
+              <a:t>Zetabajty - 1024 Exabajtů</a:t>
             </a:r>
           </a:p>
           <a:p>
             <a:pPr lvl="1"/>
             <a:r>
-              <a:t>Chování uživatelů sociálních sítí (scrollování, kliky, doba sledování)</a:t>
-            </a:r>
-          </a:p>
-          <a:p>
-            <a:pPr lvl="1"/>
-            <a:r>
-              <a:t>Všechny najeté jízdy Uberu (10 PB cluster v 2020)</a:t>
-            </a:r>
-          </a:p>
-          <a:p>
-            <a:pPr lvl="1"/>
-            <a:r>
-              <a:t>Všechna vyhledávání Google</a:t>
-            </a:r>
-          </a:p>
-          <a:p>
-            <a:pPr lvl="1"/>
-            <a:r>
-              <a:t>Záznamy o poloze chytrých telefonů</a:t>
+              <a:t>Velikost Internetu (64 ZB k roku 2020)</a:t>
             </a:r>
           </a:p>
         </p:txBody>
@@ -9232,7 +10081,183 @@
                                       <p:cBhvr>
                                         <p:cTn id="6" fill="hold"/>
                                         <p:tgtEl>
-                                          <p:spTgt spid="201"/>
+                                          <p:spTgt spid="197">
+                                            <p:bg/>
+                                          </p:spTgt>
+                                        </p:tgtEl>
+                                        <p:attrNameLst>
+                                          <p:attrName>style.visibility</p:attrName>
+                                        </p:attrNameLst>
+                                      </p:cBhvr>
+                                      <p:to>
+                                        <p:strVal val="visible"/>
+                                      </p:to>
+                                    </p:set>
+                                  </p:childTnLst>
+                                </p:cTn>
+                              </p:par>
+                              <p:par>
+                                <p:cTn id="7" presetClass="entr" nodeType="withEffect" presetSubtype="0" presetID="1" grpId="1" fill="hold">
+                                  <p:stCondLst>
+                                    <p:cond delay="0"/>
+                                  </p:stCondLst>
+                                  <p:iterate type="el" backwards="0">
+                                    <p:tmAbs val="0"/>
+                                  </p:iterate>
+                                  <p:childTnLst>
+                                    <p:set>
+                                      <p:cBhvr>
+                                        <p:cTn id="8" fill="hold"/>
+                                        <p:tgtEl>
+                                          <p:spTgt spid="197">
+                                            <p:txEl>
+                                              <p:pRg st="0" end="0"/>
+                                            </p:txEl>
+                                          </p:spTgt>
+                                        </p:tgtEl>
+                                        <p:attrNameLst>
+                                          <p:attrName>style.visibility</p:attrName>
+                                        </p:attrNameLst>
+                                      </p:cBhvr>
+                                      <p:to>
+                                        <p:strVal val="visible"/>
+                                      </p:to>
+                                    </p:set>
+                                  </p:childTnLst>
+                                </p:cTn>
+                              </p:par>
+                            </p:childTnLst>
+                          </p:cTn>
+                        </p:par>
+                      </p:childTnLst>
+                    </p:cTn>
+                  </p:par>
+                  <p:par>
+                    <p:cTn id="9" fill="hold">
+                      <p:stCondLst>
+                        <p:cond delay="indefinite"/>
+                      </p:stCondLst>
+                      <p:childTnLst>
+                        <p:par>
+                          <p:cTn id="10" fill="hold">
+                            <p:stCondLst>
+                              <p:cond delay="0"/>
+                            </p:stCondLst>
+                            <p:childTnLst>
+                              <p:par>
+                                <p:cTn id="11" presetClass="entr" nodeType="clickEffect" presetSubtype="0" presetID="1" grpId="1" fill="hold">
+                                  <p:stCondLst>
+                                    <p:cond delay="0"/>
+                                  </p:stCondLst>
+                                  <p:iterate type="el" backwards="0">
+                                    <p:tmAbs val="0"/>
+                                  </p:iterate>
+                                  <p:childTnLst>
+                                    <p:set>
+                                      <p:cBhvr>
+                                        <p:cTn id="12" fill="hold"/>
+                                        <p:tgtEl>
+                                          <p:spTgt spid="197">
+                                            <p:txEl>
+                                              <p:pRg st="1" end="1"/>
+                                            </p:txEl>
+                                          </p:spTgt>
+                                        </p:tgtEl>
+                                        <p:attrNameLst>
+                                          <p:attrName>style.visibility</p:attrName>
+                                        </p:attrNameLst>
+                                      </p:cBhvr>
+                                      <p:to>
+                                        <p:strVal val="visible"/>
+                                      </p:to>
+                                    </p:set>
+                                  </p:childTnLst>
+                                </p:cTn>
+                              </p:par>
+                            </p:childTnLst>
+                          </p:cTn>
+                        </p:par>
+                      </p:childTnLst>
+                    </p:cTn>
+                  </p:par>
+                  <p:par>
+                    <p:cTn id="13" fill="hold">
+                      <p:stCondLst>
+                        <p:cond delay="indefinite"/>
+                      </p:stCondLst>
+                      <p:childTnLst>
+                        <p:par>
+                          <p:cTn id="14" fill="hold">
+                            <p:stCondLst>
+                              <p:cond delay="0"/>
+                            </p:stCondLst>
+                            <p:childTnLst>
+                              <p:par>
+                                <p:cTn id="15" presetClass="entr" nodeType="clickEffect" presetSubtype="0" presetID="1" grpId="1" fill="hold">
+                                  <p:stCondLst>
+                                    <p:cond delay="0"/>
+                                  </p:stCondLst>
+                                  <p:iterate type="el" backwards="0">
+                                    <p:tmAbs val="0"/>
+                                  </p:iterate>
+                                  <p:childTnLst>
+                                    <p:set>
+                                      <p:cBhvr>
+                                        <p:cTn id="16" fill="hold"/>
+                                        <p:tgtEl>
+                                          <p:spTgt spid="197">
+                                            <p:txEl>
+                                              <p:pRg st="2" end="2"/>
+                                            </p:txEl>
+                                          </p:spTgt>
+                                        </p:tgtEl>
+                                        <p:attrNameLst>
+                                          <p:attrName>style.visibility</p:attrName>
+                                        </p:attrNameLst>
+                                      </p:cBhvr>
+                                      <p:to>
+                                        <p:strVal val="visible"/>
+                                      </p:to>
+                                    </p:set>
+                                  </p:childTnLst>
+                                </p:cTn>
+                              </p:par>
+                            </p:childTnLst>
+                          </p:cTn>
+                        </p:par>
+                      </p:childTnLst>
+                    </p:cTn>
+                  </p:par>
+                  <p:par>
+                    <p:cTn id="17" fill="hold">
+                      <p:stCondLst>
+                        <p:cond delay="indefinite"/>
+                      </p:stCondLst>
+                      <p:childTnLst>
+                        <p:par>
+                          <p:cTn id="18" fill="hold">
+                            <p:stCondLst>
+                              <p:cond delay="0"/>
+                            </p:stCondLst>
+                            <p:childTnLst>
+                              <p:par>
+                                <p:cTn id="19" presetClass="entr" nodeType="clickEffect" presetSubtype="0" presetID="1" grpId="1" fill="hold">
+                                  <p:stCondLst>
+                                    <p:cond delay="0"/>
+                                  </p:stCondLst>
+                                  <p:iterate type="el" backwards="0">
+                                    <p:tmAbs val="0"/>
+                                  </p:iterate>
+                                  <p:childTnLst>
+                                    <p:set>
+                                      <p:cBhvr>
+                                        <p:cTn id="20" fill="hold"/>
+                                        <p:tgtEl>
+                                          <p:spTgt spid="197">
+                                            <p:txEl>
+                                              <p:pRg st="3" end="3"/>
+                                            </p:txEl>
+                                          </p:spTgt>
                                         </p:tgtEl>
                                         <p:attrNameLst>
                                           <p:attrName>style.visibility</p:attrName>
@@ -9273,9 +10298,116 @@
       </p:par>
     </p:tnLst>
     <p:bldLst>
-      <p:bldP build="whole" bldLvl="1" animBg="1" rev="0" advAuto="0" spid="201" grpId="1"/>
+      <p:bldP build="p" bldLvl="5" animBg="1" rev="0" advAuto="0" spid="197" grpId="1"/>
     </p:bldLst>
   </p:timing>
+</p:sld>
+</file>
+
+<file path=ppt/slides/slide8.xml><?xml version="1.0" encoding="utf-8"?>
+<p:sld xmlns:a="http://schemas.openxmlformats.org/drawingml/2006/main" xmlns:r="http://schemas.openxmlformats.org/officeDocument/2006/relationships" xmlns:p="http://schemas.openxmlformats.org/presentationml/2006/main" xmlns:m="http://schemas.openxmlformats.org/officeDocument/2006/math" xmlns:a14="http://schemas.microsoft.com/office/drawing/2010/main" showMasterSp="1" showMasterPhAnim="1">
+  <p:cSld>
+    <p:spTree>
+      <p:nvGrpSpPr>
+        <p:cNvPr id="1" name=""/>
+        <p:cNvGrpSpPr/>
+        <p:nvPr/>
+      </p:nvGrpSpPr>
+      <p:grpSpPr>
+        <a:xfrm>
+          <a:off x="0" y="0"/>
+          <a:ext cx="0" cy="0"/>
+          <a:chOff x="0" y="0"/>
+          <a:chExt cx="0" cy="0"/>
+        </a:xfrm>
+      </p:grpSpPr>
+      <p:sp>
+        <p:nvSpPr>
+          <p:cNvPr id="199" name="Co už označit za Big Data?"/>
+          <p:cNvSpPr txBox="1"/>
+          <p:nvPr>
+            <p:ph type="title"/>
+          </p:nvPr>
+        </p:nvSpPr>
+        <p:spPr>
+          <a:prstGeom prst="rect">
+            <a:avLst/>
+          </a:prstGeom>
+        </p:spPr>
+        <p:txBody>
+          <a:bodyPr/>
+          <a:lstStyle/>
+          <a:p>
+            <a:pPr/>
+            <a:r>
+              <a:t>Co už označit za Big Data?</a:t>
+            </a:r>
+          </a:p>
+        </p:txBody>
+      </p:sp>
+      <p:sp>
+        <p:nvSpPr>
+          <p:cNvPr id="200" name="Podtitul snímku"/>
+          <p:cNvSpPr txBox="1"/>
+          <p:nvPr>
+            <p:ph type="body" idx="21"/>
+          </p:nvPr>
+        </p:nvSpPr>
+        <p:spPr>
+          <a:prstGeom prst="rect">
+            <a:avLst/>
+          </a:prstGeom>
+        </p:spPr>
+        <p:txBody>
+          <a:bodyPr/>
+          <a:lstStyle/>
+          <a:p>
+            <a:pPr/>
+          </a:p>
+        </p:txBody>
+      </p:sp>
+      <p:sp>
+        <p:nvSpPr>
+          <p:cNvPr id="201" name="Zpracováváme větší data než se vejdou do tradiční databáze? (mnoho Serverů?)…"/>
+          <p:cNvSpPr txBox="1"/>
+          <p:nvPr>
+            <p:ph type="body" idx="1"/>
+          </p:nvPr>
+        </p:nvSpPr>
+        <p:spPr>
+          <a:prstGeom prst="rect">
+            <a:avLst/>
+          </a:prstGeom>
+        </p:spPr>
+        <p:txBody>
+          <a:bodyPr/>
+          <a:lstStyle/>
+          <a:p>
+            <a:pPr/>
+            <a:r>
+              <a:t>Zpracováváme větší data než se vejdou do tradiční databáze? (mnoho Serverů?)</a:t>
+            </a:r>
+          </a:p>
+          <a:p>
+            <a:pPr/>
+            <a:r>
+              <a:t>Protéká naším systémem více dat než zvládne pár serverů? (Google vyhledávání, větší weby)</a:t>
+            </a:r>
+          </a:p>
+          <a:p>
+            <a:pPr/>
+            <a:r>
+              <a:t>Další Wiki charakteristiky: Rozmanitost, Spolehlivost, Hodnota, Kompletnost, ...</a:t>
+            </a:r>
+          </a:p>
+        </p:txBody>
+      </p:sp>
+    </p:spTree>
+  </p:cSld>
+  <p:clrMapOvr>
+    <a:masterClrMapping/>
+  </p:clrMapOvr>
+  <p:transition xmlns:p14="http://schemas.microsoft.com/office/powerpoint/2010/main" spd="med" advClick="1"/>
 </p:sld>
 </file>
 
@@ -9343,7 +10475,7 @@
       </p:sp>
       <p:sp>
         <p:nvSpPr>
-          <p:cNvPr id="205" name="Sebrané kliky na internetu (Avast 2020)…"/>
+          <p:cNvPr id="205" name="Obsah ze sociálních sítí (videa, fotky, profily, propojení)…"/>
           <p:cNvSpPr txBox="1"/>
           <p:nvPr>
             <p:ph type="body" idx="1"/>
@@ -9360,43 +10492,31 @@
           <a:p>
             <a:pPr lvl="1"/>
             <a:r>
-              <a:t>Sebrané kliky na internetu (</a:t>
-            </a:r>
-            <a:r>
-              <a:rPr u="sng">
-                <a:hlinkClick r:id="rId2" invalidUrl="" action="" tgtFrame="" tooltip="" history="1" highlightClick="0" endSnd="0"/>
-              </a:rPr>
-              <a:t>Avast 2020</a:t>
-            </a:r>
-            <a:r>
-              <a:t>)</a:t>
+              <a:t>Obsah ze sociálních sítí (videa, fotky, profily, propojení)</a:t>
             </a:r>
           </a:p>
           <a:p>
             <a:pPr lvl="1"/>
             <a:r>
-              <a:t>Fotky odeslané robotickými vysavači pro analýzu</a:t>
+              <a:t>Chování uživatelů sociálních sítí (scrollování, kliky, doba sledování)</a:t>
             </a:r>
           </a:p>
           <a:p>
             <a:pPr lvl="1"/>
             <a:r>
-              <a:t>Obecněji data sesbíraná ze všech IOT - světla, chůvičky, kávovary, televize, home assistenti...</a:t>
+              <a:t>Všechny najeté jízdy Uberu (10 PB cluster v 2020)</a:t>
             </a:r>
           </a:p>
           <a:p>
             <a:pPr lvl="1"/>
             <a:r>
-              <a:t>Data z novějších automobilů (diagnostika, kamery, poloha, používání) (</a:t>
-            </a:r>
-            <a:r>
-              <a:rPr u="sng">
-                <a:hlinkClick r:id="rId3" invalidUrl="" action="" tgtFrame="" tooltip="" history="1" highlightClick="0" endSnd="0"/>
-              </a:rPr>
-              <a:t>Mozilla</a:t>
-            </a:r>
-            <a:r>
-              <a:t>)</a:t>
+              <a:t>Všechna vyhledávání Google</a:t>
+            </a:r>
+          </a:p>
+          <a:p>
+            <a:pPr lvl="1"/>
+            <a:r>
+              <a:t>Záznamy o poloze z chytrých telefonů</a:t>
             </a:r>
           </a:p>
         </p:txBody>
@@ -9407,6 +10527,83 @@
     <a:masterClrMapping/>
   </p:clrMapOvr>
   <p:transition xmlns:p14="http://schemas.microsoft.com/office/powerpoint/2010/main" spd="med" advClick="1"/>
+  <p:timing>
+    <p:tnLst>
+      <p:par>
+        <p:cTn id="1" nodeType="tmRoot" restart="never" dur="indefinite" fill="hold">
+          <p:childTnLst>
+            <p:seq concurrent="1" prevAc="none" nextAc="seek">
+              <p:cTn id="2" nodeType="mainSeq" dur="indefinite" fill="hold">
+                <p:childTnLst>
+                  <p:par>
+                    <p:cTn id="3" fill="hold">
+                      <p:stCondLst>
+                        <p:cond delay="indefinite"/>
+                      </p:stCondLst>
+                      <p:childTnLst>
+                        <p:par>
+                          <p:cTn id="4" fill="hold">
+                            <p:stCondLst>
+                              <p:cond delay="0"/>
+                            </p:stCondLst>
+                            <p:childTnLst>
+                              <p:par>
+                                <p:cTn id="5" presetClass="entr" nodeType="clickEffect" presetSubtype="0" presetID="1" grpId="1" fill="hold">
+                                  <p:stCondLst>
+                                    <p:cond delay="0"/>
+                                  </p:stCondLst>
+                                  <p:iterate type="el" backwards="0">
+                                    <p:tmAbs val="0"/>
+                                  </p:iterate>
+                                  <p:childTnLst>
+                                    <p:set>
+                                      <p:cBhvr>
+                                        <p:cTn id="6" fill="hold"/>
+                                        <p:tgtEl>
+                                          <p:spTgt spid="205"/>
+                                        </p:tgtEl>
+                                        <p:attrNameLst>
+                                          <p:attrName>style.visibility</p:attrName>
+                                        </p:attrNameLst>
+                                      </p:cBhvr>
+                                      <p:to>
+                                        <p:strVal val="visible"/>
+                                      </p:to>
+                                    </p:set>
+                                  </p:childTnLst>
+                                </p:cTn>
+                              </p:par>
+                            </p:childTnLst>
+                          </p:cTn>
+                        </p:par>
+                      </p:childTnLst>
+                    </p:cTn>
+                  </p:par>
+                </p:childTnLst>
+              </p:cTn>
+              <p:prevCondLst>
+                <p:cond evt="onPrev">
+                  <p:tgtEl>
+                    <p:sldTgt/>
+                  </p:tgtEl>
+                </p:cond>
+              </p:prevCondLst>
+              <p:nextCondLst>
+                <p:cond evt="onNext">
+                  <p:tgtEl>
+                    <p:sldTgt/>
+                  </p:tgtEl>
+                </p:cond>
+              </p:nextCondLst>
+            </p:seq>
+          </p:childTnLst>
+        </p:cTn>
+      </p:par>
+    </p:tnLst>
+    <p:bldLst>
+      <p:bldP build="whole" bldLvl="1" animBg="1" rev="0" advAuto="0" spid="205" grpId="1"/>
+    </p:bldLst>
+  </p:timing>
 </p:sld>
 </file>
 
